--- a/מצגות שלי/7_REST.pptx
+++ b/מצגות שלי/7_REST.pptx
@@ -228,7 +228,7 @@
           <a:p>
             <a:fld id="{2619FA33-5C78-4040-A82F-ED8AE39E5D1E}" type="datetimeFigureOut">
               <a:rPr lang="en-US" smtClean="0"/>
-              <a:t>10/2/20</a:t>
+              <a:t>1/5/21</a:t>
             </a:fld>
             <a:endParaRPr lang="en-US"/>
           </a:p>
@@ -5987,7 +5987,7 @@
           <a:p>
             <a:fld id="{B1594BF9-9545-5146-9B36-52C3009DFD5B}" type="datetime1">
               <a:rPr lang="en-US" smtClean="0"/>
-              <a:t>10/2/20</a:t>
+              <a:t>1/5/21</a:t>
             </a:fld>
             <a:endParaRPr lang="en-US"/>
           </a:p>
@@ -8477,7 +8477,7 @@
           <a:p>
             <a:fld id="{0B4C31AD-AE96-1843-9F53-89EF7B21E3B6}" type="datetime1">
               <a:rPr lang="en-US" smtClean="0"/>
-              <a:t>10/2/20</a:t>
+              <a:t>1/5/21</a:t>
             </a:fld>
             <a:endParaRPr lang="en-US"/>
           </a:p>
@@ -8675,7 +8675,7 @@
           <a:p>
             <a:fld id="{B1B4C1A5-5C9E-F344-B3D5-658DD73E1128}" type="datetime1">
               <a:rPr lang="en-US" smtClean="0"/>
-              <a:t>10/2/20</a:t>
+              <a:t>1/5/21</a:t>
             </a:fld>
             <a:endParaRPr lang="en-US"/>
           </a:p>
@@ -8883,7 +8883,7 @@
           <a:p>
             <a:fld id="{9FC51F77-9C3D-5E40-A8B2-46453E3B6E43}" type="datetime1">
               <a:rPr lang="en-US" smtClean="0"/>
-              <a:t>10/2/20</a:t>
+              <a:t>1/5/21</a:t>
             </a:fld>
             <a:endParaRPr lang="en-US"/>
           </a:p>
@@ -9620,7 +9620,7 @@
           <a:p>
             <a:fld id="{280D95B4-A5D9-B74F-A981-B5F53E7ED6FB}" type="datetime1">
               <a:rPr lang="en-US" smtClean="0"/>
-              <a:t>10/2/20</a:t>
+              <a:t>1/5/21</a:t>
             </a:fld>
             <a:endParaRPr lang="en-US"/>
           </a:p>
@@ -10262,7 +10262,7 @@
           <a:p>
             <a:fld id="{116DE3D2-DCC1-8E45-9614-6E42FCEB31A5}" type="datetime1">
               <a:rPr lang="en-US" smtClean="0"/>
-              <a:t>10/2/20</a:t>
+              <a:t>1/5/21</a:t>
             </a:fld>
             <a:endParaRPr lang="en-US"/>
           </a:p>
@@ -11062,7 +11062,7 @@
           <a:p>
             <a:fld id="{43C05CF2-D19B-6D4F-9F1C-B9B4837773DF}" type="datetime1">
               <a:rPr lang="en-US" smtClean="0"/>
-              <a:t>10/2/20</a:t>
+              <a:t>1/5/21</a:t>
             </a:fld>
             <a:endParaRPr lang="en-US"/>
           </a:p>
@@ -12013,7 +12013,7 @@
           <a:p>
             <a:fld id="{185C162C-DC6E-2341-8BF1-6F6DCBA55482}" type="datetime1">
               <a:rPr lang="en-US" smtClean="0"/>
-              <a:t>10/2/20</a:t>
+              <a:t>1/5/21</a:t>
             </a:fld>
             <a:endParaRPr lang="en-US"/>
           </a:p>
@@ -14362,7 +14362,7 @@
           <a:p>
             <a:fld id="{787FC823-DE43-6C4A-AD43-01421086DC7A}" type="datetime1">
               <a:rPr lang="en-US" smtClean="0"/>
-              <a:t>10/2/20</a:t>
+              <a:t>1/5/21</a:t>
             </a:fld>
             <a:endParaRPr lang="en-US"/>
           </a:p>
@@ -14475,7 +14475,7 @@
           <a:p>
             <a:fld id="{727376A1-6F0A-9A46-B656-2413603BB76F}" type="datetime1">
               <a:rPr lang="en-US" smtClean="0"/>
-              <a:t>10/2/20</a:t>
+              <a:t>1/5/21</a:t>
             </a:fld>
             <a:endParaRPr lang="en-US"/>
           </a:p>
@@ -14982,7 +14982,7 @@
           <a:p>
             <a:fld id="{E9615236-1845-164F-BED2-F0BE6118DB31}" type="datetime1">
               <a:rPr lang="en-US" smtClean="0"/>
-              <a:t>10/2/20</a:t>
+              <a:t>1/5/21</a:t>
             </a:fld>
             <a:endParaRPr lang="en-US"/>
           </a:p>
@@ -16285,7 +16285,7 @@
           <a:p>
             <a:fld id="{EDC433A5-F7A6-434A-9F78-8C41A204696C}" type="datetime1">
               <a:rPr lang="en-US" smtClean="0"/>
-              <a:t>10/2/20</a:t>
+              <a:t>1/5/21</a:t>
             </a:fld>
             <a:endParaRPr lang="en-US"/>
           </a:p>
@@ -16532,7 +16532,7 @@
           <a:p>
             <a:fld id="{4AE19DD7-7DA8-084D-9AE4-CCB2D147EA86}" type="datetime1">
               <a:rPr lang="en-US" smtClean="0"/>
-              <a:t>10/2/20</a:t>
+              <a:t>1/5/21</a:t>
             </a:fld>
             <a:endParaRPr lang="en-US"/>
           </a:p>

--- a/מצגות שלי/7_REST.pptx
+++ b/מצגות שלי/7_REST.pptx
@@ -5,41 +5,42 @@
     <p:sldMasterId id="2147483700" r:id="rId1"/>
   </p:sldMasterIdLst>
   <p:notesMasterIdLst>
-    <p:notesMasterId r:id="rId34"/>
+    <p:notesMasterId r:id="rId35"/>
   </p:notesMasterIdLst>
   <p:sldIdLst>
     <p:sldId id="368" r:id="rId2"/>
-    <p:sldId id="369" r:id="rId3"/>
-    <p:sldId id="370" r:id="rId4"/>
-    <p:sldId id="371" r:id="rId5"/>
-    <p:sldId id="372" r:id="rId6"/>
-    <p:sldId id="373" r:id="rId7"/>
-    <p:sldId id="374" r:id="rId8"/>
-    <p:sldId id="375" r:id="rId9"/>
-    <p:sldId id="376" r:id="rId10"/>
-    <p:sldId id="377" r:id="rId11"/>
-    <p:sldId id="378" r:id="rId12"/>
-    <p:sldId id="379" r:id="rId13"/>
-    <p:sldId id="380" r:id="rId14"/>
-    <p:sldId id="381" r:id="rId15"/>
-    <p:sldId id="382" r:id="rId16"/>
-    <p:sldId id="383" r:id="rId17"/>
-    <p:sldId id="384" r:id="rId18"/>
-    <p:sldId id="385" r:id="rId19"/>
-    <p:sldId id="386" r:id="rId20"/>
-    <p:sldId id="387" r:id="rId21"/>
-    <p:sldId id="388" r:id="rId22"/>
-    <p:sldId id="389" r:id="rId23"/>
-    <p:sldId id="390" r:id="rId24"/>
-    <p:sldId id="391" r:id="rId25"/>
-    <p:sldId id="392" r:id="rId26"/>
-    <p:sldId id="393" r:id="rId27"/>
-    <p:sldId id="394" r:id="rId28"/>
-    <p:sldId id="395" r:id="rId29"/>
-    <p:sldId id="396" r:id="rId30"/>
-    <p:sldId id="397" r:id="rId31"/>
-    <p:sldId id="398" r:id="rId32"/>
-    <p:sldId id="423" r:id="rId33"/>
+    <p:sldId id="424" r:id="rId3"/>
+    <p:sldId id="369" r:id="rId4"/>
+    <p:sldId id="370" r:id="rId5"/>
+    <p:sldId id="371" r:id="rId6"/>
+    <p:sldId id="372" r:id="rId7"/>
+    <p:sldId id="373" r:id="rId8"/>
+    <p:sldId id="374" r:id="rId9"/>
+    <p:sldId id="375" r:id="rId10"/>
+    <p:sldId id="376" r:id="rId11"/>
+    <p:sldId id="377" r:id="rId12"/>
+    <p:sldId id="378" r:id="rId13"/>
+    <p:sldId id="379" r:id="rId14"/>
+    <p:sldId id="380" r:id="rId15"/>
+    <p:sldId id="381" r:id="rId16"/>
+    <p:sldId id="382" r:id="rId17"/>
+    <p:sldId id="383" r:id="rId18"/>
+    <p:sldId id="384" r:id="rId19"/>
+    <p:sldId id="385" r:id="rId20"/>
+    <p:sldId id="386" r:id="rId21"/>
+    <p:sldId id="387" r:id="rId22"/>
+    <p:sldId id="388" r:id="rId23"/>
+    <p:sldId id="389" r:id="rId24"/>
+    <p:sldId id="390" r:id="rId25"/>
+    <p:sldId id="391" r:id="rId26"/>
+    <p:sldId id="392" r:id="rId27"/>
+    <p:sldId id="393" r:id="rId28"/>
+    <p:sldId id="394" r:id="rId29"/>
+    <p:sldId id="395" r:id="rId30"/>
+    <p:sldId id="396" r:id="rId31"/>
+    <p:sldId id="397" r:id="rId32"/>
+    <p:sldId id="398" r:id="rId33"/>
+    <p:sldId id="423" r:id="rId34"/>
   </p:sldIdLst>
   <p:sldSz cx="12192000" cy="6858000"/>
   <p:notesSz cx="6858000" cy="9144000"/>
@@ -228,7 +229,7 @@
           <a:p>
             <a:fld id="{2619FA33-5C78-4040-A82F-ED8AE39E5D1E}" type="datetimeFigureOut">
               <a:rPr lang="en-US" smtClean="0"/>
-              <a:t>1/5/21</a:t>
+              <a:t>5/25/21</a:t>
             </a:fld>
             <a:endParaRPr lang="en-US"/>
           </a:p>
@@ -655,7 +656,7 @@
     </p:spTree>
     <p:extLst>
       <p:ext uri="{BB962C8B-B14F-4D97-AF65-F5344CB8AC3E}">
-        <p14:creationId xmlns:p14="http://schemas.microsoft.com/office/powerpoint/2010/main" val="366214122"/>
+        <p14:creationId xmlns:p14="http://schemas.microsoft.com/office/powerpoint/2010/main" val="3730633666"/>
       </p:ext>
     </p:extLst>
   </p:cSld>
@@ -740,7 +741,7 @@
     </p:spTree>
     <p:extLst>
       <p:ext uri="{BB962C8B-B14F-4D97-AF65-F5344CB8AC3E}">
-        <p14:creationId xmlns:p14="http://schemas.microsoft.com/office/powerpoint/2010/main" val="3203420365"/>
+        <p14:creationId xmlns:p14="http://schemas.microsoft.com/office/powerpoint/2010/main" val="366214122"/>
       </p:ext>
     </p:extLst>
   </p:cSld>
@@ -795,22 +796,7 @@
           <a:lstStyle/>
           <a:p>
             <a:pPr marL="0" algn="r" defTabSz="914400" rtl="1" eaLnBrk="1" latinLnBrk="0" hangingPunct="1"/>
-            <a:r>
-              <a:rPr lang="he-IL" dirty="0"/>
-              <a:t>אם נרצה להכניס הזמנה נשתמש ב</a:t>
-            </a:r>
-            <a:r>
-              <a:rPr lang="en-US" dirty="0"/>
-              <a:t>route</a:t>
-            </a:r>
-            <a:r>
-              <a:rPr lang="he-IL" dirty="0"/>
-              <a:t> של </a:t>
-            </a:r>
-            <a:r>
-              <a:rPr lang="en-US" dirty="0"/>
-              <a:t>/orders</a:t>
-            </a:r>
+            <a:endParaRPr lang="en-US" dirty="0"/>
           </a:p>
         </p:txBody>
       </p:sp>
@@ -840,7 +826,7 @@
     </p:spTree>
     <p:extLst>
       <p:ext uri="{BB962C8B-B14F-4D97-AF65-F5344CB8AC3E}">
-        <p14:creationId xmlns:p14="http://schemas.microsoft.com/office/powerpoint/2010/main" val="3950862638"/>
+        <p14:creationId xmlns:p14="http://schemas.microsoft.com/office/powerpoint/2010/main" val="3203420365"/>
       </p:ext>
     </p:extLst>
   </p:cSld>
@@ -940,7 +926,7 @@
     </p:spTree>
     <p:extLst>
       <p:ext uri="{BB962C8B-B14F-4D97-AF65-F5344CB8AC3E}">
-        <p14:creationId xmlns:p14="http://schemas.microsoft.com/office/powerpoint/2010/main" val="909202546"/>
+        <p14:creationId xmlns:p14="http://schemas.microsoft.com/office/powerpoint/2010/main" val="3950862638"/>
       </p:ext>
     </p:extLst>
   </p:cSld>
@@ -1040,7 +1026,7 @@
     </p:spTree>
     <p:extLst>
       <p:ext uri="{BB962C8B-B14F-4D97-AF65-F5344CB8AC3E}">
-        <p14:creationId xmlns:p14="http://schemas.microsoft.com/office/powerpoint/2010/main" val="740261766"/>
+        <p14:creationId xmlns:p14="http://schemas.microsoft.com/office/powerpoint/2010/main" val="909202546"/>
       </p:ext>
     </p:extLst>
   </p:cSld>
@@ -1140,7 +1126,7 @@
     </p:spTree>
     <p:extLst>
       <p:ext uri="{BB962C8B-B14F-4D97-AF65-F5344CB8AC3E}">
-        <p14:creationId xmlns:p14="http://schemas.microsoft.com/office/powerpoint/2010/main" val="287374405"/>
+        <p14:creationId xmlns:p14="http://schemas.microsoft.com/office/powerpoint/2010/main" val="740261766"/>
       </p:ext>
     </p:extLst>
   </p:cSld>
@@ -1240,7 +1226,7 @@
     </p:spTree>
     <p:extLst>
       <p:ext uri="{BB962C8B-B14F-4D97-AF65-F5344CB8AC3E}">
-        <p14:creationId xmlns:p14="http://schemas.microsoft.com/office/powerpoint/2010/main" val="1802534436"/>
+        <p14:creationId xmlns:p14="http://schemas.microsoft.com/office/powerpoint/2010/main" val="287374405"/>
       </p:ext>
     </p:extLst>
   </p:cSld>
@@ -1297,46 +1283,7 @@
             <a:pPr marL="0" algn="r" defTabSz="914400" rtl="1" eaLnBrk="1" latinLnBrk="0" hangingPunct="1"/>
             <a:r>
               <a:rPr lang="he-IL" dirty="0"/>
-              <a:t>אם רוצים את העובד שה-</a:t>
-            </a:r>
-            <a:r>
-              <a:rPr lang="en-US" dirty="0"/>
-              <a:t>id</a:t>
-            </a:r>
-            <a:r>
-              <a:rPr lang="he-IL" dirty="0"/>
-              <a:t> שלו 3 ואחר כך את זה שה-</a:t>
-            </a:r>
-            <a:r>
-              <a:rPr lang="en-US" dirty="0"/>
-              <a:t>id</a:t>
-            </a:r>
-            <a:r>
-              <a:rPr lang="he-IL" dirty="0"/>
-              <a:t> שלו הוא 100</a:t>
-            </a:r>
-            <a:r>
-              <a:rPr lang="en-US" dirty="0"/>
-              <a:t> </a:t>
-            </a:r>
-            <a:r>
-              <a:rPr lang="he-IL" dirty="0"/>
-              <a:t> נכתוב </a:t>
-            </a:r>
-            <a:r>
-              <a:rPr lang="en-US" dirty="0"/>
-              <a:t>routes</a:t>
-            </a:r>
-            <a:r>
-              <a:rPr lang="he-IL" dirty="0"/>
-              <a:t> שונים עבור כל אחד? לא הגיוני.</a:t>
-            </a:r>
-          </a:p>
-          <a:p>
-            <a:pPr marL="0" algn="r" defTabSz="914400" rtl="1" eaLnBrk="1" latinLnBrk="0" hangingPunct="1"/>
-            <a:r>
-              <a:rPr lang="he-IL" dirty="0"/>
-              <a:t>ברצוננו להציג </a:t>
+              <a:t>אם נרצה להכניס הזמנה נשתמש ב</a:t>
             </a:r>
             <a:r>
               <a:rPr lang="en-US" dirty="0"/>
@@ -1344,9 +1291,12 @@
             </a:r>
             <a:r>
               <a:rPr lang="he-IL" dirty="0"/>
-              <a:t> דינאמי. </a:t>
-            </a:r>
-            <a:endParaRPr lang="en-US" dirty="0"/>
+              <a:t> של </a:t>
+            </a:r>
+            <a:r>
+              <a:rPr lang="en-US" dirty="0"/>
+              <a:t>/orders</a:t>
+            </a:r>
           </a:p>
         </p:txBody>
       </p:sp>
@@ -1376,7 +1326,7 @@
     </p:spTree>
     <p:extLst>
       <p:ext uri="{BB962C8B-B14F-4D97-AF65-F5344CB8AC3E}">
-        <p14:creationId xmlns:p14="http://schemas.microsoft.com/office/powerpoint/2010/main" val="182491078"/>
+        <p14:creationId xmlns:p14="http://schemas.microsoft.com/office/powerpoint/2010/main" val="1802534436"/>
       </p:ext>
     </p:extLst>
   </p:cSld>
@@ -1433,19 +1383,55 @@
             <a:pPr marL="0" algn="r" defTabSz="914400" rtl="1" eaLnBrk="1" latinLnBrk="0" hangingPunct="1"/>
             <a:r>
               <a:rPr lang="he-IL" dirty="0"/>
-              <a:t>בסוג ה-</a:t>
-            </a:r>
-            <a:r>
-              <a:rPr lang="en-US" dirty="0"/>
-              <a:t>path</a:t>
-            </a:r>
-            <a:r>
-              <a:rPr lang="he-IL" dirty="0"/>
-              <a:t> לא נתעסק במהלך הקורס</a:t>
+              <a:t>אם רוצים את העובד שה-</a:t>
+            </a:r>
+            <a:r>
+              <a:rPr lang="en-US" dirty="0"/>
+              <a:t>id</a:t>
+            </a:r>
+            <a:r>
+              <a:rPr lang="he-IL" dirty="0"/>
+              <a:t> שלו 3 ואחר כך את זה שה-</a:t>
+            </a:r>
+            <a:r>
+              <a:rPr lang="en-US" dirty="0"/>
+              <a:t>id</a:t>
+            </a:r>
+            <a:r>
+              <a:rPr lang="he-IL" dirty="0"/>
+              <a:t> שלו הוא 100</a:t>
+            </a:r>
+            <a:r>
+              <a:rPr lang="en-US" dirty="0"/>
+              <a:t> </a:t>
+            </a:r>
+            <a:r>
+              <a:rPr lang="he-IL" dirty="0"/>
+              <a:t> נכתוב </a:t>
+            </a:r>
+            <a:r>
+              <a:rPr lang="en-US" dirty="0"/>
+              <a:t>routes</a:t>
+            </a:r>
+            <a:r>
+              <a:rPr lang="he-IL" dirty="0"/>
+              <a:t> שונים עבור כל אחד? לא הגיוני.</a:t>
             </a:r>
           </a:p>
           <a:p>
             <a:pPr marL="0" algn="r" defTabSz="914400" rtl="1" eaLnBrk="1" latinLnBrk="0" hangingPunct="1"/>
+            <a:r>
+              <a:rPr lang="he-IL" dirty="0"/>
+              <a:t>ברצוננו להציג </a:t>
+            </a:r>
+            <a:r>
+              <a:rPr lang="en-US" dirty="0"/>
+              <a:t>route</a:t>
+            </a:r>
+            <a:r>
+              <a:rPr lang="he-IL" dirty="0"/>
+              <a:t> דינאמי. </a:t>
+            </a:r>
             <a:endParaRPr lang="en-US" dirty="0"/>
           </a:p>
         </p:txBody>
@@ -1476,7 +1462,7 @@
     </p:spTree>
     <p:extLst>
       <p:ext uri="{BB962C8B-B14F-4D97-AF65-F5344CB8AC3E}">
-        <p14:creationId xmlns:p14="http://schemas.microsoft.com/office/powerpoint/2010/main" val="2461150060"/>
+        <p14:creationId xmlns:p14="http://schemas.microsoft.com/office/powerpoint/2010/main" val="182491078"/>
       </p:ext>
     </p:extLst>
   </p:cSld>
@@ -1576,7 +1562,7 @@
     </p:spTree>
     <p:extLst>
       <p:ext uri="{BB962C8B-B14F-4D97-AF65-F5344CB8AC3E}">
-        <p14:creationId xmlns:p14="http://schemas.microsoft.com/office/powerpoint/2010/main" val="3172049192"/>
+        <p14:creationId xmlns:p14="http://schemas.microsoft.com/office/powerpoint/2010/main" val="2461150060"/>
       </p:ext>
     </p:extLst>
   </p:cSld>
@@ -1630,7 +1616,7 @@
           <a:bodyPr/>
           <a:lstStyle/>
           <a:p>
-            <a:pPr marL="0" algn="r" defTabSz="914400" rtl="1" eaLnBrk="1" latinLnBrk="0" hangingPunct="1"/>
+            <a:pPr marL="0" algn="l" defTabSz="914400" rtl="0" eaLnBrk="1" latinLnBrk="0" hangingPunct="1"/>
             <a:endParaRPr lang="en-US" dirty="0"/>
           </a:p>
         </p:txBody>
@@ -1661,7 +1647,7 @@
     </p:spTree>
     <p:extLst>
       <p:ext uri="{BB962C8B-B14F-4D97-AF65-F5344CB8AC3E}">
-        <p14:creationId xmlns:p14="http://schemas.microsoft.com/office/powerpoint/2010/main" val="1060079966"/>
+        <p14:creationId xmlns:p14="http://schemas.microsoft.com/office/powerpoint/2010/main" val="4232326015"/>
       </p:ext>
     </p:extLst>
   </p:cSld>
@@ -1761,7 +1747,7 @@
     </p:spTree>
     <p:extLst>
       <p:ext uri="{BB962C8B-B14F-4D97-AF65-F5344CB8AC3E}">
-        <p14:creationId xmlns:p14="http://schemas.microsoft.com/office/powerpoint/2010/main" val="536427099"/>
+        <p14:creationId xmlns:p14="http://schemas.microsoft.com/office/powerpoint/2010/main" val="3172049192"/>
       </p:ext>
     </p:extLst>
   </p:cSld>
@@ -1861,7 +1847,7 @@
     </p:spTree>
     <p:extLst>
       <p:ext uri="{BB962C8B-B14F-4D97-AF65-F5344CB8AC3E}">
-        <p14:creationId xmlns:p14="http://schemas.microsoft.com/office/powerpoint/2010/main" val="3362059769"/>
+        <p14:creationId xmlns:p14="http://schemas.microsoft.com/office/powerpoint/2010/main" val="536427099"/>
       </p:ext>
     </p:extLst>
   </p:cSld>
@@ -1961,7 +1947,7 @@
     </p:spTree>
     <p:extLst>
       <p:ext uri="{BB962C8B-B14F-4D97-AF65-F5344CB8AC3E}">
-        <p14:creationId xmlns:p14="http://schemas.microsoft.com/office/powerpoint/2010/main" val="3934021970"/>
+        <p14:creationId xmlns:p14="http://schemas.microsoft.com/office/powerpoint/2010/main" val="3362059769"/>
       </p:ext>
     </p:extLst>
   </p:cSld>
@@ -2061,7 +2047,7 @@
     </p:spTree>
     <p:extLst>
       <p:ext uri="{BB962C8B-B14F-4D97-AF65-F5344CB8AC3E}">
-        <p14:creationId xmlns:p14="http://schemas.microsoft.com/office/powerpoint/2010/main" val="814503019"/>
+        <p14:creationId xmlns:p14="http://schemas.microsoft.com/office/powerpoint/2010/main" val="3934021970"/>
       </p:ext>
     </p:extLst>
   </p:cSld>
@@ -2161,7 +2147,7 @@
     </p:spTree>
     <p:extLst>
       <p:ext uri="{BB962C8B-B14F-4D97-AF65-F5344CB8AC3E}">
-        <p14:creationId xmlns:p14="http://schemas.microsoft.com/office/powerpoint/2010/main" val="1433083606"/>
+        <p14:creationId xmlns:p14="http://schemas.microsoft.com/office/powerpoint/2010/main" val="814503019"/>
       </p:ext>
     </p:extLst>
   </p:cSld>
@@ -2261,7 +2247,7 @@
     </p:spTree>
     <p:extLst>
       <p:ext uri="{BB962C8B-B14F-4D97-AF65-F5344CB8AC3E}">
-        <p14:creationId xmlns:p14="http://schemas.microsoft.com/office/powerpoint/2010/main" val="2672589943"/>
+        <p14:creationId xmlns:p14="http://schemas.microsoft.com/office/powerpoint/2010/main" val="1433083606"/>
       </p:ext>
     </p:extLst>
   </p:cSld>
@@ -2361,7 +2347,7 @@
     </p:spTree>
     <p:extLst>
       <p:ext uri="{BB962C8B-B14F-4D97-AF65-F5344CB8AC3E}">
-        <p14:creationId xmlns:p14="http://schemas.microsoft.com/office/powerpoint/2010/main" val="2996023913"/>
+        <p14:creationId xmlns:p14="http://schemas.microsoft.com/office/powerpoint/2010/main" val="2672589943"/>
       </p:ext>
     </p:extLst>
   </p:cSld>
@@ -2415,6 +2401,22 @@
           <a:bodyPr/>
           <a:lstStyle/>
           <a:p>
+            <a:pPr marL="0" algn="r" defTabSz="914400" rtl="1" eaLnBrk="1" latinLnBrk="0" hangingPunct="1"/>
+            <a:r>
+              <a:rPr lang="he-IL" dirty="0"/>
+              <a:t>בסוג ה-</a:t>
+            </a:r>
+            <a:r>
+              <a:rPr lang="en-US" dirty="0"/>
+              <a:t>path</a:t>
+            </a:r>
+            <a:r>
+              <a:rPr lang="he-IL" dirty="0"/>
+              <a:t> לא נתעסק במהלך הקורס</a:t>
+            </a:r>
+          </a:p>
+          <a:p>
+            <a:pPr marL="0" algn="r" defTabSz="914400" rtl="1" eaLnBrk="1" latinLnBrk="0" hangingPunct="1"/>
             <a:endParaRPr lang="en-US" dirty="0"/>
           </a:p>
         </p:txBody>
@@ -2445,7 +2447,7 @@
     </p:spTree>
     <p:extLst>
       <p:ext uri="{BB962C8B-B14F-4D97-AF65-F5344CB8AC3E}">
-        <p14:creationId xmlns:p14="http://schemas.microsoft.com/office/powerpoint/2010/main" val="1775052117"/>
+        <p14:creationId xmlns:p14="http://schemas.microsoft.com/office/powerpoint/2010/main" val="2996023913"/>
       </p:ext>
     </p:extLst>
   </p:cSld>
@@ -2499,30 +2501,6 @@
           <a:bodyPr/>
           <a:lstStyle/>
           <a:p>
-            <a:pPr marL="0" algn="r" defTabSz="914400" rtl="1" eaLnBrk="1" latinLnBrk="0" hangingPunct="1"/>
-            <a:r>
-              <a:rPr lang="he-IL" dirty="0"/>
-              <a:t>כזכור יש שני דרכים לבצע </a:t>
-            </a:r>
-            <a:r>
-              <a:rPr lang="en-US" dirty="0"/>
-              <a:t>fetch</a:t>
-            </a:r>
-            <a:r>
-              <a:rPr lang="he-IL" dirty="0"/>
-              <a:t> מ-</a:t>
-            </a:r>
-            <a:r>
-              <a:rPr lang="en-US" dirty="0" err="1"/>
-              <a:t>js</a:t>
-            </a:r>
-            <a:r>
-              <a:rPr lang="he-IL" dirty="0"/>
-              <a:t>, עוד נדבר על זה.</a:t>
-            </a:r>
-          </a:p>
-          <a:p>
-            <a:pPr marL="0" algn="r" defTabSz="914400" rtl="1" eaLnBrk="1" latinLnBrk="0" hangingPunct="1"/>
             <a:endParaRPr lang="en-US" dirty="0"/>
           </a:p>
         </p:txBody>
@@ -2553,7 +2531,7 @@
     </p:spTree>
     <p:extLst>
       <p:ext uri="{BB962C8B-B14F-4D97-AF65-F5344CB8AC3E}">
-        <p14:creationId xmlns:p14="http://schemas.microsoft.com/office/powerpoint/2010/main" val="667211258"/>
+        <p14:creationId xmlns:p14="http://schemas.microsoft.com/office/powerpoint/2010/main" val="1775052117"/>
       </p:ext>
     </p:extLst>
   </p:cSld>
@@ -2608,6 +2586,29 @@
           <a:lstStyle/>
           <a:p>
             <a:pPr marL="0" algn="r" defTabSz="914400" rtl="1" eaLnBrk="1" latinLnBrk="0" hangingPunct="1"/>
+            <a:r>
+              <a:rPr lang="he-IL" dirty="0"/>
+              <a:t>כזכור יש שני דרכים לבצע </a:t>
+            </a:r>
+            <a:r>
+              <a:rPr lang="en-US" dirty="0"/>
+              <a:t>fetch</a:t>
+            </a:r>
+            <a:r>
+              <a:rPr lang="he-IL" dirty="0"/>
+              <a:t> מ-</a:t>
+            </a:r>
+            <a:r>
+              <a:rPr lang="en-US" dirty="0" err="1"/>
+              <a:t>js</a:t>
+            </a:r>
+            <a:r>
+              <a:rPr lang="he-IL" dirty="0"/>
+              <a:t>, עוד נדבר על זה.</a:t>
+            </a:r>
+          </a:p>
+          <a:p>
+            <a:pPr marL="0" algn="r" defTabSz="914400" rtl="1" eaLnBrk="1" latinLnBrk="0" hangingPunct="1"/>
             <a:endParaRPr lang="en-US" dirty="0"/>
           </a:p>
         </p:txBody>
@@ -2638,7 +2639,7 @@
     </p:spTree>
     <p:extLst>
       <p:ext uri="{BB962C8B-B14F-4D97-AF65-F5344CB8AC3E}">
-        <p14:creationId xmlns:p14="http://schemas.microsoft.com/office/powerpoint/2010/main" val="1304088910"/>
+        <p14:creationId xmlns:p14="http://schemas.microsoft.com/office/powerpoint/2010/main" val="667211258"/>
       </p:ext>
     </p:extLst>
   </p:cSld>
@@ -2693,45 +2694,6 @@
           <a:lstStyle/>
           <a:p>
             <a:pPr marL="0" algn="r" defTabSz="914400" rtl="1" eaLnBrk="1" latinLnBrk="0" hangingPunct="1"/>
-            <a:r>
-              <a:rPr lang="en-US" dirty="0"/>
-              <a:t>REST</a:t>
-            </a:r>
-            <a:r>
-              <a:rPr lang="he-IL" dirty="0"/>
-              <a:t> זה איזשהו קונספט.</a:t>
-            </a:r>
-          </a:p>
-          <a:p>
-            <a:pPr marL="0" algn="r" defTabSz="914400" rtl="1" eaLnBrk="1" latinLnBrk="0" hangingPunct="1"/>
-            <a:r>
-              <a:rPr lang="he-IL" dirty="0"/>
-              <a:t>אם נקרה לאותו </a:t>
-            </a:r>
-            <a:r>
-              <a:rPr lang="en-US" dirty="0"/>
-              <a:t>route</a:t>
-            </a:r>
-            <a:r>
-              <a:rPr lang="he-IL" dirty="0"/>
-              <a:t> או </a:t>
-            </a:r>
-            <a:r>
-              <a:rPr lang="en-US" dirty="0"/>
-              <a:t>endpoint</a:t>
-            </a:r>
-            <a:r>
-              <a:rPr lang="he-IL" dirty="0"/>
-              <a:t> בשיטות אחרות – נקבל תוצאות אחרות (</a:t>
-            </a:r>
-            <a:r>
-              <a:rPr lang="en-US" dirty="0"/>
-              <a:t>POST, GET, PUT…</a:t>
-            </a:r>
-            <a:r>
-              <a:rPr lang="he-IL" dirty="0"/>
-              <a:t>)</a:t>
-            </a:r>
             <a:endParaRPr lang="en-US" dirty="0"/>
           </a:p>
         </p:txBody>
@@ -2762,7 +2724,7 @@
     </p:spTree>
     <p:extLst>
       <p:ext uri="{BB962C8B-B14F-4D97-AF65-F5344CB8AC3E}">
-        <p14:creationId xmlns:p14="http://schemas.microsoft.com/office/powerpoint/2010/main" val="1971589404"/>
+        <p14:creationId xmlns:p14="http://schemas.microsoft.com/office/powerpoint/2010/main" val="1060079966"/>
       </p:ext>
     </p:extLst>
   </p:cSld>
@@ -2817,26 +2779,6 @@
           <a:lstStyle/>
           <a:p>
             <a:pPr marL="0" algn="r" defTabSz="914400" rtl="1" eaLnBrk="1" latinLnBrk="0" hangingPunct="1"/>
-            <a:r>
-              <a:rPr lang="he-IL" dirty="0"/>
-              <a:t>לבצע </a:t>
-            </a:r>
-            <a:r>
-              <a:rPr lang="en-US" dirty="0"/>
-              <a:t>fetch('http://127.0.0.1:5000/user/</a:t>
-            </a:r>
-            <a:r>
-              <a:rPr lang="en-US" dirty="0" err="1"/>
-              <a:t>ars</a:t>
-            </a:r>
-            <a:r>
-              <a:rPr lang="en-US" dirty="0"/>
-              <a:t>')</a:t>
-            </a:r>
-            <a:r>
-              <a:rPr lang="he-IL" dirty="0"/>
-              <a:t> בדפדפן עצמו</a:t>
-            </a:r>
             <a:endParaRPr lang="en-US" dirty="0"/>
           </a:p>
         </p:txBody>
@@ -2867,7 +2809,7 @@
     </p:spTree>
     <p:extLst>
       <p:ext uri="{BB962C8B-B14F-4D97-AF65-F5344CB8AC3E}">
-        <p14:creationId xmlns:p14="http://schemas.microsoft.com/office/powerpoint/2010/main" val="1879163822"/>
+        <p14:creationId xmlns:p14="http://schemas.microsoft.com/office/powerpoint/2010/main" val="1304088910"/>
       </p:ext>
     </p:extLst>
   </p:cSld>
@@ -2972,7 +2914,7 @@
     </p:spTree>
     <p:extLst>
       <p:ext uri="{BB962C8B-B14F-4D97-AF65-F5344CB8AC3E}">
-        <p14:creationId xmlns:p14="http://schemas.microsoft.com/office/powerpoint/2010/main" val="3225132683"/>
+        <p14:creationId xmlns:p14="http://schemas.microsoft.com/office/powerpoint/2010/main" val="1879163822"/>
       </p:ext>
     </p:extLst>
   </p:cSld>
@@ -3029,51 +2971,24 @@
             <a:pPr marL="0" algn="r" defTabSz="914400" rtl="1" eaLnBrk="1" latinLnBrk="0" hangingPunct="1"/>
             <a:r>
               <a:rPr lang="he-IL" dirty="0"/>
-              <a:t>לחזור כמה שקפים אחורה לחזור על מה שדיברנו בהרצאה הקודמת</a:t>
-            </a:r>
-          </a:p>
-          <a:p>
-            <a:pPr marL="0" algn="r" defTabSz="914400" rtl="1" eaLnBrk="1" latinLnBrk="0" hangingPunct="1"/>
-            <a:r>
-              <a:rPr lang="he-IL" dirty="0"/>
-              <a:t>מה זה </a:t>
-            </a:r>
-            <a:r>
-              <a:rPr lang="en-US" dirty="0"/>
-              <a:t>template</a:t>
-            </a:r>
-            <a:r>
-              <a:rPr lang="he-IL" dirty="0"/>
-              <a:t> </a:t>
-            </a:r>
-            <a:r>
-              <a:rPr lang="he-IL" dirty="0" err="1"/>
-              <a:t>ותקיית</a:t>
-            </a:r>
-            <a:r>
-              <a:rPr lang="he-IL" dirty="0"/>
-              <a:t> </a:t>
-            </a:r>
-            <a:r>
-              <a:rPr lang="en-US" dirty="0"/>
-              <a:t>templates</a:t>
-            </a:r>
-            <a:endParaRPr lang="he-IL" dirty="0"/>
-          </a:p>
-          <a:p>
-            <a:pPr marL="0" algn="r" defTabSz="914400" rtl="1" eaLnBrk="1" latinLnBrk="0" hangingPunct="1"/>
-            <a:r>
-              <a:rPr lang="he-IL" dirty="0"/>
-              <a:t>מה זה </a:t>
+              <a:t>לבצע </a:t>
+            </a:r>
+            <a:r>
+              <a:rPr lang="en-US" dirty="0"/>
+              <a:t>fetch('http://127.0.0.1:5000/user/</a:t>
             </a:r>
             <a:r>
               <a:rPr lang="en-US" dirty="0" err="1"/>
-              <a:t>render_template</a:t>
-            </a:r>
-            <a:endParaRPr lang="he-IL" dirty="0"/>
-          </a:p>
-          <a:p>
-            <a:pPr marL="0" algn="r" defTabSz="914400" rtl="1" eaLnBrk="1" latinLnBrk="0" hangingPunct="1"/>
+              <a:t>ars</a:t>
+            </a:r>
+            <a:r>
+              <a:rPr lang="en-US" dirty="0"/>
+              <a:t>')</a:t>
+            </a:r>
+            <a:r>
+              <a:rPr lang="he-IL" dirty="0"/>
+              <a:t> בדפדפן עצמו</a:t>
+            </a:r>
             <a:endParaRPr lang="en-US" dirty="0"/>
           </a:p>
         </p:txBody>
@@ -3096,6 +3011,138 @@
             <a:fld id="{0393563E-55B3-EB4A-87F2-2B89F31DE676}" type="slidenum">
               <a:rPr lang="en-US" smtClean="0"/>
               <a:t>32</a:t>
+            </a:fld>
+            <a:endParaRPr lang="en-US"/>
+          </a:p>
+        </p:txBody>
+      </p:sp>
+    </p:spTree>
+    <p:extLst>
+      <p:ext uri="{BB962C8B-B14F-4D97-AF65-F5344CB8AC3E}">
+        <p14:creationId xmlns:p14="http://schemas.microsoft.com/office/powerpoint/2010/main" val="3225132683"/>
+      </p:ext>
+    </p:extLst>
+  </p:cSld>
+  <p:clrMapOvr>
+    <a:masterClrMapping/>
+  </p:clrMapOvr>
+</p:notes>
+</file>
+
+<file path=ppt/notesSlides/notesSlide33.xml><?xml version="1.0" encoding="utf-8"?>
+<p:notes xmlns:a="http://schemas.openxmlformats.org/drawingml/2006/main" xmlns:r="http://schemas.openxmlformats.org/officeDocument/2006/relationships" xmlns:p="http://schemas.openxmlformats.org/presentationml/2006/main">
+  <p:cSld>
+    <p:spTree>
+      <p:nvGrpSpPr>
+        <p:cNvPr id="1" name=""/>
+        <p:cNvGrpSpPr/>
+        <p:nvPr/>
+      </p:nvGrpSpPr>
+      <p:grpSpPr>
+        <a:xfrm>
+          <a:off x="0" y="0"/>
+          <a:ext cx="0" cy="0"/>
+          <a:chOff x="0" y="0"/>
+          <a:chExt cx="0" cy="0"/>
+        </a:xfrm>
+      </p:grpSpPr>
+      <p:sp>
+        <p:nvSpPr>
+          <p:cNvPr id="2" name="Slide Image Placeholder 1"/>
+          <p:cNvSpPr>
+            <a:spLocks noGrp="1" noRot="1" noChangeAspect="1"/>
+          </p:cNvSpPr>
+          <p:nvPr>
+            <p:ph type="sldImg"/>
+          </p:nvPr>
+        </p:nvSpPr>
+        <p:spPr/>
+      </p:sp>
+      <p:sp>
+        <p:nvSpPr>
+          <p:cNvPr id="3" name="Notes Placeholder 2"/>
+          <p:cNvSpPr>
+            <a:spLocks noGrp="1"/>
+          </p:cNvSpPr>
+          <p:nvPr>
+            <p:ph type="body" idx="1"/>
+          </p:nvPr>
+        </p:nvSpPr>
+        <p:spPr/>
+        <p:txBody>
+          <a:bodyPr/>
+          <a:lstStyle/>
+          <a:p>
+            <a:pPr marL="0" algn="r" defTabSz="914400" rtl="1" eaLnBrk="1" latinLnBrk="0" hangingPunct="1"/>
+            <a:r>
+              <a:rPr lang="he-IL" dirty="0"/>
+              <a:t>לחזור כמה שקפים אחורה לחזור על מה שדיברנו בהרצאה הקודמת</a:t>
+            </a:r>
+          </a:p>
+          <a:p>
+            <a:pPr marL="0" algn="r" defTabSz="914400" rtl="1" eaLnBrk="1" latinLnBrk="0" hangingPunct="1"/>
+            <a:r>
+              <a:rPr lang="he-IL" dirty="0"/>
+              <a:t>מה זה </a:t>
+            </a:r>
+            <a:r>
+              <a:rPr lang="en-US" dirty="0"/>
+              <a:t>template</a:t>
+            </a:r>
+            <a:r>
+              <a:rPr lang="he-IL" dirty="0"/>
+              <a:t> </a:t>
+            </a:r>
+            <a:r>
+              <a:rPr lang="he-IL" dirty="0" err="1"/>
+              <a:t>ותקיית</a:t>
+            </a:r>
+            <a:r>
+              <a:rPr lang="he-IL" dirty="0"/>
+              <a:t> </a:t>
+            </a:r>
+            <a:r>
+              <a:rPr lang="en-US" dirty="0"/>
+              <a:t>templates</a:t>
+            </a:r>
+            <a:endParaRPr lang="he-IL" dirty="0"/>
+          </a:p>
+          <a:p>
+            <a:pPr marL="0" algn="r" defTabSz="914400" rtl="1" eaLnBrk="1" latinLnBrk="0" hangingPunct="1"/>
+            <a:r>
+              <a:rPr lang="he-IL" dirty="0"/>
+              <a:t>מה זה </a:t>
+            </a:r>
+            <a:r>
+              <a:rPr lang="en-US" dirty="0" err="1"/>
+              <a:t>render_template</a:t>
+            </a:r>
+            <a:endParaRPr lang="he-IL" dirty="0"/>
+          </a:p>
+          <a:p>
+            <a:pPr marL="0" algn="r" defTabSz="914400" rtl="1" eaLnBrk="1" latinLnBrk="0" hangingPunct="1"/>
+            <a:endParaRPr lang="en-US" dirty="0"/>
+          </a:p>
+        </p:txBody>
+      </p:sp>
+      <p:sp>
+        <p:nvSpPr>
+          <p:cNvPr id="4" name="Slide Number Placeholder 3"/>
+          <p:cNvSpPr>
+            <a:spLocks noGrp="1"/>
+          </p:cNvSpPr>
+          <p:nvPr>
+            <p:ph type="sldNum" sz="quarter" idx="5"/>
+          </p:nvPr>
+        </p:nvSpPr>
+        <p:spPr/>
+        <p:txBody>
+          <a:bodyPr/>
+          <a:lstStyle/>
+          <a:p>
+            <a:fld id="{0393563E-55B3-EB4A-87F2-2B89F31DE676}" type="slidenum">
+              <a:rPr lang="en-US" smtClean="0"/>
+              <a:t>33</a:t>
             </a:fld>
             <a:endParaRPr lang="en-US"/>
           </a:p>
@@ -3159,6 +3206,45 @@
           <a:lstStyle/>
           <a:p>
             <a:pPr marL="0" algn="r" defTabSz="914400" rtl="1" eaLnBrk="1" latinLnBrk="0" hangingPunct="1"/>
+            <a:r>
+              <a:rPr lang="en-US" dirty="0"/>
+              <a:t>REST</a:t>
+            </a:r>
+            <a:r>
+              <a:rPr lang="he-IL" dirty="0"/>
+              <a:t> זה איזשהו קונספט.</a:t>
+            </a:r>
+          </a:p>
+          <a:p>
+            <a:pPr marL="0" algn="r" defTabSz="914400" rtl="1" eaLnBrk="1" latinLnBrk="0" hangingPunct="1"/>
+            <a:r>
+              <a:rPr lang="he-IL" dirty="0"/>
+              <a:t>אם נקרה לאותו </a:t>
+            </a:r>
+            <a:r>
+              <a:rPr lang="en-US" dirty="0"/>
+              <a:t>route</a:t>
+            </a:r>
+            <a:r>
+              <a:rPr lang="he-IL" dirty="0"/>
+              <a:t> או </a:t>
+            </a:r>
+            <a:r>
+              <a:rPr lang="en-US" dirty="0"/>
+              <a:t>endpoint</a:t>
+            </a:r>
+            <a:r>
+              <a:rPr lang="he-IL" dirty="0"/>
+              <a:t> בשיטות אחרות – נקבל תוצאות אחרות (</a:t>
+            </a:r>
+            <a:r>
+              <a:rPr lang="en-US" dirty="0"/>
+              <a:t>POST, GET, PUT…</a:t>
+            </a:r>
+            <a:r>
+              <a:rPr lang="he-IL" dirty="0"/>
+              <a:t>)</a:t>
+            </a:r>
             <a:endParaRPr lang="en-US" dirty="0"/>
           </a:p>
         </p:txBody>
@@ -3189,7 +3275,7 @@
     </p:spTree>
     <p:extLst>
       <p:ext uri="{BB962C8B-B14F-4D97-AF65-F5344CB8AC3E}">
-        <p14:creationId xmlns:p14="http://schemas.microsoft.com/office/powerpoint/2010/main" val="618999410"/>
+        <p14:creationId xmlns:p14="http://schemas.microsoft.com/office/powerpoint/2010/main" val="1971589404"/>
       </p:ext>
     </p:extLst>
   </p:cSld>
@@ -3274,7 +3360,7 @@
     </p:spTree>
     <p:extLst>
       <p:ext uri="{BB962C8B-B14F-4D97-AF65-F5344CB8AC3E}">
-        <p14:creationId xmlns:p14="http://schemas.microsoft.com/office/powerpoint/2010/main" val="1262751888"/>
+        <p14:creationId xmlns:p14="http://schemas.microsoft.com/office/powerpoint/2010/main" val="618999410"/>
       </p:ext>
     </p:extLst>
   </p:cSld>
@@ -3359,7 +3445,7 @@
     </p:spTree>
     <p:extLst>
       <p:ext uri="{BB962C8B-B14F-4D97-AF65-F5344CB8AC3E}">
-        <p14:creationId xmlns:p14="http://schemas.microsoft.com/office/powerpoint/2010/main" val="661233068"/>
+        <p14:creationId xmlns:p14="http://schemas.microsoft.com/office/powerpoint/2010/main" val="1262751888"/>
       </p:ext>
     </p:extLst>
   </p:cSld>
@@ -3444,7 +3530,7 @@
     </p:spTree>
     <p:extLst>
       <p:ext uri="{BB962C8B-B14F-4D97-AF65-F5344CB8AC3E}">
-        <p14:creationId xmlns:p14="http://schemas.microsoft.com/office/powerpoint/2010/main" val="2028634919"/>
+        <p14:creationId xmlns:p14="http://schemas.microsoft.com/office/powerpoint/2010/main" val="661233068"/>
       </p:ext>
     </p:extLst>
   </p:cSld>
@@ -3499,22 +3585,6 @@
           <a:lstStyle/>
           <a:p>
             <a:pPr marL="0" algn="r" defTabSz="914400" rtl="1" eaLnBrk="1" latinLnBrk="0" hangingPunct="1"/>
-            <a:r>
-              <a:rPr lang="en-US" dirty="0"/>
-              <a:t>POST</a:t>
-            </a:r>
-            <a:r>
-              <a:rPr lang="he-IL" dirty="0"/>
-              <a:t> פחות הגיוני כאן כי אין בידינו את ה-</a:t>
-            </a:r>
-            <a:r>
-              <a:rPr lang="en-US" dirty="0"/>
-              <a:t>id</a:t>
-            </a:r>
-            <a:r>
-              <a:rPr lang="he-IL" dirty="0"/>
-              <a:t> של המוצר. הוא נוצר רק בעת הכנסת המוצר.</a:t>
-            </a:r>
             <a:endParaRPr lang="en-US" dirty="0"/>
           </a:p>
         </p:txBody>
@@ -3545,7 +3615,7 @@
     </p:spTree>
     <p:extLst>
       <p:ext uri="{BB962C8B-B14F-4D97-AF65-F5344CB8AC3E}">
-        <p14:creationId xmlns:p14="http://schemas.microsoft.com/office/powerpoint/2010/main" val="859531173"/>
+        <p14:creationId xmlns:p14="http://schemas.microsoft.com/office/powerpoint/2010/main" val="2028634919"/>
       </p:ext>
     </p:extLst>
   </p:cSld>
@@ -3600,6 +3670,22 @@
           <a:lstStyle/>
           <a:p>
             <a:pPr marL="0" algn="r" defTabSz="914400" rtl="1" eaLnBrk="1" latinLnBrk="0" hangingPunct="1"/>
+            <a:r>
+              <a:rPr lang="en-US" dirty="0"/>
+              <a:t>POST</a:t>
+            </a:r>
+            <a:r>
+              <a:rPr lang="he-IL" dirty="0"/>
+              <a:t> פחות הגיוני כאן כי אין בידינו את ה-</a:t>
+            </a:r>
+            <a:r>
+              <a:rPr lang="en-US" dirty="0"/>
+              <a:t>id</a:t>
+            </a:r>
+            <a:r>
+              <a:rPr lang="he-IL" dirty="0"/>
+              <a:t> של המוצר. הוא נוצר רק בעת הכנסת המוצר.</a:t>
+            </a:r>
             <a:endParaRPr lang="en-US" dirty="0"/>
           </a:p>
         </p:txBody>
@@ -3630,7 +3716,7 @@
     </p:spTree>
     <p:extLst>
       <p:ext uri="{BB962C8B-B14F-4D97-AF65-F5344CB8AC3E}">
-        <p14:creationId xmlns:p14="http://schemas.microsoft.com/office/powerpoint/2010/main" val="3730633666"/>
+        <p14:creationId xmlns:p14="http://schemas.microsoft.com/office/powerpoint/2010/main" val="859531173"/>
       </p:ext>
     </p:extLst>
   </p:cSld>
@@ -5987,7 +6073,7 @@
           <a:p>
             <a:fld id="{B1594BF9-9545-5146-9B36-52C3009DFD5B}" type="datetime1">
               <a:rPr lang="en-US" smtClean="0"/>
-              <a:t>1/5/21</a:t>
+              <a:t>5/25/21</a:t>
             </a:fld>
             <a:endParaRPr lang="en-US"/>
           </a:p>
@@ -8477,7 +8563,7 @@
           <a:p>
             <a:fld id="{0B4C31AD-AE96-1843-9F53-89EF7B21E3B6}" type="datetime1">
               <a:rPr lang="en-US" smtClean="0"/>
-              <a:t>1/5/21</a:t>
+              <a:t>5/25/21</a:t>
             </a:fld>
             <a:endParaRPr lang="en-US"/>
           </a:p>
@@ -8675,7 +8761,7 @@
           <a:p>
             <a:fld id="{B1B4C1A5-5C9E-F344-B3D5-658DD73E1128}" type="datetime1">
               <a:rPr lang="en-US" smtClean="0"/>
-              <a:t>1/5/21</a:t>
+              <a:t>5/25/21</a:t>
             </a:fld>
             <a:endParaRPr lang="en-US"/>
           </a:p>
@@ -8883,7 +8969,7 @@
           <a:p>
             <a:fld id="{9FC51F77-9C3D-5E40-A8B2-46453E3B6E43}" type="datetime1">
               <a:rPr lang="en-US" smtClean="0"/>
-              <a:t>1/5/21</a:t>
+              <a:t>5/25/21</a:t>
             </a:fld>
             <a:endParaRPr lang="en-US"/>
           </a:p>
@@ -9620,7 +9706,7 @@
           <a:p>
             <a:fld id="{280D95B4-A5D9-B74F-A981-B5F53E7ED6FB}" type="datetime1">
               <a:rPr lang="en-US" smtClean="0"/>
-              <a:t>1/5/21</a:t>
+              <a:t>5/25/21</a:t>
             </a:fld>
             <a:endParaRPr lang="en-US"/>
           </a:p>
@@ -10262,7 +10348,7 @@
           <a:p>
             <a:fld id="{116DE3D2-DCC1-8E45-9614-6E42FCEB31A5}" type="datetime1">
               <a:rPr lang="en-US" smtClean="0"/>
-              <a:t>1/5/21</a:t>
+              <a:t>5/25/21</a:t>
             </a:fld>
             <a:endParaRPr lang="en-US"/>
           </a:p>
@@ -11062,7 +11148,7 @@
           <a:p>
             <a:fld id="{43C05CF2-D19B-6D4F-9F1C-B9B4837773DF}" type="datetime1">
               <a:rPr lang="en-US" smtClean="0"/>
-              <a:t>1/5/21</a:t>
+              <a:t>5/25/21</a:t>
             </a:fld>
             <a:endParaRPr lang="en-US"/>
           </a:p>
@@ -12013,7 +12099,7 @@
           <a:p>
             <a:fld id="{185C162C-DC6E-2341-8BF1-6F6DCBA55482}" type="datetime1">
               <a:rPr lang="en-US" smtClean="0"/>
-              <a:t>1/5/21</a:t>
+              <a:t>5/25/21</a:t>
             </a:fld>
             <a:endParaRPr lang="en-US"/>
           </a:p>
@@ -14362,7 +14448,7 @@
           <a:p>
             <a:fld id="{787FC823-DE43-6C4A-AD43-01421086DC7A}" type="datetime1">
               <a:rPr lang="en-US" smtClean="0"/>
-              <a:t>1/5/21</a:t>
+              <a:t>5/25/21</a:t>
             </a:fld>
             <a:endParaRPr lang="en-US"/>
           </a:p>
@@ -14475,7 +14561,7 @@
           <a:p>
             <a:fld id="{727376A1-6F0A-9A46-B656-2413603BB76F}" type="datetime1">
               <a:rPr lang="en-US" smtClean="0"/>
-              <a:t>1/5/21</a:t>
+              <a:t>5/25/21</a:t>
             </a:fld>
             <a:endParaRPr lang="en-US"/>
           </a:p>
@@ -14982,7 +15068,7 @@
           <a:p>
             <a:fld id="{E9615236-1845-164F-BED2-F0BE6118DB31}" type="datetime1">
               <a:rPr lang="en-US" smtClean="0"/>
-              <a:t>1/5/21</a:t>
+              <a:t>5/25/21</a:t>
             </a:fld>
             <a:endParaRPr lang="en-US"/>
           </a:p>
@@ -16285,7 +16371,7 @@
           <a:p>
             <a:fld id="{EDC433A5-F7A6-434A-9F78-8C41A204696C}" type="datetime1">
               <a:rPr lang="en-US" smtClean="0"/>
-              <a:t>1/5/21</a:t>
+              <a:t>5/25/21</a:t>
             </a:fld>
             <a:endParaRPr lang="en-US"/>
           </a:p>
@@ -16532,7 +16618,7 @@
           <a:p>
             <a:fld id="{4AE19DD7-7DA8-084D-9AE4-CCB2D147EA86}" type="datetime1">
               <a:rPr lang="en-US" smtClean="0"/>
-              <a:t>1/5/21</a:t>
+              <a:t>5/25/21</a:t>
             </a:fld>
             <a:endParaRPr lang="en-US"/>
           </a:p>
@@ -16953,43 +17039,6 @@
       </p:grpSpPr>
       <p:sp>
         <p:nvSpPr>
-          <p:cNvPr id="2" name="Title 1">
-            <a:extLst>
-              <a:ext uri="{FF2B5EF4-FFF2-40B4-BE49-F238E27FC236}">
-                <a16:creationId xmlns:a16="http://schemas.microsoft.com/office/drawing/2014/main" id="{D04B745C-1B4F-E847-AE4C-C1C569553FB2}"/>
-              </a:ext>
-            </a:extLst>
-          </p:cNvPr>
-          <p:cNvSpPr>
-            <a:spLocks noGrp="1"/>
-          </p:cNvSpPr>
-          <p:nvPr>
-            <p:ph type="title"/>
-          </p:nvPr>
-        </p:nvSpPr>
-        <p:spPr/>
-        <p:txBody>
-          <a:bodyPr/>
-          <a:lstStyle/>
-          <a:p>
-            <a:pPr algn="r" defTabSz="914400" rtl="1" eaLnBrk="1" latinLnBrk="0" hangingPunct="1">
-              <a:lnSpc>
-                <a:spcPct val="90000"/>
-              </a:lnSpc>
-              <a:spcBef>
-                <a:spcPct val="0"/>
-              </a:spcBef>
-              <a:buNone/>
-            </a:pPr>
-            <a:r>
-              <a:rPr lang="en-US" dirty="0"/>
-              <a:t>REST</a:t>
-            </a:r>
-          </a:p>
-        </p:txBody>
-      </p:sp>
-      <p:sp>
-        <p:nvSpPr>
           <p:cNvPr id="8" name="TextBox 7">
             <a:extLst>
               <a:ext uri="{FF2B5EF4-FFF2-40B4-BE49-F238E27FC236}">
@@ -17002,8 +17051,8 @@
         </p:nvSpPr>
         <p:spPr>
           <a:xfrm>
-            <a:off x="7189234" y="1866024"/>
-            <a:ext cx="3873327" cy="369332"/>
+            <a:off x="5113868" y="1866024"/>
+            <a:ext cx="5948694" cy="830997"/>
           </a:xfrm>
           <a:prstGeom prst="rect">
             <a:avLst/>
@@ -17016,14 +17065,12 @@
           </a:bodyPr>
           <a:lstStyle/>
           <a:p>
-            <a:pPr marL="285750" indent="-285750" algn="r" defTabSz="914400" rtl="1" eaLnBrk="1" latinLnBrk="0" hangingPunct="1">
-              <a:buFont typeface="Arial" panose="020B0604020202020204" pitchFamily="34" charset="0"/>
-              <a:buChar char="•"/>
-            </a:pPr>
-            <a:r>
-              <a:rPr lang="en-US" dirty="0"/>
-              <a:t>REST</a:t>
-            </a:r>
+            <a:pPr algn="r" defTabSz="914400" rtl="1" eaLnBrk="1" latinLnBrk="0" hangingPunct="1"/>
+            <a:r>
+              <a:rPr lang="he-IL" sz="4800" dirty="0"/>
+              <a:t>מתחילים עוד מעט</a:t>
+            </a:r>
+            <a:endParaRPr lang="en-US" sz="4800" dirty="0"/>
           </a:p>
         </p:txBody>
       </p:sp>
@@ -17056,36 +17103,6 @@
           </a:p>
         </p:txBody>
       </p:sp>
-      <p:pic>
-        <p:nvPicPr>
-          <p:cNvPr id="5" name="Picture 4">
-            <a:extLst>
-              <a:ext uri="{FF2B5EF4-FFF2-40B4-BE49-F238E27FC236}">
-                <a16:creationId xmlns:a16="http://schemas.microsoft.com/office/drawing/2014/main" id="{BBCB619E-147C-4141-98E0-7D098F6432D5}"/>
-              </a:ext>
-            </a:extLst>
-          </p:cNvPr>
-          <p:cNvPicPr>
-            <a:picLocks noChangeAspect="1"/>
-          </p:cNvPicPr>
-          <p:nvPr/>
-        </p:nvPicPr>
-        <p:blipFill>
-          <a:blip r:embed="rId3"/>
-          <a:stretch>
-            <a:fillRect/>
-          </a:stretch>
-        </p:blipFill>
-        <p:spPr>
-          <a:xfrm>
-            <a:off x="982980" y="2410692"/>
-            <a:ext cx="7505700" cy="3002280"/>
-          </a:xfrm>
-          <a:prstGeom prst="rect">
-            <a:avLst/>
-          </a:prstGeom>
-        </p:spPr>
-      </p:pic>
     </p:spTree>
     <p:extLst>
       <p:ext uri="{BB962C8B-B14F-4D97-AF65-F5344CB8AC3E}">
@@ -17267,6 +17284,387 @@
             <a:fld id="{51845F5A-061D-4825-9AE9-D7794091C6CF}" type="slidenum">
               <a:rPr lang="en-US" smtClean="0"/>
               <a:t>10</a:t>
+            </a:fld>
+            <a:endParaRPr lang="en-US" dirty="0"/>
+          </a:p>
+        </p:txBody>
+      </p:sp>
+      <p:graphicFrame>
+        <p:nvGraphicFramePr>
+          <p:cNvPr id="5" name="Table 4">
+            <a:extLst>
+              <a:ext uri="{FF2B5EF4-FFF2-40B4-BE49-F238E27FC236}">
+                <a16:creationId xmlns:a16="http://schemas.microsoft.com/office/drawing/2014/main" id="{309303B8-AA9C-A744-92FE-D1506C18AD9C}"/>
+              </a:ext>
+            </a:extLst>
+          </p:cNvPr>
+          <p:cNvGraphicFramePr>
+            <a:graphicFrameLocks noGrp="1"/>
+          </p:cNvGraphicFramePr>
+          <p:nvPr>
+            <p:extLst>
+              <p:ext uri="{D42A27DB-BD31-4B8C-83A1-F6EECF244321}">
+                <p14:modId xmlns:p14="http://schemas.microsoft.com/office/powerpoint/2010/main" val="3020713643"/>
+              </p:ext>
+            </p:extLst>
+          </p:nvPr>
+        </p:nvGraphicFramePr>
+        <p:xfrm>
+          <a:off x="1706880" y="3081020"/>
+          <a:ext cx="9646920" cy="741680"/>
+        </p:xfrm>
+        <a:graphic>
+          <a:graphicData uri="http://schemas.openxmlformats.org/drawingml/2006/table">
+            <a:tbl>
+              <a:tblPr firstRow="1" bandRow="1">
+                <a:tableStyleId>{5C22544A-7EE6-4342-B048-85BDC9FD1C3A}</a:tableStyleId>
+              </a:tblPr>
+              <a:tblGrid>
+                <a:gridCol w="2411730">
+                  <a:extLst>
+                    <a:ext uri="{9D8B030D-6E8A-4147-A177-3AD203B41FA5}">
+                      <a16:colId xmlns:a16="http://schemas.microsoft.com/office/drawing/2014/main" val="3117139944"/>
+                    </a:ext>
+                  </a:extLst>
+                </a:gridCol>
+                <a:gridCol w="2411730">
+                  <a:extLst>
+                    <a:ext uri="{9D8B030D-6E8A-4147-A177-3AD203B41FA5}">
+                      <a16:colId xmlns:a16="http://schemas.microsoft.com/office/drawing/2014/main" val="2947227225"/>
+                    </a:ext>
+                  </a:extLst>
+                </a:gridCol>
+                <a:gridCol w="2411730">
+                  <a:extLst>
+                    <a:ext uri="{9D8B030D-6E8A-4147-A177-3AD203B41FA5}">
+                      <a16:colId xmlns:a16="http://schemas.microsoft.com/office/drawing/2014/main" val="1041932165"/>
+                    </a:ext>
+                  </a:extLst>
+                </a:gridCol>
+                <a:gridCol w="2411730">
+                  <a:extLst>
+                    <a:ext uri="{9D8B030D-6E8A-4147-A177-3AD203B41FA5}">
+                      <a16:colId xmlns:a16="http://schemas.microsoft.com/office/drawing/2014/main" val="2349722467"/>
+                    </a:ext>
+                  </a:extLst>
+                </a:gridCol>
+              </a:tblGrid>
+              <a:tr h="370840">
+                <a:tc>
+                  <a:txBody>
+                    <a:bodyPr/>
+                    <a:lstStyle/>
+                    <a:p>
+                      <a:pPr marL="0" algn="l" defTabSz="914400" rtl="0" eaLnBrk="1" latinLnBrk="0" hangingPunct="1"/>
+                      <a:r>
+                        <a:rPr lang="en-US" dirty="0"/>
+                        <a:t>GET</a:t>
+                      </a:r>
+                    </a:p>
+                  </a:txBody>
+                  <a:tcPr/>
+                </a:tc>
+                <a:tc>
+                  <a:txBody>
+                    <a:bodyPr/>
+                    <a:lstStyle/>
+                    <a:p>
+                      <a:pPr rtl="0"/>
+                      <a:r>
+                        <a:rPr lang="en-US"/>
+                        <a:t>POST (extra data)</a:t>
+                      </a:r>
+                      <a:endParaRPr lang="en-US" dirty="0"/>
+                    </a:p>
+                  </a:txBody>
+                  <a:tcPr/>
+                </a:tc>
+                <a:tc>
+                  <a:txBody>
+                    <a:bodyPr/>
+                    <a:lstStyle/>
+                    <a:p>
+                      <a:pPr marL="0" marR="0" lvl="0" indent="0" algn="l" defTabSz="914400" rtl="0" eaLnBrk="1" fontAlgn="auto" latinLnBrk="0" hangingPunct="1">
+                        <a:lnSpc>
+                          <a:spcPct val="100000"/>
+                        </a:lnSpc>
+                        <a:spcBef>
+                          <a:spcPts val="0"/>
+                        </a:spcBef>
+                        <a:spcAft>
+                          <a:spcPts val="0"/>
+                        </a:spcAft>
+                        <a:buClrTx/>
+                        <a:buSzTx/>
+                        <a:buFontTx/>
+                        <a:buNone/>
+                        <a:tabLst/>
+                        <a:defRPr/>
+                      </a:pPr>
+                      <a:r>
+                        <a:rPr lang="en-US" dirty="0"/>
+                        <a:t>PUT (extra data)</a:t>
+                      </a:r>
+                    </a:p>
+                  </a:txBody>
+                  <a:tcPr/>
+                </a:tc>
+                <a:tc>
+                  <a:txBody>
+                    <a:bodyPr/>
+                    <a:lstStyle/>
+                    <a:p>
+                      <a:pPr rtl="0"/>
+                      <a:r>
+                        <a:rPr lang="en-US" dirty="0"/>
+                        <a:t>DELETE</a:t>
+                      </a:r>
+                    </a:p>
+                  </a:txBody>
+                  <a:tcPr/>
+                </a:tc>
+                <a:extLst>
+                  <a:ext uri="{0D108BD9-81ED-4DB2-BD59-A6C34878D82A}">
+                    <a16:rowId xmlns:a16="http://schemas.microsoft.com/office/drawing/2014/main" val="3935472982"/>
+                  </a:ext>
+                </a:extLst>
+              </a:tr>
+              <a:tr h="370840">
+                <a:tc>
+                  <a:txBody>
+                    <a:bodyPr/>
+                    <a:lstStyle/>
+                    <a:p>
+                      <a:pPr rtl="0"/>
+                      <a:endParaRPr lang="en-US" dirty="0"/>
+                    </a:p>
+                  </a:txBody>
+                  <a:tcPr/>
+                </a:tc>
+                <a:tc>
+                  <a:txBody>
+                    <a:bodyPr/>
+                    <a:lstStyle/>
+                    <a:p>
+                      <a:pPr rtl="0"/>
+                      <a:endParaRPr lang="en-US" dirty="0"/>
+                    </a:p>
+                  </a:txBody>
+                  <a:tcPr/>
+                </a:tc>
+                <a:tc>
+                  <a:txBody>
+                    <a:bodyPr/>
+                    <a:lstStyle/>
+                    <a:p>
+                      <a:pPr rtl="0"/>
+                      <a:endParaRPr lang="en-US" dirty="0"/>
+                    </a:p>
+                  </a:txBody>
+                  <a:tcPr/>
+                </a:tc>
+                <a:tc>
+                  <a:txBody>
+                    <a:bodyPr/>
+                    <a:lstStyle/>
+                    <a:p>
+                      <a:pPr marL="0" algn="l" defTabSz="914400" rtl="0" eaLnBrk="1" latinLnBrk="0" hangingPunct="1"/>
+                      <a:endParaRPr lang="en-US" dirty="0"/>
+                    </a:p>
+                  </a:txBody>
+                  <a:tcPr/>
+                </a:tc>
+                <a:extLst>
+                  <a:ext uri="{0D108BD9-81ED-4DB2-BD59-A6C34878D82A}">
+                    <a16:rowId xmlns:a16="http://schemas.microsoft.com/office/drawing/2014/main" val="1807663689"/>
+                  </a:ext>
+                </a:extLst>
+              </a:tr>
+            </a:tbl>
+          </a:graphicData>
+        </a:graphic>
+      </p:graphicFrame>
+    </p:spTree>
+    <p:extLst>
+      <p:ext uri="{BB962C8B-B14F-4D97-AF65-F5344CB8AC3E}">
+        <p14:creationId xmlns:p14="http://schemas.microsoft.com/office/powerpoint/2010/main" val="3903222882"/>
+      </p:ext>
+    </p:extLst>
+  </p:cSld>
+  <p:clrMapOvr>
+    <a:masterClrMapping/>
+  </p:clrMapOvr>
+</p:sld>
+</file>
+
+<file path=ppt/slides/slide11.xml><?xml version="1.0" encoding="utf-8"?>
+<p:sld xmlns:a="http://schemas.openxmlformats.org/drawingml/2006/main" xmlns:r="http://schemas.openxmlformats.org/officeDocument/2006/relationships" xmlns:p="http://schemas.openxmlformats.org/presentationml/2006/main">
+  <p:cSld>
+    <p:spTree>
+      <p:nvGrpSpPr>
+        <p:cNvPr id="1" name=""/>
+        <p:cNvGrpSpPr/>
+        <p:nvPr/>
+      </p:nvGrpSpPr>
+      <p:grpSpPr>
+        <a:xfrm>
+          <a:off x="0" y="0"/>
+          <a:ext cx="0" cy="0"/>
+          <a:chOff x="0" y="0"/>
+          <a:chExt cx="0" cy="0"/>
+        </a:xfrm>
+      </p:grpSpPr>
+      <p:sp>
+        <p:nvSpPr>
+          <p:cNvPr id="2" name="Title 1">
+            <a:extLst>
+              <a:ext uri="{FF2B5EF4-FFF2-40B4-BE49-F238E27FC236}">
+                <a16:creationId xmlns:a16="http://schemas.microsoft.com/office/drawing/2014/main" id="{AE3A889D-4420-B047-B437-D29E3AEB39BE}"/>
+              </a:ext>
+            </a:extLst>
+          </p:cNvPr>
+          <p:cNvSpPr>
+            <a:spLocks noGrp="1"/>
+          </p:cNvSpPr>
+          <p:nvPr>
+            <p:ph type="title"/>
+          </p:nvPr>
+        </p:nvSpPr>
+        <p:spPr/>
+        <p:txBody>
+          <a:bodyPr/>
+          <a:lstStyle/>
+          <a:p>
+            <a:pPr algn="r" defTabSz="914400" rtl="1" eaLnBrk="1" latinLnBrk="0" hangingPunct="1">
+              <a:lnSpc>
+                <a:spcPct val="90000"/>
+              </a:lnSpc>
+              <a:spcBef>
+                <a:spcPct val="0"/>
+              </a:spcBef>
+              <a:buNone/>
+            </a:pPr>
+            <a:r>
+              <a:rPr lang="en-US" dirty="0"/>
+              <a:t>Endpoints</a:t>
+            </a:r>
+            <a:r>
+              <a:rPr lang="he-IL" dirty="0"/>
+              <a:t> למשאבים עם שיטות של בקשות</a:t>
+            </a:r>
+            <a:endParaRPr lang="en-US" dirty="0"/>
+          </a:p>
+        </p:txBody>
+      </p:sp>
+      <p:sp>
+        <p:nvSpPr>
+          <p:cNvPr id="3" name="Content Placeholder 2">
+            <a:extLst>
+              <a:ext uri="{FF2B5EF4-FFF2-40B4-BE49-F238E27FC236}">
+                <a16:creationId xmlns:a16="http://schemas.microsoft.com/office/drawing/2014/main" id="{A93F2158-A4E1-C948-8082-13DB094A3A8C}"/>
+              </a:ext>
+            </a:extLst>
+          </p:cNvPr>
+          <p:cNvSpPr>
+            <a:spLocks noGrp="1"/>
+          </p:cNvSpPr>
+          <p:nvPr>
+            <p:ph idx="1"/>
+          </p:nvPr>
+        </p:nvSpPr>
+        <p:spPr/>
+        <p:txBody>
+          <a:bodyPr>
+            <a:normAutofit/>
+          </a:bodyPr>
+          <a:lstStyle/>
+          <a:p>
+            <a:pPr algn="r" rtl="1"/>
+            <a:r>
+              <a:rPr lang="he-IL" dirty="0"/>
+              <a:t>תרגילים – מה משמעות השיטות בכל אחד מה-</a:t>
+            </a:r>
+            <a:r>
+              <a:rPr lang="en-US" dirty="0"/>
+              <a:t>endpoints</a:t>
+            </a:r>
+            <a:r>
+              <a:rPr lang="he-IL" dirty="0"/>
+              <a:t>?</a:t>
+            </a:r>
+          </a:p>
+          <a:p>
+            <a:pPr marL="0" indent="0" algn="r" rtl="1">
+              <a:buNone/>
+            </a:pPr>
+            <a:r>
+              <a:rPr lang="en-US" dirty="0"/>
+              <a:t>/orders</a:t>
+            </a:r>
+          </a:p>
+          <a:p>
+            <a:pPr lvl="1" algn="r" rtl="1"/>
+            <a:endParaRPr lang="he-IL" dirty="0"/>
+          </a:p>
+          <a:p>
+            <a:pPr lvl="1" algn="r" rtl="1"/>
+            <a:endParaRPr lang="en-US" dirty="0"/>
+          </a:p>
+          <a:p>
+            <a:pPr marL="457200" lvl="1" indent="0" algn="r" rtl="1">
+              <a:buNone/>
+            </a:pPr>
+            <a:endParaRPr lang="en-US" dirty="0"/>
+          </a:p>
+          <a:p>
+            <a:pPr marL="0" indent="0" algn="r" rtl="1">
+              <a:buNone/>
+            </a:pPr>
+            <a:endParaRPr lang="he-IL" dirty="0"/>
+          </a:p>
+          <a:p>
+            <a:pPr lvl="1" algn="r" rtl="1"/>
+            <a:endParaRPr lang="he-IL" dirty="0"/>
+          </a:p>
+          <a:p>
+            <a:pPr marL="228600" indent="-228600" algn="r" defTabSz="914400" rtl="1" eaLnBrk="1" latinLnBrk="0" hangingPunct="1">
+              <a:lnSpc>
+                <a:spcPct val="100000"/>
+              </a:lnSpc>
+              <a:spcBef>
+                <a:spcPts val="1000"/>
+              </a:spcBef>
+              <a:buFont typeface="Arial" panose="020B0604020202020204" pitchFamily="34" charset="0"/>
+              <a:buChar char="•"/>
+            </a:pPr>
+            <a:endParaRPr lang="he-IL" dirty="0"/>
+          </a:p>
+        </p:txBody>
+      </p:sp>
+      <p:sp>
+        <p:nvSpPr>
+          <p:cNvPr id="4" name="Slide Number Placeholder 3">
+            <a:extLst>
+              <a:ext uri="{FF2B5EF4-FFF2-40B4-BE49-F238E27FC236}">
+                <a16:creationId xmlns:a16="http://schemas.microsoft.com/office/drawing/2014/main" id="{4E1E6A99-AB10-064E-A83A-513117970655}"/>
+              </a:ext>
+            </a:extLst>
+          </p:cNvPr>
+          <p:cNvSpPr>
+            <a:spLocks noGrp="1"/>
+          </p:cNvSpPr>
+          <p:nvPr>
+            <p:ph type="sldNum" sz="quarter" idx="12"/>
+          </p:nvPr>
+        </p:nvSpPr>
+        <p:spPr/>
+        <p:txBody>
+          <a:bodyPr/>
+          <a:lstStyle/>
+          <a:p>
+            <a:fld id="{51845F5A-061D-4825-9AE9-D7794091C6CF}" type="slidenum">
+              <a:rPr lang="en-US" smtClean="0"/>
+              <a:t>11</a:t>
             </a:fld>
             <a:endParaRPr lang="en-US" dirty="0"/>
           </a:p>
@@ -17492,7 +17890,7 @@
 </p:sld>
 </file>
 
-<file path=ppt/slides/slide11.xml><?xml version="1.0" encoding="utf-8"?>
+<file path=ppt/slides/slide12.xml><?xml version="1.0" encoding="utf-8"?>
 <p:sld xmlns:a="http://schemas.openxmlformats.org/drawingml/2006/main" xmlns:r="http://schemas.openxmlformats.org/officeDocument/2006/relationships" xmlns:p="http://schemas.openxmlformats.org/presentationml/2006/main">
   <p:cSld>
     <p:spTree>
@@ -17680,7 +18078,7 @@
           <a:p>
             <a:fld id="{51845F5A-061D-4825-9AE9-D7794091C6CF}" type="slidenum">
               <a:rPr lang="en-US" smtClean="0"/>
-              <a:t>11</a:t>
+              <a:t>12</a:t>
             </a:fld>
             <a:endParaRPr lang="en-US" dirty="0"/>
           </a:p>
@@ -18095,7 +18493,7 @@
 </p:sld>
 </file>
 
-<file path=ppt/slides/slide12.xml><?xml version="1.0" encoding="utf-8"?>
+<file path=ppt/slides/slide13.xml><?xml version="1.0" encoding="utf-8"?>
 <p:sld xmlns:a="http://schemas.openxmlformats.org/drawingml/2006/main" xmlns:r="http://schemas.openxmlformats.org/officeDocument/2006/relationships" xmlns:p="http://schemas.openxmlformats.org/presentationml/2006/main">
   <p:cSld>
     <p:spTree>
@@ -18283,7 +18681,7 @@
           <a:p>
             <a:fld id="{51845F5A-061D-4825-9AE9-D7794091C6CF}" type="slidenum">
               <a:rPr lang="en-US" smtClean="0"/>
-              <a:t>12</a:t>
+              <a:t>13</a:t>
             </a:fld>
             <a:endParaRPr lang="en-US" dirty="0"/>
           </a:p>
@@ -18720,7 +19118,7 @@
 </p:sld>
 </file>
 
-<file path=ppt/slides/slide13.xml><?xml version="1.0" encoding="utf-8"?>
+<file path=ppt/slides/slide14.xml><?xml version="1.0" encoding="utf-8"?>
 <p:sld xmlns:a="http://schemas.openxmlformats.org/drawingml/2006/main" xmlns:r="http://schemas.openxmlformats.org/officeDocument/2006/relationships" xmlns:p="http://schemas.openxmlformats.org/presentationml/2006/main">
   <p:cSld>
     <p:spTree>
@@ -18945,7 +19343,7 @@
           <a:p>
             <a:fld id="{51845F5A-061D-4825-9AE9-D7794091C6CF}" type="slidenum">
               <a:rPr lang="en-US" smtClean="0"/>
-              <a:t>13</a:t>
+              <a:t>14</a:t>
             </a:fld>
             <a:endParaRPr lang="en-US" dirty="0"/>
           </a:p>
@@ -19583,7 +19981,7 @@
 </p:sld>
 </file>
 
-<file path=ppt/slides/slide14.xml><?xml version="1.0" encoding="utf-8"?>
+<file path=ppt/slides/slide15.xml><?xml version="1.0" encoding="utf-8"?>
 <p:sld xmlns:a="http://schemas.openxmlformats.org/drawingml/2006/main" xmlns:r="http://schemas.openxmlformats.org/officeDocument/2006/relationships" xmlns:p="http://schemas.openxmlformats.org/presentationml/2006/main">
   <p:cSld>
     <p:spTree>
@@ -19808,7 +20206,7 @@
           <a:p>
             <a:fld id="{51845F5A-061D-4825-9AE9-D7794091C6CF}" type="slidenum">
               <a:rPr lang="en-US" smtClean="0"/>
-              <a:t>14</a:t>
+              <a:t>15</a:t>
             </a:fld>
             <a:endParaRPr lang="en-US" dirty="0"/>
           </a:p>
@@ -20445,7 +20843,7 @@
 </p:sld>
 </file>
 
-<file path=ppt/slides/slide15.xml><?xml version="1.0" encoding="utf-8"?>
+<file path=ppt/slides/slide16.xml><?xml version="1.0" encoding="utf-8"?>
 <p:sld xmlns:a="http://schemas.openxmlformats.org/drawingml/2006/main" xmlns:r="http://schemas.openxmlformats.org/officeDocument/2006/relationships" xmlns:p="http://schemas.openxmlformats.org/presentationml/2006/main">
   <p:cSld>
     <p:spTree>
@@ -20682,7 +21080,7 @@
           <a:p>
             <a:fld id="{51845F5A-061D-4825-9AE9-D7794091C6CF}" type="slidenum">
               <a:rPr lang="en-US" smtClean="0"/>
-              <a:t>15</a:t>
+              <a:t>16</a:t>
             </a:fld>
             <a:endParaRPr lang="en-US" dirty="0"/>
           </a:p>
@@ -21285,7 +21683,7 @@
 </p:sld>
 </file>
 
-<file path=ppt/slides/slide16.xml><?xml version="1.0" encoding="utf-8"?>
+<file path=ppt/slides/slide17.xml><?xml version="1.0" encoding="utf-8"?>
 <p:sld xmlns:a="http://schemas.openxmlformats.org/drawingml/2006/main" xmlns:r="http://schemas.openxmlformats.org/officeDocument/2006/relationships" xmlns:p="http://schemas.openxmlformats.org/presentationml/2006/main">
   <p:cSld>
     <p:spTree>
@@ -21522,7 +21920,7 @@
           <a:p>
             <a:fld id="{51845F5A-061D-4825-9AE9-D7794091C6CF}" type="slidenum">
               <a:rPr lang="en-US" smtClean="0"/>
-              <a:t>16</a:t>
+              <a:t>17</a:t>
             </a:fld>
             <a:endParaRPr lang="en-US" dirty="0"/>
           </a:p>
@@ -22185,7 +22583,7 @@
 </p:sld>
 </file>
 
-<file path=ppt/slides/slide17.xml><?xml version="1.0" encoding="utf-8"?>
+<file path=ppt/slides/slide18.xml><?xml version="1.0" encoding="utf-8"?>
 <p:sld xmlns:a="http://schemas.openxmlformats.org/drawingml/2006/main" xmlns:r="http://schemas.openxmlformats.org/officeDocument/2006/relationships" xmlns:p="http://schemas.openxmlformats.org/presentationml/2006/main">
   <p:cSld>
     <p:spTree>
@@ -22482,7 +22880,7 @@
           <a:p>
             <a:fld id="{51845F5A-061D-4825-9AE9-D7794091C6CF}" type="slidenum">
               <a:rPr lang="en-US" smtClean="0"/>
-              <a:t>17</a:t>
+              <a:t>18</a:t>
             </a:fld>
             <a:endParaRPr lang="en-US"/>
           </a:p>
@@ -22561,367 +22959,6 @@
     <p:extLst>
       <p:ext uri="{BB962C8B-B14F-4D97-AF65-F5344CB8AC3E}">
         <p14:creationId xmlns:p14="http://schemas.microsoft.com/office/powerpoint/2010/main" val="1060866906"/>
-      </p:ext>
-    </p:extLst>
-  </p:cSld>
-  <p:clrMapOvr>
-    <a:masterClrMapping/>
-  </p:clrMapOvr>
-</p:sld>
-</file>
-
-<file path=ppt/slides/slide18.xml><?xml version="1.0" encoding="utf-8"?>
-<p:sld xmlns:a="http://schemas.openxmlformats.org/drawingml/2006/main" xmlns:r="http://schemas.openxmlformats.org/officeDocument/2006/relationships" xmlns:p="http://schemas.openxmlformats.org/presentationml/2006/main">
-  <p:cSld>
-    <p:spTree>
-      <p:nvGrpSpPr>
-        <p:cNvPr id="1" name=""/>
-        <p:cNvGrpSpPr/>
-        <p:nvPr/>
-      </p:nvGrpSpPr>
-      <p:grpSpPr>
-        <a:xfrm>
-          <a:off x="0" y="0"/>
-          <a:ext cx="0" cy="0"/>
-          <a:chOff x="0" y="0"/>
-          <a:chExt cx="0" cy="0"/>
-        </a:xfrm>
-      </p:grpSpPr>
-      <p:sp>
-        <p:nvSpPr>
-          <p:cNvPr id="2" name="Title 1">
-            <a:extLst>
-              <a:ext uri="{FF2B5EF4-FFF2-40B4-BE49-F238E27FC236}">
-                <a16:creationId xmlns:a16="http://schemas.microsoft.com/office/drawing/2014/main" id="{08454D7F-A13A-0C4E-ADCD-DC8A88D10E77}"/>
-              </a:ext>
-            </a:extLst>
-          </p:cNvPr>
-          <p:cNvSpPr>
-            <a:spLocks noGrp="1"/>
-          </p:cNvSpPr>
-          <p:nvPr>
-            <p:ph type="title"/>
-          </p:nvPr>
-        </p:nvSpPr>
-        <p:spPr/>
-        <p:txBody>
-          <a:bodyPr/>
-          <a:lstStyle/>
-          <a:p>
-            <a:pPr algn="r" defTabSz="914400" rtl="1" eaLnBrk="1" latinLnBrk="0" hangingPunct="1">
-              <a:lnSpc>
-                <a:spcPct val="90000"/>
-              </a:lnSpc>
-              <a:spcBef>
-                <a:spcPct val="0"/>
-              </a:spcBef>
-              <a:buNone/>
-            </a:pPr>
-            <a:r>
-              <a:rPr lang="en-US" dirty="0"/>
-              <a:t>route() Decorator</a:t>
-            </a:r>
-          </a:p>
-        </p:txBody>
-      </p:sp>
-      <p:sp>
-        <p:nvSpPr>
-          <p:cNvPr id="3" name="Content Placeholder 2">
-            <a:extLst>
-              <a:ext uri="{FF2B5EF4-FFF2-40B4-BE49-F238E27FC236}">
-                <a16:creationId xmlns:a16="http://schemas.microsoft.com/office/drawing/2014/main" id="{7E680E4E-B7C5-6148-9940-640E38CF1699}"/>
-              </a:ext>
-            </a:extLst>
-          </p:cNvPr>
-          <p:cNvSpPr>
-            <a:spLocks noGrp="1"/>
-          </p:cNvSpPr>
-          <p:nvPr>
-            <p:ph idx="1"/>
-          </p:nvPr>
-        </p:nvSpPr>
-        <p:spPr>
-          <a:xfrm>
-            <a:off x="838200" y="2011679"/>
-            <a:ext cx="10515601" cy="4046221"/>
-          </a:xfrm>
-        </p:spPr>
-        <p:txBody>
-          <a:bodyPr>
-            <a:normAutofit/>
-          </a:bodyPr>
-          <a:lstStyle/>
-          <a:p>
-            <a:pPr algn="r" rtl="1"/>
-            <a:r>
-              <a:rPr lang="he-IL" dirty="0"/>
-              <a:t>סוגי </a:t>
-            </a:r>
-            <a:r>
-              <a:rPr lang="en-US" dirty="0"/>
-              <a:t>Route parameters</a:t>
-            </a:r>
-            <a:r>
-              <a:rPr lang="he-IL" dirty="0"/>
-              <a:t>:</a:t>
-            </a:r>
-          </a:p>
-          <a:p>
-            <a:pPr lvl="1" algn="r" rtl="1"/>
-            <a:r>
-              <a:rPr lang="he-IL" dirty="0"/>
-              <a:t>ניתן להגביל את הסוג הדרוש של הפרמטרים:</a:t>
-            </a:r>
-          </a:p>
-          <a:p>
-            <a:pPr lvl="2" algn="r" rtl="1"/>
-            <a:r>
-              <a:rPr lang="en-US" dirty="0"/>
-              <a:t>string</a:t>
-            </a:r>
-            <a:r>
-              <a:rPr lang="he-IL" dirty="0"/>
-              <a:t> – סוג ברירת מחדל, מצפה למחרוזת: </a:t>
-            </a:r>
-            <a:r>
-              <a:rPr lang="en-US" dirty="0"/>
-              <a:t>/users/&lt;name&gt;</a:t>
-            </a:r>
-            <a:r>
-              <a:rPr lang="he-IL" dirty="0"/>
-              <a:t> </a:t>
-            </a:r>
-          </a:p>
-          <a:p>
-            <a:pPr lvl="2" algn="r" rtl="1"/>
-            <a:r>
-              <a:rPr lang="en-US" dirty="0"/>
-              <a:t>int</a:t>
-            </a:r>
-            <a:r>
-              <a:rPr lang="he-IL" dirty="0"/>
-              <a:t> – מצפה למספרים שלמים אי-שליליים: </a:t>
-            </a:r>
-            <a:r>
-              <a:rPr lang="en-US" dirty="0"/>
-              <a:t>/products/&lt;</a:t>
-            </a:r>
-            <a:r>
-              <a:rPr lang="en-US" dirty="0" err="1"/>
-              <a:t>int:products_id</a:t>
-            </a:r>
-            <a:r>
-              <a:rPr lang="en-US" dirty="0"/>
-              <a:t>&gt;</a:t>
-            </a:r>
-            <a:endParaRPr lang="he-IL" dirty="0"/>
-          </a:p>
-          <a:p>
-            <a:pPr lvl="2" algn="r" rtl="1"/>
-            <a:r>
-              <a:rPr lang="en-US" dirty="0"/>
-              <a:t>float</a:t>
-            </a:r>
-            <a:r>
-              <a:rPr lang="he-IL" dirty="0"/>
-              <a:t> – מצפה למספרים עשרוניים אי-שליליים: </a:t>
-            </a:r>
-            <a:r>
-              <a:rPr lang="en-US" dirty="0"/>
-              <a:t>/products/&lt;</a:t>
-            </a:r>
-            <a:r>
-              <a:rPr lang="en-US" dirty="0" err="1"/>
-              <a:t>float:sku</a:t>
-            </a:r>
-            <a:r>
-              <a:rPr lang="en-US" dirty="0"/>
-              <a:t>&gt;</a:t>
-            </a:r>
-            <a:endParaRPr lang="he-IL" dirty="0"/>
-          </a:p>
-          <a:p>
-            <a:pPr lvl="2" algn="r" rtl="1"/>
-            <a:r>
-              <a:rPr lang="en-US" dirty="0"/>
-              <a:t>path</a:t>
-            </a:r>
-            <a:r>
-              <a:rPr lang="he-IL" dirty="0"/>
-              <a:t> – כמו </a:t>
-            </a:r>
-            <a:r>
-              <a:rPr lang="en-US" dirty="0"/>
-              <a:t>string</a:t>
-            </a:r>
-            <a:r>
-              <a:rPr lang="he-IL" dirty="0"/>
-              <a:t>, אך מאפשר את התו ״/״: </a:t>
-            </a:r>
-            <a:r>
-              <a:rPr lang="en-US" dirty="0"/>
-              <a:t>/resources/&lt;</a:t>
-            </a:r>
-            <a:r>
-              <a:rPr lang="en-US" dirty="0" err="1"/>
-              <a:t>path:res</a:t>
-            </a:r>
-            <a:r>
-              <a:rPr lang="en-US" dirty="0"/>
-              <a:t>&gt;</a:t>
-            </a:r>
-            <a:endParaRPr lang="he-IL" dirty="0"/>
-          </a:p>
-          <a:p>
-            <a:pPr lvl="1" algn="r" rtl="1"/>
-            <a:r>
-              <a:rPr lang="he-IL" dirty="0"/>
-              <a:t>אם נפנה ל-</a:t>
-            </a:r>
-            <a:r>
-              <a:rPr lang="en-US" dirty="0"/>
-              <a:t>route</a:t>
-            </a:r>
-            <a:r>
-              <a:rPr lang="he-IL" dirty="0"/>
-              <a:t> שמוגדר עם סוג מסוים באמצעות סוג נתון שונה מזה שהוא מצפה לו אז ה-</a:t>
-            </a:r>
-            <a:r>
-              <a:rPr lang="en-US" dirty="0"/>
-              <a:t>route</a:t>
-            </a:r>
-            <a:r>
-              <a:rPr lang="he-IL" dirty="0"/>
-              <a:t> יתעלם מהבקשה ונופנה לעמוד 404.</a:t>
-            </a:r>
-          </a:p>
-          <a:p>
-            <a:pPr lvl="1" algn="r" rtl="1"/>
-            <a:endParaRPr lang="en-US" dirty="0"/>
-          </a:p>
-        </p:txBody>
-      </p:sp>
-      <p:sp>
-        <p:nvSpPr>
-          <p:cNvPr id="4" name="Oval 3">
-            <a:extLst>
-              <a:ext uri="{FF2B5EF4-FFF2-40B4-BE49-F238E27FC236}">
-                <a16:creationId xmlns:a16="http://schemas.microsoft.com/office/drawing/2014/main" id="{42E17E47-0805-0A45-8A42-F64D4EFFB446}"/>
-              </a:ext>
-            </a:extLst>
-          </p:cNvPr>
-          <p:cNvSpPr/>
-          <p:nvPr/>
-        </p:nvSpPr>
-        <p:spPr>
-          <a:xfrm>
-            <a:off x="11713028" y="6417129"/>
-            <a:ext cx="261257" cy="261257"/>
-          </a:xfrm>
-          <a:prstGeom prst="ellipse">
-            <a:avLst/>
-          </a:prstGeom>
-          <a:solidFill>
-            <a:srgbClr val="FF0000"/>
-          </a:solidFill>
-        </p:spPr>
-        <p:style>
-          <a:lnRef idx="2">
-            <a:schemeClr val="accent1">
-              <a:shade val="50000"/>
-            </a:schemeClr>
-          </a:lnRef>
-          <a:fillRef idx="1">
-            <a:schemeClr val="accent1"/>
-          </a:fillRef>
-          <a:effectRef idx="0">
-            <a:schemeClr val="accent1"/>
-          </a:effectRef>
-          <a:fontRef idx="minor">
-            <a:schemeClr val="lt1"/>
-          </a:fontRef>
-        </p:style>
-        <p:txBody>
-          <a:bodyPr rtlCol="0" anchor="ctr"/>
-          <a:lstStyle/>
-          <a:p>
-            <a:pPr algn="ctr"/>
-            <a:endParaRPr lang="en-US"/>
-          </a:p>
-        </p:txBody>
-      </p:sp>
-      <p:sp>
-        <p:nvSpPr>
-          <p:cNvPr id="7" name="Slide Number Placeholder 6">
-            <a:extLst>
-              <a:ext uri="{FF2B5EF4-FFF2-40B4-BE49-F238E27FC236}">
-                <a16:creationId xmlns:a16="http://schemas.microsoft.com/office/drawing/2014/main" id="{A803B642-3547-9347-9162-DEB42F3E8639}"/>
-              </a:ext>
-            </a:extLst>
-          </p:cNvPr>
-          <p:cNvSpPr>
-            <a:spLocks noGrp="1"/>
-          </p:cNvSpPr>
-          <p:nvPr>
-            <p:ph type="sldNum" sz="quarter" idx="12"/>
-          </p:nvPr>
-        </p:nvSpPr>
-        <p:spPr/>
-        <p:txBody>
-          <a:bodyPr/>
-          <a:lstStyle/>
-          <a:p>
-            <a:fld id="{51845F5A-061D-4825-9AE9-D7794091C6CF}" type="slidenum">
-              <a:rPr lang="en-US" smtClean="0"/>
-              <a:t>18</a:t>
-            </a:fld>
-            <a:endParaRPr lang="en-US"/>
-          </a:p>
-        </p:txBody>
-      </p:sp>
-      <p:sp>
-        <p:nvSpPr>
-          <p:cNvPr id="5" name="TextBox 4">
-            <a:extLst>
-              <a:ext uri="{FF2B5EF4-FFF2-40B4-BE49-F238E27FC236}">
-                <a16:creationId xmlns:a16="http://schemas.microsoft.com/office/drawing/2014/main" id="{3ACAD393-69C5-B948-8525-B94E9CF622D4}"/>
-              </a:ext>
-            </a:extLst>
-          </p:cNvPr>
-          <p:cNvSpPr txBox="1"/>
-          <p:nvPr/>
-        </p:nvSpPr>
-        <p:spPr>
-          <a:xfrm>
-            <a:off x="0" y="6363091"/>
-            <a:ext cx="6918881" cy="369332"/>
-          </a:xfrm>
-          <a:prstGeom prst="rect">
-            <a:avLst/>
-          </a:prstGeom>
-          <a:noFill/>
-        </p:spPr>
-        <p:txBody>
-          <a:bodyPr wrap="none" rtlCol="0">
-            <a:spAutoFit/>
-          </a:bodyPr>
-          <a:lstStyle/>
-          <a:p>
-            <a:pPr algn="r" rtl="1"/>
-            <a:r>
-              <a:rPr lang="en-US" dirty="0">
-                <a:hlinkClick r:id="rId3"/>
-              </a:rPr>
-              <a:t>https://exploreflask.com/en/latest/views.html#url-converters</a:t>
-            </a:r>
-            <a:endParaRPr lang="he-IL" dirty="0"/>
-          </a:p>
-        </p:txBody>
-      </p:sp>
-    </p:spTree>
-    <p:extLst>
-      <p:ext uri="{BB962C8B-B14F-4D97-AF65-F5344CB8AC3E}">
-        <p14:creationId xmlns:p14="http://schemas.microsoft.com/office/powerpoint/2010/main" val="2174491595"/>
       </p:ext>
     </p:extLst>
   </p:cSld>
@@ -23009,69 +23046,135 @@
         </p:spPr>
         <p:txBody>
           <a:bodyPr>
-            <a:normAutofit fontScale="92500" lnSpcReduction="20000"/>
+            <a:normAutofit/>
           </a:bodyPr>
           <a:lstStyle/>
           <a:p>
             <a:pPr algn="r" rtl="1"/>
             <a:r>
+              <a:rPr lang="he-IL" dirty="0"/>
+              <a:t>סוגי </a:t>
+            </a:r>
+            <a:r>
               <a:rPr lang="en-US" dirty="0"/>
               <a:t>Route parameters</a:t>
             </a:r>
             <a:r>
               <a:rPr lang="he-IL" dirty="0"/>
-              <a:t> עם ברירת מחדל:</a:t>
-            </a:r>
-          </a:p>
-          <a:p>
-            <a:pPr marL="0" indent="0" algn="l">
-              <a:buNone/>
-            </a:pPr>
-            <a:r>
-              <a:rPr lang="en-US" dirty="0"/>
-              <a:t>@</a:t>
+              <a:t>:</a:t>
+            </a:r>
+          </a:p>
+          <a:p>
+            <a:pPr lvl="1" algn="r" rtl="1"/>
+            <a:r>
+              <a:rPr lang="he-IL" dirty="0"/>
+              <a:t>ניתן להגביל את הסוג הדרוש של הפרמטרים:</a:t>
+            </a:r>
+          </a:p>
+          <a:p>
+            <a:pPr lvl="2" algn="r" rtl="1"/>
+            <a:r>
+              <a:rPr lang="en-US" dirty="0"/>
+              <a:t>string</a:t>
+            </a:r>
+            <a:r>
+              <a:rPr lang="he-IL" dirty="0"/>
+              <a:t> – סוג ברירת מחדל, מצפה למחרוזת: </a:t>
+            </a:r>
+            <a:r>
+              <a:rPr lang="en-US" dirty="0"/>
+              <a:t>/users/&lt;name&gt;</a:t>
+            </a:r>
+            <a:r>
+              <a:rPr lang="he-IL" dirty="0"/>
+              <a:t> </a:t>
+            </a:r>
+          </a:p>
+          <a:p>
+            <a:pPr lvl="2" algn="r" rtl="1"/>
+            <a:r>
+              <a:rPr lang="en-US" dirty="0"/>
+              <a:t>int</a:t>
+            </a:r>
+            <a:r>
+              <a:rPr lang="he-IL" dirty="0"/>
+              <a:t> – מצפה למספרים שלמים אי-שליליים: </a:t>
+            </a:r>
+            <a:r>
+              <a:rPr lang="en-US" dirty="0"/>
+              <a:t>/products/&lt;</a:t>
             </a:r>
             <a:r>
               <a:rPr lang="en-US" dirty="0" err="1"/>
-              <a:t>app.route</a:t>
-            </a:r>
-            <a:r>
-              <a:rPr lang="en-US" dirty="0"/>
-              <a:t>(‘/</a:t>
+              <a:t>int:products_id</a:t>
+            </a:r>
+            <a:r>
+              <a:rPr lang="en-US" dirty="0"/>
+              <a:t>&gt;</a:t>
+            </a:r>
+            <a:endParaRPr lang="he-IL" dirty="0"/>
+          </a:p>
+          <a:p>
+            <a:pPr lvl="2" algn="r" rtl="1"/>
+            <a:r>
+              <a:rPr lang="en-US" dirty="0"/>
+              <a:t>float</a:t>
+            </a:r>
+            <a:r>
+              <a:rPr lang="he-IL" dirty="0"/>
+              <a:t> – מצפה למספרים עשרוניים אי-שליליים: </a:t>
+            </a:r>
+            <a:r>
+              <a:rPr lang="en-US" dirty="0"/>
+              <a:t>/products/&lt;</a:t>
             </a:r>
             <a:r>
               <a:rPr lang="en-US" dirty="0" err="1"/>
-              <a:t>route_name</a:t>
-            </a:r>
-            <a:r>
-              <a:rPr lang="en-US" dirty="0"/>
-              <a:t>’, default={‘key’: ‘value’})</a:t>
-            </a:r>
+              <a:t>float:sku</a:t>
+            </a:r>
+            <a:r>
+              <a:rPr lang="en-US" dirty="0"/>
+              <a:t>&gt;</a:t>
+            </a:r>
+            <a:endParaRPr lang="he-IL" dirty="0"/>
+          </a:p>
+          <a:p>
+            <a:pPr lvl="2" algn="r" rtl="1"/>
+            <a:r>
+              <a:rPr lang="en-US" dirty="0"/>
+              <a:t>path</a:t>
+            </a:r>
+            <a:r>
+              <a:rPr lang="he-IL" dirty="0"/>
+              <a:t> – כמו </a:t>
+            </a:r>
+            <a:r>
+              <a:rPr lang="en-US" dirty="0"/>
+              <a:t>string</a:t>
+            </a:r>
+            <a:r>
+              <a:rPr lang="he-IL" dirty="0"/>
+              <a:t>, אך מאפשר את התו ״/״: </a:t>
+            </a:r>
+            <a:r>
+              <a:rPr lang="en-US" dirty="0"/>
+              <a:t>/resources/&lt;</a:t>
+            </a:r>
+            <a:r>
+              <a:rPr lang="en-US" dirty="0" err="1"/>
+              <a:t>path:res</a:t>
+            </a:r>
+            <a:r>
+              <a:rPr lang="en-US" dirty="0"/>
+              <a:t>&gt;</a:t>
+            </a:r>
+            <a:endParaRPr lang="he-IL" dirty="0"/>
           </a:p>
           <a:p>
             <a:pPr lvl="1" algn="r" rtl="1"/>
             <a:r>
-              <a:rPr lang="en-US" dirty="0"/>
-              <a:t>defaults</a:t>
-            </a:r>
-            <a:r>
-              <a:rPr lang="he-IL" dirty="0"/>
-              <a:t> הוא </a:t>
-            </a:r>
-            <a:r>
-              <a:rPr lang="en-US" dirty="0" err="1"/>
-              <a:t>dict</a:t>
-            </a:r>
-            <a:r>
-              <a:rPr lang="he-IL" dirty="0"/>
-              <a:t> עם כמות של צמדי מפתח-ערך כרצונכם.</a:t>
-            </a:r>
-          </a:p>
-          <a:p>
-            <a:pPr lvl="1" algn="r" rtl="1"/>
-            <a:r>
-              <a:rPr lang="he-IL" dirty="0"/>
-              <a:t>הפונקציה המוצמדת ל-</a:t>
+              <a:rPr lang="he-IL" dirty="0"/>
+              <a:t>אם נפנה ל-</a:t>
             </a:r>
             <a:r>
               <a:rPr lang="en-US" dirty="0"/>
@@ -23079,28 +23182,7 @@
             </a:r>
             <a:r>
               <a:rPr lang="he-IL" dirty="0"/>
-              <a:t> חייבת לקבל את כל המפתחות המוגדרים ארגומנטים, אך אינה חייבת להשתמש בהם.</a:t>
-            </a:r>
-          </a:p>
-          <a:p>
-            <a:pPr lvl="1" algn="r" rtl="1"/>
-            <a:r>
-              <a:rPr lang="he-IL" dirty="0"/>
-              <a:t>הערכים עבור המפתחות יילקחו מערכי ברירת מחדל.</a:t>
-            </a:r>
-          </a:p>
-          <a:p>
-            <a:pPr lvl="1" algn="r" rtl="1"/>
-            <a:r>
-              <a:rPr lang="he-IL" dirty="0"/>
-              <a:t>תרגיל:</a:t>
-            </a:r>
-          </a:p>
-          <a:p>
-            <a:pPr lvl="2" algn="r" rtl="1"/>
-            <a:r>
-              <a:rPr lang="he-IL" dirty="0"/>
-              <a:t>הגדירו </a:t>
+              <a:t> שמוגדר עם סוג מסוים באמצעות סוג נתון שונה מזה שהוא מצפה לו אז ה-</a:t>
             </a:r>
             <a:r>
               <a:rPr lang="en-US" dirty="0"/>
@@ -23108,71 +23190,7 @@
             </a:r>
             <a:r>
               <a:rPr lang="he-IL" dirty="0"/>
-              <a:t> עבור מוצרים.</a:t>
-            </a:r>
-          </a:p>
-          <a:p>
-            <a:pPr lvl="2" algn="r" rtl="1"/>
-            <a:r>
-              <a:rPr lang="he-IL" dirty="0"/>
-              <a:t>הגדירו מזהה מוצר שהוא מק״ט והוא רשות.</a:t>
-            </a:r>
-          </a:p>
-          <a:p>
-            <a:pPr lvl="2" algn="r" rtl="1"/>
-            <a:r>
-              <a:rPr lang="he-IL" dirty="0"/>
-              <a:t>מק״ט ברירת המחדל הוא: 100.203.</a:t>
-            </a:r>
-          </a:p>
-          <a:p>
-            <a:pPr lvl="2" algn="r" rtl="1"/>
-            <a:r>
-              <a:rPr lang="he-IL" dirty="0"/>
-              <a:t>התגובה החוזרת מה-</a:t>
-            </a:r>
-            <a:r>
-              <a:rPr lang="en-US" dirty="0"/>
-              <a:t>route</a:t>
-            </a:r>
-            <a:r>
-              <a:rPr lang="he-IL" dirty="0"/>
-              <a:t> תהיה ״</a:t>
-            </a:r>
-            <a:r>
-              <a:rPr lang="en-US" dirty="0"/>
-              <a:t>SKU is: </a:t>
-            </a:r>
-            <a:r>
-              <a:rPr lang="en-US" dirty="0" err="1"/>
-              <a:t>sku</a:t>
-            </a:r>
-            <a:r>
-              <a:rPr lang="he-IL" dirty="0"/>
-              <a:t>״.</a:t>
-            </a:r>
-          </a:p>
-          <a:p>
-            <a:pPr lvl="2" algn="r" rtl="1"/>
-            <a:r>
-              <a:rPr lang="he-IL" dirty="0"/>
-              <a:t>הגדירו </a:t>
-            </a:r>
-            <a:r>
-              <a:rPr lang="en-US" dirty="0"/>
-              <a:t>route</a:t>
-            </a:r>
-            <a:r>
-              <a:rPr lang="he-IL" dirty="0"/>
-              <a:t> נוסף שמאפשר קבלת </a:t>
-            </a:r>
-            <a:r>
-              <a:rPr lang="he-IL" dirty="0" err="1"/>
-              <a:t>מק״טים</a:t>
-            </a:r>
-            <a:r>
-              <a:rPr lang="he-IL" dirty="0"/>
-              <a:t> ומחזיר תגובה זהה לעיל.</a:t>
+              <a:t> יתעלם מהבקשה ונופנה לעמוד 404.</a:t>
             </a:r>
           </a:p>
           <a:p>
@@ -23301,7 +23319,7 @@
     </p:spTree>
     <p:extLst>
       <p:ext uri="{BB962C8B-B14F-4D97-AF65-F5344CB8AC3E}">
-        <p14:creationId xmlns:p14="http://schemas.microsoft.com/office/powerpoint/2010/main" val="1341110800"/>
+        <p14:creationId xmlns:p14="http://schemas.microsoft.com/office/powerpoint/2010/main" val="2174491595"/>
       </p:ext>
     </p:extLst>
   </p:cSld>
@@ -23333,7 +23351,7 @@
           <p:cNvPr id="2" name="Title 1">
             <a:extLst>
               <a:ext uri="{FF2B5EF4-FFF2-40B4-BE49-F238E27FC236}">
-                <a16:creationId xmlns:a16="http://schemas.microsoft.com/office/drawing/2014/main" id="{AE3A889D-4420-B047-B437-D29E3AEB39BE}"/>
+                <a16:creationId xmlns:a16="http://schemas.microsoft.com/office/drawing/2014/main" id="{D04B745C-1B4F-E847-AE4C-C1C569553FB2}"/>
               </a:ext>
             </a:extLst>
           </p:cNvPr>
@@ -23359,131 +23377,57 @@
               <a:buNone/>
             </a:pPr>
             <a:r>
-              <a:rPr lang="he-IL" dirty="0"/>
-              <a:t>משאבים</a:t>
-            </a:r>
-            <a:endParaRPr lang="en-US" dirty="0"/>
+              <a:rPr lang="en-US" dirty="0"/>
+              <a:t>REST</a:t>
+            </a:r>
           </a:p>
         </p:txBody>
       </p:sp>
       <p:sp>
         <p:nvSpPr>
-          <p:cNvPr id="3" name="Content Placeholder 2">
+          <p:cNvPr id="8" name="TextBox 7">
             <a:extLst>
               <a:ext uri="{FF2B5EF4-FFF2-40B4-BE49-F238E27FC236}">
-                <a16:creationId xmlns:a16="http://schemas.microsoft.com/office/drawing/2014/main" id="{A93F2158-A4E1-C948-8082-13DB094A3A8C}"/>
+                <a16:creationId xmlns:a16="http://schemas.microsoft.com/office/drawing/2014/main" id="{0C4E4C9C-EC7C-D64C-B9CC-D7EF23470E26}"/>
               </a:ext>
             </a:extLst>
           </p:cNvPr>
-          <p:cNvSpPr>
-            <a:spLocks noGrp="1"/>
-          </p:cNvSpPr>
-          <p:nvPr>
-            <p:ph idx="1"/>
-          </p:nvPr>
+          <p:cNvSpPr txBox="1"/>
+          <p:nvPr/>
         </p:nvSpPr>
-        <p:spPr/>
+        <p:spPr>
+          <a:xfrm>
+            <a:off x="7189234" y="1866024"/>
+            <a:ext cx="3873327" cy="369332"/>
+          </a:xfrm>
+          <a:prstGeom prst="rect">
+            <a:avLst/>
+          </a:prstGeom>
+          <a:noFill/>
+        </p:spPr>
         <p:txBody>
-          <a:bodyPr>
-            <a:normAutofit/>
+          <a:bodyPr wrap="square" rtlCol="0">
+            <a:spAutoFit/>
           </a:bodyPr>
           <a:lstStyle/>
           <a:p>
-            <a:pPr algn="r" rtl="1"/>
-            <a:r>
-              <a:rPr lang="he-IL" dirty="0"/>
-              <a:t>כל אתר שומר מידע חיוני המשמש לתפעולו.</a:t>
-            </a:r>
-          </a:p>
-          <a:p>
-            <a:pPr algn="r" rtl="1"/>
-            <a:r>
-              <a:rPr lang="he-IL" dirty="0"/>
-              <a:t>מידע זה יכול להיות משתמשים, מוצרים, הזמנות, מסמכים או כל דבר אחר, והוא נשמר בטבלאות שבבסיסי הנתונים של האתר.</a:t>
-            </a:r>
-          </a:p>
-          <a:p>
-            <a:pPr algn="r" rtl="1"/>
-            <a:r>
-              <a:rPr lang="he-IL" dirty="0"/>
-              <a:t>לעתים יש צורך לנהל משאבים אלו, כשהרצוי הוא להקפיד על ניהול אחיד למשאבים שונים.</a:t>
-            </a:r>
-          </a:p>
-          <a:p>
-            <a:pPr algn="r" rtl="1"/>
-            <a:r>
-              <a:rPr lang="he-IL" dirty="0"/>
-              <a:t>ננהל בקשות לעמודים עם </a:t>
-            </a:r>
-            <a:r>
-              <a:rPr lang="en-US" dirty="0"/>
-              <a:t>routes</a:t>
-            </a:r>
-            <a:endParaRPr lang="he-IL" dirty="0"/>
-          </a:p>
-          <a:p>
-            <a:pPr algn="r" rtl="1"/>
-            <a:r>
-              <a:rPr lang="he-IL" dirty="0"/>
-              <a:t>ננהל בקשות לקריאות </a:t>
-            </a:r>
-            <a:r>
-              <a:rPr lang="en-US" dirty="0"/>
-              <a:t>JS</a:t>
-            </a:r>
-            <a:r>
-              <a:rPr lang="he-IL" dirty="0"/>
-              <a:t> עם </a:t>
-            </a:r>
-            <a:r>
-              <a:rPr lang="en-US" dirty="0"/>
-              <a:t>endpoints</a:t>
-            </a:r>
-            <a:r>
-              <a:rPr lang="he-IL" dirty="0"/>
-              <a:t> לפי בהתאם לסגנון הכתיבה של </a:t>
-            </a:r>
-            <a:r>
-              <a:rPr lang="en-US" dirty="0"/>
-              <a:t>REST APIs</a:t>
-            </a:r>
-            <a:r>
-              <a:rPr lang="he-IL" dirty="0"/>
-              <a:t>.</a:t>
-            </a:r>
-            <a:endParaRPr lang="en-US" dirty="0"/>
-          </a:p>
-          <a:p>
-            <a:pPr marL="0" indent="0" algn="r" rtl="1">
-              <a:buNone/>
-            </a:pPr>
-            <a:endParaRPr lang="he-IL" dirty="0"/>
-          </a:p>
-          <a:p>
-            <a:pPr lvl="1" algn="r" rtl="1"/>
-            <a:endParaRPr lang="he-IL" dirty="0"/>
-          </a:p>
-          <a:p>
-            <a:pPr marL="228600" indent="-228600" algn="r" defTabSz="914400" rtl="1" eaLnBrk="1" latinLnBrk="0" hangingPunct="1">
-              <a:lnSpc>
-                <a:spcPct val="100000"/>
-              </a:lnSpc>
-              <a:spcBef>
-                <a:spcPts val="1000"/>
-              </a:spcBef>
+            <a:pPr marL="285750" indent="-285750" algn="r" defTabSz="914400" rtl="1" eaLnBrk="1" latinLnBrk="0" hangingPunct="1">
               <a:buFont typeface="Arial" panose="020B0604020202020204" pitchFamily="34" charset="0"/>
               <a:buChar char="•"/>
             </a:pPr>
-            <a:endParaRPr lang="he-IL" dirty="0"/>
+            <a:r>
+              <a:rPr lang="en-US" dirty="0"/>
+              <a:t>REST</a:t>
+            </a:r>
           </a:p>
         </p:txBody>
       </p:sp>
       <p:sp>
         <p:nvSpPr>
-          <p:cNvPr id="4" name="Slide Number Placeholder 3">
+          <p:cNvPr id="9" name="Slide Number Placeholder 8">
             <a:extLst>
               <a:ext uri="{FF2B5EF4-FFF2-40B4-BE49-F238E27FC236}">
-                <a16:creationId xmlns:a16="http://schemas.microsoft.com/office/drawing/2014/main" id="{4E1E6A99-AB10-064E-A83A-513117970655}"/>
+                <a16:creationId xmlns:a16="http://schemas.microsoft.com/office/drawing/2014/main" id="{2EB3ABD0-8958-C44D-9EEA-509BC68CBBEE}"/>
               </a:ext>
             </a:extLst>
           </p:cNvPr>
@@ -23503,14 +23447,44 @@
               <a:rPr lang="en-US" smtClean="0"/>
               <a:t>2</a:t>
             </a:fld>
-            <a:endParaRPr lang="en-US" dirty="0"/>
+            <a:endParaRPr lang="en-US"/>
           </a:p>
         </p:txBody>
       </p:sp>
+      <p:pic>
+        <p:nvPicPr>
+          <p:cNvPr id="5" name="Picture 4">
+            <a:extLst>
+              <a:ext uri="{FF2B5EF4-FFF2-40B4-BE49-F238E27FC236}">
+                <a16:creationId xmlns:a16="http://schemas.microsoft.com/office/drawing/2014/main" id="{BBCB619E-147C-4141-98E0-7D098F6432D5}"/>
+              </a:ext>
+            </a:extLst>
+          </p:cNvPr>
+          <p:cNvPicPr>
+            <a:picLocks noChangeAspect="1"/>
+          </p:cNvPicPr>
+          <p:nvPr/>
+        </p:nvPicPr>
+        <p:blipFill>
+          <a:blip r:embed="rId3"/>
+          <a:stretch>
+            <a:fillRect/>
+          </a:stretch>
+        </p:blipFill>
+        <p:spPr>
+          <a:xfrm>
+            <a:off x="982980" y="2410692"/>
+            <a:ext cx="7505700" cy="3002280"/>
+          </a:xfrm>
+          <a:prstGeom prst="rect">
+            <a:avLst/>
+          </a:prstGeom>
+        </p:spPr>
+      </p:pic>
     </p:spTree>
     <p:extLst>
       <p:ext uri="{BB962C8B-B14F-4D97-AF65-F5344CB8AC3E}">
-        <p14:creationId xmlns:p14="http://schemas.microsoft.com/office/powerpoint/2010/main" val="2782569903"/>
+        <p14:creationId xmlns:p14="http://schemas.microsoft.com/office/powerpoint/2010/main" val="2032758234"/>
       </p:ext>
     </p:extLst>
   </p:cSld>
@@ -23887,40 +23861,10 @@
           </a:p>
         </p:txBody>
       </p:sp>
-      <p:pic>
-        <p:nvPicPr>
-          <p:cNvPr id="8" name="Picture 7">
-            <a:extLst>
-              <a:ext uri="{FF2B5EF4-FFF2-40B4-BE49-F238E27FC236}">
-                <a16:creationId xmlns:a16="http://schemas.microsoft.com/office/drawing/2014/main" id="{AEE6B09A-9C9D-9349-BF7B-1F40691D44CE}"/>
-              </a:ext>
-            </a:extLst>
-          </p:cNvPr>
-          <p:cNvPicPr>
-            <a:picLocks noChangeAspect="1"/>
-          </p:cNvPicPr>
-          <p:nvPr/>
-        </p:nvPicPr>
-        <p:blipFill>
-          <a:blip r:embed="rId4"/>
-          <a:stretch>
-            <a:fillRect/>
-          </a:stretch>
-        </p:blipFill>
-        <p:spPr>
-          <a:xfrm>
-            <a:off x="418515" y="4246978"/>
-            <a:ext cx="5334000" cy="952500"/>
-          </a:xfrm>
-          <a:prstGeom prst="rect">
-            <a:avLst/>
-          </a:prstGeom>
-        </p:spPr>
-      </p:pic>
     </p:spTree>
     <p:extLst>
       <p:ext uri="{BB962C8B-B14F-4D97-AF65-F5344CB8AC3E}">
-        <p14:creationId xmlns:p14="http://schemas.microsoft.com/office/powerpoint/2010/main" val="1744364806"/>
+        <p14:creationId xmlns:p14="http://schemas.microsoft.com/office/powerpoint/2010/main" val="1341110800"/>
       </p:ext>
     </p:extLst>
   </p:cSld>
@@ -24008,140 +23952,170 @@
         </p:spPr>
         <p:txBody>
           <a:bodyPr>
-            <a:normAutofit/>
+            <a:normAutofit fontScale="92500" lnSpcReduction="20000"/>
           </a:bodyPr>
           <a:lstStyle/>
           <a:p>
             <a:pPr algn="r" rtl="1"/>
             <a:r>
-              <a:rPr lang="he-IL" dirty="0"/>
-              <a:t>תרגילי </a:t>
-            </a:r>
-            <a:r>
-              <a:rPr lang="en-US" dirty="0"/>
-              <a:t>route parameters</a:t>
-            </a:r>
-            <a:r>
-              <a:rPr lang="he-IL" dirty="0"/>
-              <a:t> – כיצד נכתוב את ה-</a:t>
-            </a:r>
-            <a:r>
-              <a:rPr lang="en-US" dirty="0"/>
-              <a:t>routes</a:t>
-            </a:r>
-            <a:r>
-              <a:rPr lang="he-IL" dirty="0"/>
-              <a:t> הבאים:</a:t>
+              <a:rPr lang="en-US" dirty="0"/>
+              <a:t>Route parameters</a:t>
+            </a:r>
+            <a:r>
+              <a:rPr lang="he-IL" dirty="0"/>
+              <a:t> עם ברירת מחדל:</a:t>
+            </a:r>
+          </a:p>
+          <a:p>
+            <a:pPr marL="0" indent="0" algn="l">
+              <a:buNone/>
+            </a:pPr>
+            <a:r>
+              <a:rPr lang="en-US" dirty="0"/>
+              <a:t>@</a:t>
+            </a:r>
+            <a:r>
+              <a:rPr lang="en-US" dirty="0" err="1"/>
+              <a:t>app.route</a:t>
+            </a:r>
+            <a:r>
+              <a:rPr lang="en-US" dirty="0"/>
+              <a:t>(‘/</a:t>
+            </a:r>
+            <a:r>
+              <a:rPr lang="en-US" dirty="0" err="1"/>
+              <a:t>route_name</a:t>
+            </a:r>
+            <a:r>
+              <a:rPr lang="en-US" dirty="0"/>
+              <a:t>’, default={‘key’: ‘value’})</a:t>
             </a:r>
           </a:p>
           <a:p>
             <a:pPr lvl="1" algn="r" rtl="1"/>
             <a:r>
               <a:rPr lang="en-US" dirty="0"/>
-              <a:t>catalog</a:t>
-            </a:r>
-            <a:r>
-              <a:rPr lang="he-IL" dirty="0"/>
-              <a:t> שמקבל את שם הקטלוג להצגה?</a:t>
+              <a:t>defaults</a:t>
+            </a:r>
+            <a:r>
+              <a:rPr lang="he-IL" dirty="0"/>
+              <a:t> הוא </a:t>
+            </a:r>
+            <a:r>
+              <a:rPr lang="en-US" dirty="0" err="1"/>
+              <a:t>dict</a:t>
+            </a:r>
+            <a:r>
+              <a:rPr lang="he-IL" dirty="0"/>
+              <a:t> עם כמות של צמדי מפתח-ערך כרצונכם.</a:t>
             </a:r>
           </a:p>
           <a:p>
             <a:pPr lvl="1" algn="r" rtl="1"/>
             <a:r>
-              <a:rPr lang="en-US" dirty="0"/>
-              <a:t>/customers/5/cart</a:t>
-            </a:r>
-            <a:r>
-              <a:rPr lang="he-IL" dirty="0"/>
-              <a:t>, אך דינאמי?</a:t>
+              <a:rPr lang="he-IL" dirty="0"/>
+              <a:t>הפונקציה המוצמדת ל-</a:t>
+            </a:r>
+            <a:r>
+              <a:rPr lang="en-US" dirty="0"/>
+              <a:t>route</a:t>
+            </a:r>
+            <a:r>
+              <a:rPr lang="he-IL" dirty="0"/>
+              <a:t> חייבת לקבל את כל המפתחות המוגדרים ארגומנטים, אך אינה חייבת להשתמש בהם.</a:t>
             </a:r>
           </a:p>
           <a:p>
             <a:pPr lvl="1" algn="r" rtl="1"/>
             <a:r>
-              <a:rPr lang="en-US" dirty="0"/>
-              <a:t>/users/admin</a:t>
-            </a:r>
-            <a:r>
-              <a:rPr lang="he-IL" dirty="0"/>
-              <a:t>, שם משתמש דינאמי?</a:t>
-            </a:r>
-            <a:endParaRPr lang="en-US" dirty="0"/>
+              <a:rPr lang="he-IL" dirty="0"/>
+              <a:t>הערכים עבור המפתחות יילקחו מערכי ברירת מחדל.</a:t>
+            </a:r>
           </a:p>
           <a:p>
             <a:pPr lvl="1" algn="r" rtl="1"/>
             <a:r>
-              <a:rPr lang="en-US" dirty="0"/>
-              <a:t>/setup/guided-instructors/step/3</a:t>
-            </a:r>
-            <a:r>
-              <a:rPr lang="he-IL" dirty="0"/>
-              <a:t> דינאמי?</a:t>
-            </a:r>
-          </a:p>
-          <a:p>
-            <a:pPr lvl="1" algn="r" rtl="1"/>
-            <a:r>
-              <a:rPr lang="en-US" dirty="0"/>
-              <a:t>/products/121.1138</a:t>
-            </a:r>
-            <a:r>
-              <a:rPr lang="he-IL" dirty="0"/>
-              <a:t> דינאמי שדרך </a:t>
+              <a:rPr lang="he-IL" dirty="0"/>
+              <a:t>תרגיל:</a:t>
+            </a:r>
+          </a:p>
+          <a:p>
+            <a:pPr lvl="2" algn="r" rtl="1"/>
+            <a:r>
+              <a:rPr lang="he-IL" dirty="0"/>
+              <a:t>הגדירו </a:t>
+            </a:r>
+            <a:r>
+              <a:rPr lang="en-US" dirty="0"/>
+              <a:t>route</a:t>
+            </a:r>
+            <a:r>
+              <a:rPr lang="he-IL" dirty="0"/>
+              <a:t> עבור מוצרים.</a:t>
+            </a:r>
+          </a:p>
+          <a:p>
+            <a:pPr lvl="2" algn="r" rtl="1"/>
+            <a:r>
+              <a:rPr lang="he-IL" dirty="0"/>
+              <a:t>הגדירו מזהה מוצר שהוא מק״ט והוא רשות.</a:t>
+            </a:r>
+          </a:p>
+          <a:p>
+            <a:pPr lvl="2" algn="r" rtl="1"/>
+            <a:r>
+              <a:rPr lang="he-IL" dirty="0"/>
+              <a:t>מק״ט ברירת המחדל הוא: 100.203.</a:t>
+            </a:r>
+          </a:p>
+          <a:p>
+            <a:pPr lvl="2" algn="r" rtl="1"/>
+            <a:r>
+              <a:rPr lang="he-IL" dirty="0"/>
+              <a:t>התגובה החוזרת מה-</a:t>
+            </a:r>
+            <a:r>
+              <a:rPr lang="en-US" dirty="0"/>
+              <a:t>route</a:t>
+            </a:r>
+            <a:r>
+              <a:rPr lang="he-IL" dirty="0"/>
+              <a:t> תהיה ״</a:t>
+            </a:r>
+            <a:r>
+              <a:rPr lang="en-US" dirty="0"/>
+              <a:t>SKU is: </a:t>
             </a:r>
             <a:r>
               <a:rPr lang="en-US" dirty="0" err="1"/>
-              <a:t>get_products</a:t>
-            </a:r>
-            <a:r>
-              <a:rPr lang="he-IL" dirty="0"/>
-              <a:t> מחזיר את </a:t>
+              <a:t>sku</a:t>
+            </a:r>
+            <a:r>
+              <a:rPr lang="he-IL" dirty="0"/>
+              <a:t>״.</a:t>
+            </a:r>
+          </a:p>
+          <a:p>
+            <a:pPr lvl="2" algn="r" rtl="1"/>
+            <a:r>
+              <a:rPr lang="he-IL" dirty="0"/>
+              <a:t>הגדירו </a:t>
+            </a:r>
+            <a:r>
+              <a:rPr lang="en-US" dirty="0"/>
+              <a:t>route</a:t>
+            </a:r>
+            <a:r>
+              <a:rPr lang="he-IL" dirty="0"/>
+              <a:t> נוסף שמאפשר קבלת </a:t>
             </a:r>
             <a:r>
               <a:rPr lang="he-IL" dirty="0" err="1"/>
-              <a:t>המק״ט</a:t>
-            </a:r>
-            <a:r>
-              <a:rPr lang="he-IL" dirty="0"/>
-              <a:t>?</a:t>
-            </a:r>
-          </a:p>
-          <a:p>
-            <a:pPr lvl="1" algn="r" rtl="1"/>
-            <a:r>
-              <a:rPr lang="en-US" dirty="0"/>
-              <a:t>/products</a:t>
-            </a:r>
-            <a:r>
-              <a:rPr lang="he-IL" dirty="0"/>
-              <a:t>, שמחזיר 0.0 כברירת מחדל (כשלא מועבר מק״ט)?</a:t>
-            </a:r>
-          </a:p>
-          <a:p>
-            <a:pPr lvl="1" algn="r" rtl="1"/>
-            <a:r>
-              <a:rPr lang="en-US" dirty="0"/>
-              <a:t>/users/3</a:t>
-            </a:r>
-            <a:r>
-              <a:rPr lang="he-IL" dirty="0"/>
-              <a:t> דינאמי שמפעיל פונקציה בשם </a:t>
-            </a:r>
-            <a:r>
-              <a:rPr lang="en-US" dirty="0" err="1"/>
-              <a:t>get_users</a:t>
-            </a:r>
-            <a:r>
-              <a:rPr lang="he-IL" dirty="0"/>
-              <a:t> ומחזיר ״</a:t>
-            </a:r>
-            <a:r>
-              <a:rPr lang="en-US" dirty="0"/>
-              <a:t>User # …</a:t>
-            </a:r>
-            <a:r>
-              <a:rPr lang="he-IL" dirty="0"/>
-              <a:t>״? </a:t>
+              <a:t>מק״טים</a:t>
+            </a:r>
+            <a:r>
+              <a:rPr lang="he-IL" dirty="0"/>
+              <a:t> ומחזיר תגובה זהה לעיל.</a:t>
             </a:r>
           </a:p>
           <a:p>
@@ -24267,10 +24241,40 @@
           </a:p>
         </p:txBody>
       </p:sp>
+      <p:pic>
+        <p:nvPicPr>
+          <p:cNvPr id="8" name="Picture 7">
+            <a:extLst>
+              <a:ext uri="{FF2B5EF4-FFF2-40B4-BE49-F238E27FC236}">
+                <a16:creationId xmlns:a16="http://schemas.microsoft.com/office/drawing/2014/main" id="{AEE6B09A-9C9D-9349-BF7B-1F40691D44CE}"/>
+              </a:ext>
+            </a:extLst>
+          </p:cNvPr>
+          <p:cNvPicPr>
+            <a:picLocks noChangeAspect="1"/>
+          </p:cNvPicPr>
+          <p:nvPr/>
+        </p:nvPicPr>
+        <p:blipFill>
+          <a:blip r:embed="rId4"/>
+          <a:stretch>
+            <a:fillRect/>
+          </a:stretch>
+        </p:blipFill>
+        <p:spPr>
+          <a:xfrm>
+            <a:off x="418515" y="4246978"/>
+            <a:ext cx="5334000" cy="952500"/>
+          </a:xfrm>
+          <a:prstGeom prst="rect">
+            <a:avLst/>
+          </a:prstGeom>
+        </p:spPr>
+      </p:pic>
     </p:spTree>
     <p:extLst>
       <p:ext uri="{BB962C8B-B14F-4D97-AF65-F5344CB8AC3E}">
-        <p14:creationId xmlns:p14="http://schemas.microsoft.com/office/powerpoint/2010/main" val="2465456313"/>
+        <p14:creationId xmlns:p14="http://schemas.microsoft.com/office/powerpoint/2010/main" val="1744364806"/>
       </p:ext>
     </p:extLst>
   </p:cSld>
@@ -24352,13 +24356,13 @@
         </p:nvSpPr>
         <p:spPr>
           <a:xfrm>
-            <a:off x="838200" y="1533378"/>
-            <a:ext cx="10515601" cy="4822971"/>
+            <a:off x="838200" y="2011679"/>
+            <a:ext cx="10515601" cy="4046221"/>
           </a:xfrm>
         </p:spPr>
         <p:txBody>
           <a:bodyPr>
-            <a:normAutofit fontScale="62500" lnSpcReduction="20000"/>
+            <a:normAutofit/>
           </a:bodyPr>
           <a:lstStyle/>
           <a:p>
@@ -24394,130 +24398,40 @@
               <a:rPr lang="he-IL" dirty="0"/>
               <a:t> שמקבל את שם הקטלוג להצגה?</a:t>
             </a:r>
+          </a:p>
+          <a:p>
+            <a:pPr lvl="1" algn="r" rtl="1"/>
+            <a:r>
+              <a:rPr lang="en-US" dirty="0"/>
+              <a:t>/customers/5/cart</a:t>
+            </a:r>
+            <a:r>
+              <a:rPr lang="he-IL" dirty="0"/>
+              <a:t>, אך דינאמי?</a:t>
+            </a:r>
+          </a:p>
+          <a:p>
+            <a:pPr lvl="1" algn="r" rtl="1"/>
+            <a:r>
+              <a:rPr lang="en-US" dirty="0"/>
+              <a:t>/users/admin</a:t>
+            </a:r>
+            <a:r>
+              <a:rPr lang="he-IL" dirty="0"/>
+              <a:t>, שם משתמש דינאמי?</a:t>
+            </a:r>
             <a:endParaRPr lang="en-US" dirty="0"/>
           </a:p>
           <a:p>
-            <a:pPr marL="457200" lvl="1" indent="0" algn="l">
-              <a:buNone/>
-            </a:pPr>
-            <a:r>
-              <a:rPr lang="en-US" dirty="0"/>
-              <a:t>@</a:t>
-            </a:r>
-            <a:r>
-              <a:rPr lang="en-US" dirty="0" err="1"/>
-              <a:t>app.route</a:t>
-            </a:r>
-            <a:r>
-              <a:rPr lang="en-US" dirty="0"/>
-              <a:t>(‘/catalog/&lt;name&gt;’)</a:t>
-            </a:r>
-            <a:endParaRPr lang="he-IL" dirty="0"/>
-          </a:p>
-          <a:p>
             <a:pPr lvl="1" algn="r" rtl="1"/>
             <a:r>
               <a:rPr lang="en-US" dirty="0"/>
-              <a:t>/customers/5/cart</a:t>
-            </a:r>
-            <a:r>
-              <a:rPr lang="he-IL" dirty="0"/>
-              <a:t>, אך דינאמי?</a:t>
-            </a:r>
-            <a:endParaRPr lang="en-US" dirty="0"/>
-          </a:p>
-          <a:p>
-            <a:pPr marL="457200" lvl="1" indent="0">
-              <a:buNone/>
-            </a:pPr>
-            <a:r>
-              <a:rPr lang="en-US" dirty="0"/>
-              <a:t>@</a:t>
-            </a:r>
-            <a:r>
-              <a:rPr lang="en-US" dirty="0" err="1"/>
-              <a:t>app.route</a:t>
-            </a:r>
-            <a:r>
-              <a:rPr lang="en-US" dirty="0"/>
-              <a:t>(‘/ customers /&lt;</a:t>
-            </a:r>
-            <a:r>
-              <a:rPr lang="en-US" dirty="0" err="1"/>
-              <a:t>int:customers_id</a:t>
-            </a:r>
-            <a:r>
-              <a:rPr lang="en-US" dirty="0"/>
-              <a:t>&gt;/cart’)</a:t>
-            </a:r>
-            <a:endParaRPr lang="he-IL" dirty="0"/>
-          </a:p>
-          <a:p>
-            <a:pPr lvl="1" algn="r" rtl="1"/>
-            <a:r>
-              <a:rPr lang="en-US" dirty="0"/>
-              <a:t>/users/admin</a:t>
-            </a:r>
-            <a:r>
-              <a:rPr lang="he-IL" dirty="0"/>
-              <a:t>, שם משתמש דינאמי?</a:t>
-            </a:r>
-            <a:endParaRPr lang="en-US" dirty="0"/>
-          </a:p>
-          <a:p>
-            <a:pPr marL="457200" lvl="1" indent="0">
-              <a:buNone/>
-            </a:pPr>
-            <a:r>
-              <a:rPr lang="en-US" dirty="0"/>
-              <a:t>@</a:t>
-            </a:r>
-            <a:r>
-              <a:rPr lang="en-US" dirty="0" err="1"/>
-              <a:t>app.route</a:t>
-            </a:r>
-            <a:r>
-              <a:rPr lang="en-US" dirty="0"/>
-              <a:t>(‘/users/&lt;name&gt;’)</a:t>
-            </a:r>
-          </a:p>
-          <a:p>
-            <a:pPr lvl="1" algn="r" rtl="1"/>
-            <a:r>
-              <a:rPr lang="en-US" dirty="0"/>
               <a:t>/setup/guided-instructors/step/3</a:t>
             </a:r>
             <a:r>
               <a:rPr lang="he-IL" dirty="0"/>
               <a:t> דינאמי?</a:t>
             </a:r>
-            <a:endParaRPr lang="en-US" dirty="0"/>
-          </a:p>
-          <a:p>
-            <a:pPr marL="457200" lvl="1" indent="0">
-              <a:buNone/>
-            </a:pPr>
-            <a:r>
-              <a:rPr lang="en-US" dirty="0"/>
-              <a:t>@</a:t>
-            </a:r>
-            <a:r>
-              <a:rPr lang="en-US" dirty="0" err="1"/>
-              <a:t>app.route</a:t>
-            </a:r>
-            <a:r>
-              <a:rPr lang="en-US" dirty="0"/>
-              <a:t>(‘/setup/&lt;</a:t>
-            </a:r>
-            <a:r>
-              <a:rPr lang="en-US" dirty="0" err="1"/>
-              <a:t>path:guided_step</a:t>
-            </a:r>
-            <a:r>
-              <a:rPr lang="en-US" dirty="0"/>
-              <a:t>&gt;’)</a:t>
-            </a:r>
-            <a:endParaRPr lang="he-IL" dirty="0"/>
           </a:p>
           <a:p>
             <a:pPr lvl="1" algn="r" rtl="1"/>
@@ -24545,71 +24459,6 @@
               <a:rPr lang="he-IL" dirty="0"/>
               <a:t>?</a:t>
             </a:r>
-            <a:endParaRPr lang="en-US" dirty="0"/>
-          </a:p>
-          <a:p>
-            <a:pPr marL="457200" lvl="1" indent="0">
-              <a:buNone/>
-            </a:pPr>
-            <a:r>
-              <a:rPr lang="en-US" dirty="0"/>
-              <a:t>@</a:t>
-            </a:r>
-            <a:r>
-              <a:rPr lang="en-US" dirty="0" err="1"/>
-              <a:t>app.route</a:t>
-            </a:r>
-            <a:r>
-              <a:rPr lang="en-US" dirty="0"/>
-              <a:t>(‘/products/&lt;</a:t>
-            </a:r>
-            <a:r>
-              <a:rPr lang="en-US" dirty="0" err="1"/>
-              <a:t>float:sku</a:t>
-            </a:r>
-            <a:r>
-              <a:rPr lang="en-US" dirty="0"/>
-              <a:t>&gt;’)</a:t>
-            </a:r>
-          </a:p>
-          <a:p>
-            <a:pPr marL="457200" lvl="1" indent="0" algn="l">
-              <a:buNone/>
-            </a:pPr>
-            <a:r>
-              <a:rPr lang="en-US" dirty="0"/>
-              <a:t>def </a:t>
-            </a:r>
-            <a:r>
-              <a:rPr lang="en-US" dirty="0" err="1"/>
-              <a:t>get_products</a:t>
-            </a:r>
-            <a:r>
-              <a:rPr lang="en-US" dirty="0"/>
-              <a:t>(</a:t>
-            </a:r>
-            <a:r>
-              <a:rPr lang="en-US" dirty="0" err="1"/>
-              <a:t>sku</a:t>
-            </a:r>
-            <a:r>
-              <a:rPr lang="en-US" dirty="0"/>
-              <a:t>):</a:t>
-            </a:r>
-          </a:p>
-          <a:p>
-            <a:pPr marL="457200" lvl="1" indent="0" algn="l">
-              <a:buNone/>
-            </a:pPr>
-            <a:r>
-              <a:rPr lang="en-US" dirty="0"/>
-              <a:t>	return ‘SKU %f’ % </a:t>
-            </a:r>
-            <a:r>
-              <a:rPr lang="en-US" dirty="0" err="1"/>
-              <a:t>sku</a:t>
-            </a:r>
-            <a:endParaRPr lang="he-IL" dirty="0"/>
           </a:p>
           <a:p>
             <a:pPr lvl="1" algn="r" rtl="1"/>
@@ -24621,33 +24470,6 @@
               <a:rPr lang="he-IL" dirty="0"/>
               <a:t>, שמחזיר 0.0 כברירת מחדל (כשלא מועבר מק״ט)?</a:t>
             </a:r>
-            <a:endParaRPr lang="en-US" dirty="0"/>
-          </a:p>
-          <a:p>
-            <a:pPr marL="457200" lvl="1" indent="0">
-              <a:buNone/>
-            </a:pPr>
-            <a:r>
-              <a:rPr lang="en-US" dirty="0"/>
-              <a:t>@</a:t>
-            </a:r>
-            <a:r>
-              <a:rPr lang="en-US" dirty="0" err="1"/>
-              <a:t>app.route</a:t>
-            </a:r>
-            <a:r>
-              <a:rPr lang="en-US" dirty="0"/>
-              <a:t>(‘/products’, defaults={‘</a:t>
-            </a:r>
-            <a:r>
-              <a:rPr lang="en-US" dirty="0" err="1"/>
-              <a:t>sku</a:t>
-            </a:r>
-            <a:r>
-              <a:rPr lang="en-US" dirty="0"/>
-              <a:t>’: 0.0})</a:t>
-            </a:r>
-            <a:endParaRPr lang="he-IL" dirty="0"/>
           </a:p>
           <a:p>
             <a:pPr lvl="1" algn="r" rtl="1"/>
@@ -24675,71 +24497,6 @@
               <a:rPr lang="he-IL" dirty="0"/>
               <a:t>״? </a:t>
             </a:r>
-            <a:endParaRPr lang="en-US" dirty="0"/>
-          </a:p>
-          <a:p>
-            <a:pPr marL="457200" lvl="1" indent="0">
-              <a:buNone/>
-            </a:pPr>
-            <a:r>
-              <a:rPr lang="en-US" dirty="0"/>
-              <a:t>@</a:t>
-            </a:r>
-            <a:r>
-              <a:rPr lang="en-US" dirty="0" err="1"/>
-              <a:t>app.route</a:t>
-            </a:r>
-            <a:r>
-              <a:rPr lang="en-US" dirty="0"/>
-              <a:t>(‘/users/&lt;</a:t>
-            </a:r>
-            <a:r>
-              <a:rPr lang="en-US" dirty="0" err="1"/>
-              <a:t>int:user_id</a:t>
-            </a:r>
-            <a:r>
-              <a:rPr lang="en-US" dirty="0"/>
-              <a:t>&gt;’)</a:t>
-            </a:r>
-          </a:p>
-          <a:p>
-            <a:pPr marL="457200" lvl="1" indent="0">
-              <a:buNone/>
-            </a:pPr>
-            <a:r>
-              <a:rPr lang="en-US" dirty="0"/>
-              <a:t>def </a:t>
-            </a:r>
-            <a:r>
-              <a:rPr lang="en-US" dirty="0" err="1"/>
-              <a:t>get_users</a:t>
-            </a:r>
-            <a:r>
-              <a:rPr lang="en-US" dirty="0"/>
-              <a:t>(</a:t>
-            </a:r>
-            <a:r>
-              <a:rPr lang="en-US" dirty="0" err="1"/>
-              <a:t>user_id</a:t>
-            </a:r>
-            <a:r>
-              <a:rPr lang="en-US" dirty="0"/>
-              <a:t>):</a:t>
-            </a:r>
-          </a:p>
-          <a:p>
-            <a:pPr marL="457200" lvl="1" indent="0">
-              <a:buNone/>
-            </a:pPr>
-            <a:r>
-              <a:rPr lang="en-US" dirty="0"/>
-              <a:t>	return ‘User #%d’ % </a:t>
-            </a:r>
-            <a:r>
-              <a:rPr lang="en-US" dirty="0" err="1"/>
-              <a:t>user_id</a:t>
-            </a:r>
-            <a:endParaRPr lang="he-IL" dirty="0"/>
           </a:p>
           <a:p>
             <a:pPr lvl="1" algn="r" rtl="1"/>
@@ -24867,7 +24624,7 @@
     </p:spTree>
     <p:extLst>
       <p:ext uri="{BB962C8B-B14F-4D97-AF65-F5344CB8AC3E}">
-        <p14:creationId xmlns:p14="http://schemas.microsoft.com/office/powerpoint/2010/main" val="851361651"/>
+        <p14:creationId xmlns:p14="http://schemas.microsoft.com/office/powerpoint/2010/main" val="2465456313"/>
       </p:ext>
     </p:extLst>
   </p:cSld>
@@ -24949,130 +24706,392 @@
         </p:nvSpPr>
         <p:spPr>
           <a:xfrm>
-            <a:off x="838200" y="2011679"/>
-            <a:ext cx="10515601" cy="4046221"/>
+            <a:off x="838200" y="1533378"/>
+            <a:ext cx="10515601" cy="4822971"/>
           </a:xfrm>
         </p:spPr>
         <p:txBody>
           <a:bodyPr>
-            <a:normAutofit/>
+            <a:normAutofit fontScale="62500" lnSpcReduction="20000"/>
           </a:bodyPr>
           <a:lstStyle/>
           <a:p>
             <a:pPr algn="r" rtl="1"/>
             <a:r>
+              <a:rPr lang="he-IL" dirty="0"/>
+              <a:t>תרגילי </a:t>
+            </a:r>
+            <a:r>
               <a:rPr lang="en-US" dirty="0"/>
               <a:t>route parameters</a:t>
             </a:r>
             <a:r>
               <a:rPr lang="he-IL" dirty="0"/>
-              <a:t> עם ריבוי פרמטרים:</a:t>
+              <a:t> – כיצד נכתוב את ה-</a:t>
+            </a:r>
+            <a:r>
+              <a:rPr lang="en-US" dirty="0"/>
+              <a:t>routes</a:t>
+            </a:r>
+            <a:r>
+              <a:rPr lang="he-IL" dirty="0"/>
+              <a:t> הבאים:</a:t>
             </a:r>
           </a:p>
           <a:p>
             <a:pPr lvl="1" algn="r" rtl="1"/>
             <a:r>
-              <a:rPr lang="he-IL" dirty="0"/>
-              <a:t>הגדירו </a:t>
-            </a:r>
-            <a:r>
-              <a:rPr lang="en-US" dirty="0"/>
-              <a:t>routes</a:t>
-            </a:r>
-            <a:r>
-              <a:rPr lang="he-IL" dirty="0"/>
-              <a:t> עבור:</a:t>
-            </a:r>
-          </a:p>
-          <a:p>
-            <a:pPr lvl="2" algn="r" rtl="1"/>
-            <a:r>
-              <a:rPr lang="he-IL" dirty="0"/>
-              <a:t>הזמנות (</a:t>
-            </a:r>
-            <a:r>
-              <a:rPr lang="en-US" dirty="0"/>
-              <a:t>orders</a:t>
-            </a:r>
-            <a:r>
-              <a:rPr lang="he-IL" dirty="0"/>
+              <a:rPr lang="en-US" dirty="0"/>
+              <a:t>catalog</a:t>
+            </a:r>
+            <a:r>
+              <a:rPr lang="he-IL" dirty="0"/>
+              <a:t> שמקבל את שם הקטלוג להצגה?</a:t>
+            </a:r>
+            <a:endParaRPr lang="en-US" dirty="0"/>
+          </a:p>
+          <a:p>
+            <a:pPr marL="457200" lvl="1" indent="0" algn="l">
+              <a:buNone/>
+            </a:pPr>
+            <a:r>
+              <a:rPr lang="en-US" dirty="0"/>
+              <a:t>@</a:t>
+            </a:r>
+            <a:r>
+              <a:rPr lang="en-US" dirty="0" err="1"/>
+              <a:t>app.route</a:t>
+            </a:r>
+            <a:r>
+              <a:rPr lang="en-US" dirty="0"/>
+              <a:t>(‘/catalog/&lt;name&gt;’)</a:t>
+            </a:r>
+            <a:endParaRPr lang="he-IL" dirty="0"/>
+          </a:p>
+          <a:p>
+            <a:pPr lvl="1" algn="r" rtl="1"/>
+            <a:r>
+              <a:rPr lang="en-US" dirty="0"/>
+              <a:t>/customers/5/cart</a:t>
+            </a:r>
+            <a:r>
+              <a:rPr lang="he-IL" dirty="0"/>
+              <a:t>, אך דינאמי?</a:t>
+            </a:r>
+            <a:endParaRPr lang="en-US" dirty="0"/>
+          </a:p>
+          <a:p>
+            <a:pPr marL="457200" lvl="1" indent="0">
+              <a:buNone/>
+            </a:pPr>
+            <a:r>
+              <a:rPr lang="en-US" dirty="0"/>
+              <a:t>@</a:t>
+            </a:r>
+            <a:r>
+              <a:rPr lang="en-US" dirty="0" err="1"/>
+              <a:t>app.route</a:t>
+            </a:r>
+            <a:r>
+              <a:rPr lang="en-US" dirty="0"/>
+              <a:t>(‘/ customers /&lt;</a:t>
+            </a:r>
+            <a:r>
+              <a:rPr lang="en-US" dirty="0" err="1"/>
+              <a:t>int:customers_id</a:t>
+            </a:r>
+            <a:r>
+              <a:rPr lang="en-US" dirty="0"/>
+              <a:t>&gt;/cart’)</a:t>
+            </a:r>
+            <a:endParaRPr lang="he-IL" dirty="0"/>
+          </a:p>
+          <a:p>
+            <a:pPr lvl="1" algn="r" rtl="1"/>
+            <a:r>
+              <a:rPr lang="en-US" dirty="0"/>
+              <a:t>/users/admin</a:t>
+            </a:r>
+            <a:r>
+              <a:rPr lang="he-IL" dirty="0"/>
+              <a:t>, שם משתמש דינאמי?</a:t>
+            </a:r>
+            <a:endParaRPr lang="en-US" dirty="0"/>
+          </a:p>
+          <a:p>
+            <a:pPr marL="457200" lvl="1" indent="0">
+              <a:buNone/>
+            </a:pPr>
+            <a:r>
+              <a:rPr lang="en-US" dirty="0"/>
+              <a:t>@</a:t>
+            </a:r>
+            <a:r>
+              <a:rPr lang="en-US" dirty="0" err="1"/>
+              <a:t>app.route</a:t>
+            </a:r>
+            <a:r>
+              <a:rPr lang="en-US" dirty="0"/>
+              <a:t>(‘/users/&lt;name&gt;’)</a:t>
+            </a:r>
+          </a:p>
+          <a:p>
+            <a:pPr lvl="1" algn="r" rtl="1"/>
+            <a:r>
+              <a:rPr lang="en-US" dirty="0"/>
+              <a:t>/setup/guided-instructors/step/3</a:t>
+            </a:r>
+            <a:r>
+              <a:rPr lang="he-IL" dirty="0"/>
+              <a:t> דינאמי?</a:t>
+            </a:r>
+            <a:endParaRPr lang="en-US" dirty="0"/>
+          </a:p>
+          <a:p>
+            <a:pPr marL="457200" lvl="1" indent="0">
+              <a:buNone/>
+            </a:pPr>
+            <a:r>
+              <a:rPr lang="en-US" dirty="0"/>
+              <a:t>@</a:t>
+            </a:r>
+            <a:r>
+              <a:rPr lang="en-US" dirty="0" err="1"/>
+              <a:t>app.route</a:t>
+            </a:r>
+            <a:r>
+              <a:rPr lang="en-US" dirty="0"/>
+              <a:t>(‘/setup/&lt;</a:t>
+            </a:r>
+            <a:r>
+              <a:rPr lang="en-US" dirty="0" err="1"/>
+              <a:t>path:guided_step</a:t>
+            </a:r>
+            <a:r>
+              <a:rPr lang="en-US" dirty="0"/>
+              <a:t>&gt;’)</a:t>
+            </a:r>
+            <a:endParaRPr lang="he-IL" dirty="0"/>
+          </a:p>
+          <a:p>
+            <a:pPr lvl="1" algn="r" rtl="1"/>
+            <a:r>
+              <a:rPr lang="en-US" dirty="0"/>
+              <a:t>/products/121.1138</a:t>
+            </a:r>
+            <a:r>
+              <a:rPr lang="he-IL" dirty="0"/>
+              <a:t> דינאמי שדרך </a:t>
+            </a:r>
+            <a:r>
+              <a:rPr lang="en-US" dirty="0" err="1"/>
+              <a:t>get_products</a:t>
+            </a:r>
+            <a:r>
+              <a:rPr lang="he-IL" dirty="0"/>
+              <a:t> מחזיר את </a:t>
+            </a:r>
+            <a:r>
+              <a:rPr lang="he-IL" dirty="0" err="1"/>
+              <a:t>המק״ט</a:t>
+            </a:r>
+            <a:r>
+              <a:rPr lang="he-IL" dirty="0"/>
+              <a:t>?</a:t>
+            </a:r>
+            <a:endParaRPr lang="en-US" dirty="0"/>
+          </a:p>
+          <a:p>
+            <a:pPr marL="457200" lvl="1" indent="0">
+              <a:buNone/>
+            </a:pPr>
+            <a:r>
+              <a:rPr lang="en-US" dirty="0"/>
+              <a:t>@</a:t>
+            </a:r>
+            <a:r>
+              <a:rPr lang="en-US" dirty="0" err="1"/>
+              <a:t>app.route</a:t>
+            </a:r>
+            <a:r>
+              <a:rPr lang="en-US" dirty="0"/>
+              <a:t>(‘/products/&lt;</a:t>
+            </a:r>
+            <a:r>
+              <a:rPr lang="en-US" dirty="0" err="1"/>
+              <a:t>float:sku</a:t>
+            </a:r>
+            <a:r>
+              <a:rPr lang="en-US" dirty="0"/>
+              <a:t>&gt;’)</a:t>
+            </a:r>
+          </a:p>
+          <a:p>
+            <a:pPr marL="457200" lvl="1" indent="0" algn="l">
+              <a:buNone/>
+            </a:pPr>
+            <a:r>
+              <a:rPr lang="en-US" dirty="0"/>
+              <a:t>def </a:t>
+            </a:r>
+            <a:r>
+              <a:rPr lang="en-US" dirty="0" err="1"/>
+              <a:t>get_products</a:t>
+            </a:r>
+            <a:r>
+              <a:rPr lang="en-US" dirty="0"/>
+              <a:t>(</a:t>
+            </a:r>
+            <a:r>
+              <a:rPr lang="en-US" dirty="0" err="1"/>
+              <a:t>sku</a:t>
+            </a:r>
+            <a:r>
+              <a:rPr lang="en-US" dirty="0"/>
               <a:t>):</a:t>
             </a:r>
           </a:p>
           <a:p>
-            <a:pPr lvl="2" algn="r" rtl="1"/>
-            <a:r>
-              <a:rPr lang="he-IL" dirty="0"/>
-              <a:t>הזמנות עם מזהה הזמנה (</a:t>
+            <a:pPr marL="457200" lvl="1" indent="0" algn="l">
+              <a:buNone/>
+            </a:pPr>
+            <a:r>
+              <a:rPr lang="en-US" dirty="0"/>
+              <a:t>	return ‘SKU %f’ % </a:t>
             </a:r>
             <a:r>
               <a:rPr lang="en-US" dirty="0" err="1"/>
-              <a:t>order_id</a:t>
-            </a:r>
-            <a:r>
-              <a:rPr lang="he-IL" dirty="0"/>
-              <a:t>) שהוא מספר שלם:</a:t>
-            </a:r>
-          </a:p>
-          <a:p>
-            <a:pPr lvl="2" algn="r" rtl="1"/>
-            <a:r>
-              <a:rPr lang="he-IL" dirty="0"/>
-              <a:t>הזמנות עם מזהה הזמנה והמוצרים הנמצאים בה:</a:t>
-            </a:r>
-          </a:p>
-          <a:p>
-            <a:pPr lvl="2" algn="r" rtl="1"/>
-            <a:r>
-              <a:rPr lang="he-IL" dirty="0"/>
-              <a:t>הזמנות עם מזהה הזמנה, מוצרים ומק״ט מוצר:</a:t>
-            </a:r>
+              <a:t>sku</a:t>
+            </a:r>
+            <a:endParaRPr lang="he-IL" dirty="0"/>
           </a:p>
           <a:p>
             <a:pPr lvl="1" algn="r" rtl="1"/>
             <a:r>
-              <a:rPr lang="he-IL" dirty="0"/>
-              <a:t>עבור ה-</a:t>
-            </a:r>
-            <a:r>
-              <a:rPr lang="en-US" dirty="0"/>
-              <a:t>route</a:t>
-            </a:r>
-            <a:r>
-              <a:rPr lang="he-IL" dirty="0"/>
-              <a:t> האחרון, כתבו פונקציה בשם </a:t>
+              <a:rPr lang="en-US" dirty="0"/>
+              <a:t>/products</a:t>
+            </a:r>
+            <a:r>
+              <a:rPr lang="he-IL" dirty="0"/>
+              <a:t>, שמחזיר 0.0 כברירת מחדל (כשלא מועבר מק״ט)?</a:t>
+            </a:r>
+            <a:endParaRPr lang="en-US" dirty="0"/>
+          </a:p>
+          <a:p>
+            <a:pPr marL="457200" lvl="1" indent="0">
+              <a:buNone/>
+            </a:pPr>
+            <a:r>
+              <a:rPr lang="en-US" dirty="0"/>
+              <a:t>@</a:t>
             </a:r>
             <a:r>
               <a:rPr lang="en-US" dirty="0" err="1"/>
-              <a:t>product_in_order</a:t>
-            </a:r>
-            <a:r>
-              <a:rPr lang="he-IL" dirty="0"/>
-              <a:t> שמקבלת את הפרמטרים ומחזירה ״</a:t>
-            </a:r>
-            <a:r>
-              <a:rPr lang="en-US" dirty="0"/>
-              <a:t>Product </a:t>
-            </a:r>
-            <a:r>
-              <a:rPr lang="en-US" i="1" dirty="0" err="1"/>
+              <a:t>app.route</a:t>
+            </a:r>
+            <a:r>
+              <a:rPr lang="en-US" dirty="0"/>
+              <a:t>(‘/products’, defaults={‘</a:t>
+            </a:r>
+            <a:r>
+              <a:rPr lang="en-US" dirty="0" err="1"/>
               <a:t>sku</a:t>
             </a:r>
             <a:r>
               <a:rPr lang="en-US" dirty="0"/>
-              <a:t> is </a:t>
-            </a:r>
-            <a:r>
-              <a:rPr lang="en-US" i="1" dirty="0" err="1"/>
-              <a:t>order_id</a:t>
-            </a:r>
-            <a:r>
-              <a:rPr lang="he-IL" dirty="0"/>
-              <a:t>״</a:t>
-            </a:r>
-            <a:r>
-              <a:rPr lang="en-US" dirty="0"/>
-              <a:t>:</a:t>
+              <a:t>’: 0.0})</a:t>
+            </a:r>
+            <a:endParaRPr lang="he-IL" dirty="0"/>
+          </a:p>
+          <a:p>
+            <a:pPr lvl="1" algn="r" rtl="1"/>
+            <a:r>
+              <a:rPr lang="en-US" dirty="0"/>
+              <a:t>/users/3</a:t>
+            </a:r>
+            <a:r>
+              <a:rPr lang="he-IL" dirty="0"/>
+              <a:t> דינאמי שמפעיל פונקציה בשם </a:t>
+            </a:r>
+            <a:r>
+              <a:rPr lang="en-US" dirty="0" err="1"/>
+              <a:t>get_users</a:t>
+            </a:r>
+            <a:r>
+              <a:rPr lang="he-IL" dirty="0"/>
+              <a:t> ומחזיר ״</a:t>
+            </a:r>
+            <a:r>
+              <a:rPr lang="en-US" dirty="0"/>
+              <a:t>User # …</a:t>
+            </a:r>
+            <a:r>
+              <a:rPr lang="he-IL" dirty="0"/>
+              <a:t>״? </a:t>
+            </a:r>
+            <a:endParaRPr lang="en-US" dirty="0"/>
+          </a:p>
+          <a:p>
+            <a:pPr marL="457200" lvl="1" indent="0">
+              <a:buNone/>
+            </a:pPr>
+            <a:r>
+              <a:rPr lang="en-US" dirty="0"/>
+              <a:t>@</a:t>
+            </a:r>
+            <a:r>
+              <a:rPr lang="en-US" dirty="0" err="1"/>
+              <a:t>app.route</a:t>
+            </a:r>
+            <a:r>
+              <a:rPr lang="en-US" dirty="0"/>
+              <a:t>(‘/users/&lt;</a:t>
+            </a:r>
+            <a:r>
+              <a:rPr lang="en-US" dirty="0" err="1"/>
+              <a:t>int:user_id</a:t>
+            </a:r>
+            <a:r>
+              <a:rPr lang="en-US" dirty="0"/>
+              <a:t>&gt;’)</a:t>
+            </a:r>
+          </a:p>
+          <a:p>
+            <a:pPr marL="457200" lvl="1" indent="0">
+              <a:buNone/>
+            </a:pPr>
+            <a:r>
+              <a:rPr lang="en-US" dirty="0"/>
+              <a:t>def </a:t>
+            </a:r>
+            <a:r>
+              <a:rPr lang="en-US" dirty="0" err="1"/>
+              <a:t>get_users</a:t>
+            </a:r>
+            <a:r>
+              <a:rPr lang="en-US" dirty="0"/>
+              <a:t>(</a:t>
+            </a:r>
+            <a:r>
+              <a:rPr lang="en-US" dirty="0" err="1"/>
+              <a:t>user_id</a:t>
+            </a:r>
+            <a:r>
+              <a:rPr lang="en-US" dirty="0"/>
+              <a:t>):</a:t>
+            </a:r>
+          </a:p>
+          <a:p>
+            <a:pPr marL="457200" lvl="1" indent="0">
+              <a:buNone/>
+            </a:pPr>
+            <a:r>
+              <a:rPr lang="en-US" dirty="0"/>
+              <a:t>	return ‘User #%d’ % </a:t>
+            </a:r>
+            <a:r>
+              <a:rPr lang="en-US" dirty="0" err="1"/>
+              <a:t>user_id</a:t>
             </a:r>
             <a:endParaRPr lang="he-IL" dirty="0"/>
           </a:p>
@@ -25202,7 +25221,7 @@
     </p:spTree>
     <p:extLst>
       <p:ext uri="{BB962C8B-B14F-4D97-AF65-F5344CB8AC3E}">
-        <p14:creationId xmlns:p14="http://schemas.microsoft.com/office/powerpoint/2010/main" val="1529246814"/>
+        <p14:creationId xmlns:p14="http://schemas.microsoft.com/office/powerpoint/2010/main" val="851361651"/>
       </p:ext>
     </p:extLst>
   </p:cSld>
@@ -25285,12 +25304,12 @@
         <p:spPr>
           <a:xfrm>
             <a:off x="838200" y="2011679"/>
-            <a:ext cx="10515601" cy="4192173"/>
+            <a:ext cx="10515601" cy="4046221"/>
           </a:xfrm>
         </p:spPr>
         <p:txBody>
           <a:bodyPr>
-            <a:normAutofit fontScale="77500" lnSpcReduction="20000"/>
+            <a:normAutofit/>
           </a:bodyPr>
           <a:lstStyle/>
           <a:p>
@@ -25333,25 +25352,6 @@
               <a:rPr lang="he-IL" dirty="0"/>
               <a:t>):</a:t>
             </a:r>
-            <a:endParaRPr lang="en-US" dirty="0"/>
-          </a:p>
-          <a:p>
-            <a:pPr marL="914400" lvl="2" indent="0">
-              <a:buNone/>
-            </a:pPr>
-            <a:r>
-              <a:rPr lang="en-US" dirty="0"/>
-              <a:t>@</a:t>
-            </a:r>
-            <a:r>
-              <a:rPr lang="en-US" dirty="0" err="1"/>
-              <a:t>app.route</a:t>
-            </a:r>
-            <a:r>
-              <a:rPr lang="en-US" dirty="0"/>
-              <a:t>(‘/orders’)</a:t>
-            </a:r>
-            <a:endParaRPr lang="he-IL" dirty="0"/>
           </a:p>
           <a:p>
             <a:pPr lvl="2" algn="r" rtl="1"/>
@@ -25367,33 +25367,6 @@
               <a:rPr lang="he-IL" dirty="0"/>
               <a:t>) שהוא מספר שלם:</a:t>
             </a:r>
-            <a:endParaRPr lang="en-US" dirty="0"/>
-          </a:p>
-          <a:p>
-            <a:pPr marL="914400" lvl="2" indent="0">
-              <a:buNone/>
-            </a:pPr>
-            <a:r>
-              <a:rPr lang="en-US" dirty="0"/>
-              <a:t>@</a:t>
-            </a:r>
-            <a:r>
-              <a:rPr lang="en-US" dirty="0" err="1"/>
-              <a:t>app.route</a:t>
-            </a:r>
-            <a:r>
-              <a:rPr lang="en-US" dirty="0"/>
-              <a:t>(‘/orders/&lt;</a:t>
-            </a:r>
-            <a:r>
-              <a:rPr lang="en-US" dirty="0" err="1"/>
-              <a:t>int:order_id</a:t>
-            </a:r>
-            <a:r>
-              <a:rPr lang="en-US" dirty="0"/>
-              <a:t>&gt;’)</a:t>
-            </a:r>
-            <a:endParaRPr lang="he-IL" dirty="0"/>
           </a:p>
           <a:p>
             <a:pPr lvl="2" algn="r" rtl="1"/>
@@ -25401,33 +25374,6 @@
               <a:rPr lang="he-IL" dirty="0"/>
               <a:t>הזמנות עם מזהה הזמנה והמוצרים הנמצאים בה:</a:t>
             </a:r>
-            <a:endParaRPr lang="en-US" dirty="0"/>
-          </a:p>
-          <a:p>
-            <a:pPr marL="914400" lvl="2" indent="0" algn="l">
-              <a:buNone/>
-            </a:pPr>
-            <a:r>
-              <a:rPr lang="en-US" dirty="0"/>
-              <a:t>@</a:t>
-            </a:r>
-            <a:r>
-              <a:rPr lang="en-US" dirty="0" err="1"/>
-              <a:t>app.route</a:t>
-            </a:r>
-            <a:r>
-              <a:rPr lang="en-US" dirty="0"/>
-              <a:t>(‘/orders/&lt;</a:t>
-            </a:r>
-            <a:r>
-              <a:rPr lang="en-US" dirty="0" err="1"/>
-              <a:t>int:order_id</a:t>
-            </a:r>
-            <a:r>
-              <a:rPr lang="en-US" dirty="0"/>
-              <a:t>&gt;/products’)</a:t>
-            </a:r>
-            <a:endParaRPr lang="he-IL" dirty="0"/>
           </a:p>
           <a:p>
             <a:pPr lvl="2" algn="r" rtl="1"/>
@@ -25435,41 +25381,6 @@
               <a:rPr lang="he-IL" dirty="0"/>
               <a:t>הזמנות עם מזהה הזמנה, מוצרים ומק״ט מוצר:</a:t>
             </a:r>
-            <a:endParaRPr lang="en-US" dirty="0"/>
-          </a:p>
-          <a:p>
-            <a:pPr marL="914400" lvl="2" indent="0">
-              <a:buNone/>
-            </a:pPr>
-            <a:r>
-              <a:rPr lang="en-US" dirty="0"/>
-              <a:t>@</a:t>
-            </a:r>
-            <a:r>
-              <a:rPr lang="en-US" dirty="0" err="1"/>
-              <a:t>app.route</a:t>
-            </a:r>
-            <a:r>
-              <a:rPr lang="en-US" dirty="0"/>
-              <a:t>(‘/orders/&lt;</a:t>
-            </a:r>
-            <a:r>
-              <a:rPr lang="en-US" dirty="0" err="1"/>
-              <a:t>int:order_id</a:t>
-            </a:r>
-            <a:r>
-              <a:rPr lang="en-US" dirty="0"/>
-              <a:t>&gt;/products/&lt;</a:t>
-            </a:r>
-            <a:r>
-              <a:rPr lang="en-US" dirty="0" err="1"/>
-              <a:t>float:sku</a:t>
-            </a:r>
-            <a:r>
-              <a:rPr lang="en-US" dirty="0"/>
-              <a:t>&gt;’)</a:t>
-            </a:r>
-            <a:endParaRPr lang="he-IL" dirty="0"/>
           </a:p>
           <a:p>
             <a:pPr lvl="1" algn="r" rtl="1"/>
@@ -25517,79 +25428,7 @@
               <a:rPr lang="en-US" dirty="0"/>
               <a:t>:</a:t>
             </a:r>
-          </a:p>
-          <a:p>
-            <a:pPr marL="457200" lvl="1" indent="0" algn="l">
-              <a:buNone/>
-            </a:pPr>
-            <a:r>
-              <a:rPr lang="en-US" dirty="0"/>
-              <a:t>def </a:t>
-            </a:r>
-            <a:r>
-              <a:rPr lang="en-US" dirty="0" err="1"/>
-              <a:t>product_in_order</a:t>
-            </a:r>
-            <a:r>
-              <a:rPr lang="en-US" dirty="0"/>
-              <a:t>(</a:t>
-            </a:r>
-            <a:r>
-              <a:rPr lang="en-US" dirty="0" err="1"/>
-              <a:t>order_id</a:t>
-            </a:r>
-            <a:r>
-              <a:rPr lang="en-US" dirty="0"/>
-              <a:t>, </a:t>
-            </a:r>
-            <a:r>
-              <a:rPr lang="en-US" dirty="0" err="1"/>
-              <a:t>sku</a:t>
-            </a:r>
-            <a:r>
-              <a:rPr lang="en-US" dirty="0"/>
-              <a:t>):</a:t>
-            </a:r>
-          </a:p>
-          <a:p>
-            <a:pPr marL="457200" lvl="1" indent="0" algn="l">
-              <a:buNone/>
-            </a:pPr>
-            <a:r>
-              <a:rPr lang="en-US" dirty="0"/>
-              <a:t>	return ‘Product %f is in %d’ % (</a:t>
-            </a:r>
-            <a:r>
-              <a:rPr lang="en-US" dirty="0" err="1"/>
-              <a:t>sku</a:t>
-            </a:r>
-            <a:r>
-              <a:rPr lang="en-US" dirty="0"/>
-              <a:t>, </a:t>
-            </a:r>
-            <a:r>
-              <a:rPr lang="en-US" dirty="0" err="1"/>
-              <a:t>order_id</a:t>
-            </a:r>
-            <a:r>
-              <a:rPr lang="en-US" dirty="0"/>
-              <a:t>)</a:t>
-            </a:r>
-          </a:p>
-          <a:p>
-            <a:pPr lvl="1" algn="r" rtl="1"/>
-            <a:r>
-              <a:rPr lang="he-IL" dirty="0"/>
-              <a:t>שימו לב: שימוש ב-</a:t>
-            </a:r>
-            <a:r>
-              <a:rPr lang="en-US" dirty="0"/>
-              <a:t>tuple</a:t>
-            </a:r>
-            <a:r>
-              <a:rPr lang="he-IL" dirty="0"/>
-              <a:t> וחשיבות לסדר.</a:t>
-            </a:r>
+            <a:endParaRPr lang="he-IL" dirty="0"/>
           </a:p>
           <a:p>
             <a:pPr lvl="1" algn="r" rtl="1"/>
@@ -25717,7 +25556,7 @@
     </p:spTree>
     <p:extLst>
       <p:ext uri="{BB962C8B-B14F-4D97-AF65-F5344CB8AC3E}">
-        <p14:creationId xmlns:p14="http://schemas.microsoft.com/office/powerpoint/2010/main" val="3590447641"/>
+        <p14:creationId xmlns:p14="http://schemas.microsoft.com/office/powerpoint/2010/main" val="1529246814"/>
       </p:ext>
     </p:extLst>
   </p:cSld>
@@ -25800,23 +25639,197 @@
         <p:spPr>
           <a:xfrm>
             <a:off x="838200" y="2011679"/>
-            <a:ext cx="10515601" cy="4046221"/>
+            <a:ext cx="10515601" cy="4192173"/>
           </a:xfrm>
         </p:spPr>
         <p:txBody>
           <a:bodyPr>
-            <a:normAutofit/>
+            <a:normAutofit fontScale="77500" lnSpcReduction="20000"/>
           </a:bodyPr>
           <a:lstStyle/>
           <a:p>
             <a:pPr algn="r" rtl="1"/>
             <a:r>
               <a:rPr lang="en-US" dirty="0"/>
-              <a:t>redirect</a:t>
-            </a:r>
-            <a:r>
-              <a:rPr lang="he-IL" dirty="0"/>
-              <a:t> ל-</a:t>
+              <a:t>route parameters</a:t>
+            </a:r>
+            <a:r>
+              <a:rPr lang="he-IL" dirty="0"/>
+              <a:t> עם ריבוי פרמטרים:</a:t>
+            </a:r>
+          </a:p>
+          <a:p>
+            <a:pPr lvl="1" algn="r" rtl="1"/>
+            <a:r>
+              <a:rPr lang="he-IL" dirty="0"/>
+              <a:t>הגדירו </a:t>
+            </a:r>
+            <a:r>
+              <a:rPr lang="en-US" dirty="0"/>
+              <a:t>routes</a:t>
+            </a:r>
+            <a:r>
+              <a:rPr lang="he-IL" dirty="0"/>
+              <a:t> עבור:</a:t>
+            </a:r>
+          </a:p>
+          <a:p>
+            <a:pPr lvl="2" algn="r" rtl="1"/>
+            <a:r>
+              <a:rPr lang="he-IL" dirty="0"/>
+              <a:t>הזמנות (</a:t>
+            </a:r>
+            <a:r>
+              <a:rPr lang="en-US" dirty="0"/>
+              <a:t>orders</a:t>
+            </a:r>
+            <a:r>
+              <a:rPr lang="he-IL" dirty="0"/>
+              <a:t>):</a:t>
+            </a:r>
+            <a:endParaRPr lang="en-US" dirty="0"/>
+          </a:p>
+          <a:p>
+            <a:pPr marL="914400" lvl="2" indent="0">
+              <a:buNone/>
+            </a:pPr>
+            <a:r>
+              <a:rPr lang="en-US" dirty="0"/>
+              <a:t>@</a:t>
+            </a:r>
+            <a:r>
+              <a:rPr lang="en-US" dirty="0" err="1"/>
+              <a:t>app.route</a:t>
+            </a:r>
+            <a:r>
+              <a:rPr lang="en-US" dirty="0"/>
+              <a:t>(‘/orders’)</a:t>
+            </a:r>
+            <a:endParaRPr lang="he-IL" dirty="0"/>
+          </a:p>
+          <a:p>
+            <a:pPr lvl="2" algn="r" rtl="1"/>
+            <a:r>
+              <a:rPr lang="he-IL" dirty="0"/>
+              <a:t>הזמנות עם מזהה הזמנה (</a:t>
+            </a:r>
+            <a:r>
+              <a:rPr lang="en-US" dirty="0" err="1"/>
+              <a:t>order_id</a:t>
+            </a:r>
+            <a:r>
+              <a:rPr lang="he-IL" dirty="0"/>
+              <a:t>) שהוא מספר שלם:</a:t>
+            </a:r>
+            <a:endParaRPr lang="en-US" dirty="0"/>
+          </a:p>
+          <a:p>
+            <a:pPr marL="914400" lvl="2" indent="0">
+              <a:buNone/>
+            </a:pPr>
+            <a:r>
+              <a:rPr lang="en-US" dirty="0"/>
+              <a:t>@</a:t>
+            </a:r>
+            <a:r>
+              <a:rPr lang="en-US" dirty="0" err="1"/>
+              <a:t>app.route</a:t>
+            </a:r>
+            <a:r>
+              <a:rPr lang="en-US" dirty="0"/>
+              <a:t>(‘/orders/&lt;</a:t>
+            </a:r>
+            <a:r>
+              <a:rPr lang="en-US" dirty="0" err="1"/>
+              <a:t>int:order_id</a:t>
+            </a:r>
+            <a:r>
+              <a:rPr lang="en-US" dirty="0"/>
+              <a:t>&gt;’)</a:t>
+            </a:r>
+            <a:endParaRPr lang="he-IL" dirty="0"/>
+          </a:p>
+          <a:p>
+            <a:pPr lvl="2" algn="r" rtl="1"/>
+            <a:r>
+              <a:rPr lang="he-IL" dirty="0"/>
+              <a:t>הזמנות עם מזהה הזמנה והמוצרים הנמצאים בה:</a:t>
+            </a:r>
+            <a:endParaRPr lang="en-US" dirty="0"/>
+          </a:p>
+          <a:p>
+            <a:pPr marL="914400" lvl="2" indent="0" algn="l">
+              <a:buNone/>
+            </a:pPr>
+            <a:r>
+              <a:rPr lang="en-US" dirty="0"/>
+              <a:t>@</a:t>
+            </a:r>
+            <a:r>
+              <a:rPr lang="en-US" dirty="0" err="1"/>
+              <a:t>app.route</a:t>
+            </a:r>
+            <a:r>
+              <a:rPr lang="en-US" dirty="0"/>
+              <a:t>(‘/orders/&lt;</a:t>
+            </a:r>
+            <a:r>
+              <a:rPr lang="en-US" dirty="0" err="1"/>
+              <a:t>int:order_id</a:t>
+            </a:r>
+            <a:r>
+              <a:rPr lang="en-US" dirty="0"/>
+              <a:t>&gt;/products’)</a:t>
+            </a:r>
+            <a:endParaRPr lang="he-IL" dirty="0"/>
+          </a:p>
+          <a:p>
+            <a:pPr lvl="2" algn="r" rtl="1"/>
+            <a:r>
+              <a:rPr lang="he-IL" dirty="0"/>
+              <a:t>הזמנות עם מזהה הזמנה, מוצרים ומק״ט מוצר:</a:t>
+            </a:r>
+            <a:endParaRPr lang="en-US" dirty="0"/>
+          </a:p>
+          <a:p>
+            <a:pPr marL="914400" lvl="2" indent="0">
+              <a:buNone/>
+            </a:pPr>
+            <a:r>
+              <a:rPr lang="en-US" dirty="0"/>
+              <a:t>@</a:t>
+            </a:r>
+            <a:r>
+              <a:rPr lang="en-US" dirty="0" err="1"/>
+              <a:t>app.route</a:t>
+            </a:r>
+            <a:r>
+              <a:rPr lang="en-US" dirty="0"/>
+              <a:t>(‘/orders/&lt;</a:t>
+            </a:r>
+            <a:r>
+              <a:rPr lang="en-US" dirty="0" err="1"/>
+              <a:t>int:order_id</a:t>
+            </a:r>
+            <a:r>
+              <a:rPr lang="en-US" dirty="0"/>
+              <a:t>&gt;/products/&lt;</a:t>
+            </a:r>
+            <a:r>
+              <a:rPr lang="en-US" dirty="0" err="1"/>
+              <a:t>float:sku</a:t>
+            </a:r>
+            <a:r>
+              <a:rPr lang="en-US" dirty="0"/>
+              <a:t>&gt;’)</a:t>
+            </a:r>
+            <a:endParaRPr lang="he-IL" dirty="0"/>
+          </a:p>
+          <a:p>
+            <a:pPr lvl="1" algn="r" rtl="1"/>
+            <a:r>
+              <a:rPr lang="he-IL" dirty="0"/>
+              <a:t>עבור ה-</a:t>
             </a:r>
             <a:r>
               <a:rPr lang="en-US" dirty="0"/>
@@ -25824,76 +25837,112 @@
             </a:r>
             <a:r>
               <a:rPr lang="he-IL" dirty="0"/>
-              <a:t> עם פרמטרים.</a:t>
-            </a:r>
-          </a:p>
-          <a:p>
-            <a:pPr algn="r" rtl="1"/>
-            <a:r>
-              <a:rPr lang="he-IL" dirty="0"/>
-              <a:t>בהינתן ה-</a:t>
-            </a:r>
-            <a:r>
-              <a:rPr lang="en-US" dirty="0"/>
-              <a:t>routes</a:t>
-            </a:r>
-            <a:r>
-              <a:rPr lang="he-IL" dirty="0"/>
-              <a:t> הבאים, כיצד נממש את המקרה הבא:</a:t>
+              <a:t> האחרון, כתבו פונקציה בשם </a:t>
+            </a:r>
+            <a:r>
+              <a:rPr lang="en-US" dirty="0" err="1"/>
+              <a:t>product_in_order</a:t>
+            </a:r>
+            <a:r>
+              <a:rPr lang="he-IL" dirty="0"/>
+              <a:t> שמקבלת את הפרמטרים ומחזירה ״</a:t>
+            </a:r>
+            <a:r>
+              <a:rPr lang="en-US" dirty="0"/>
+              <a:t>Product </a:t>
+            </a:r>
+            <a:r>
+              <a:rPr lang="en-US" i="1" dirty="0" err="1"/>
+              <a:t>sku</a:t>
+            </a:r>
+            <a:r>
+              <a:rPr lang="en-US" dirty="0"/>
+              <a:t> is </a:t>
+            </a:r>
+            <a:r>
+              <a:rPr lang="en-US" i="1" dirty="0" err="1"/>
+              <a:t>order_id</a:t>
+            </a:r>
+            <a:r>
+              <a:rPr lang="he-IL" dirty="0"/>
+              <a:t>״</a:t>
+            </a:r>
+            <a:r>
+              <a:rPr lang="en-US" dirty="0"/>
+              <a:t>:</a:t>
+            </a:r>
+          </a:p>
+          <a:p>
+            <a:pPr marL="457200" lvl="1" indent="0" algn="l">
+              <a:buNone/>
+            </a:pPr>
+            <a:r>
+              <a:rPr lang="en-US" dirty="0"/>
+              <a:t>def </a:t>
+            </a:r>
+            <a:r>
+              <a:rPr lang="en-US" dirty="0" err="1"/>
+              <a:t>product_in_order</a:t>
+            </a:r>
+            <a:r>
+              <a:rPr lang="en-US" dirty="0"/>
+              <a:t>(</a:t>
+            </a:r>
+            <a:r>
+              <a:rPr lang="en-US" dirty="0" err="1"/>
+              <a:t>order_id</a:t>
+            </a:r>
+            <a:r>
+              <a:rPr lang="en-US" dirty="0"/>
+              <a:t>, </a:t>
+            </a:r>
+            <a:r>
+              <a:rPr lang="en-US" dirty="0" err="1"/>
+              <a:t>sku</a:t>
+            </a:r>
+            <a:r>
+              <a:rPr lang="en-US" dirty="0"/>
+              <a:t>):</a:t>
+            </a:r>
+          </a:p>
+          <a:p>
+            <a:pPr marL="457200" lvl="1" indent="0" algn="l">
+              <a:buNone/>
+            </a:pPr>
+            <a:r>
+              <a:rPr lang="en-US" dirty="0"/>
+              <a:t>	return ‘Product %f is in %d’ % (</a:t>
+            </a:r>
+            <a:r>
+              <a:rPr lang="en-US" dirty="0" err="1"/>
+              <a:t>sku</a:t>
+            </a:r>
+            <a:r>
+              <a:rPr lang="en-US" dirty="0"/>
+              <a:t>, </a:t>
+            </a:r>
+            <a:r>
+              <a:rPr lang="en-US" dirty="0" err="1"/>
+              <a:t>order_id</a:t>
+            </a:r>
+            <a:r>
+              <a:rPr lang="en-US" dirty="0"/>
+              <a:t>)</a:t>
             </a:r>
           </a:p>
           <a:p>
             <a:pPr lvl="1" algn="r" rtl="1"/>
             <a:r>
               <a:rPr lang="he-IL" dirty="0"/>
-              <a:t>נדרש </a:t>
-            </a:r>
-            <a:r>
-              <a:rPr lang="en-US" dirty="0"/>
-              <a:t>route</a:t>
-            </a:r>
-            <a:r>
-              <a:rPr lang="he-IL" dirty="0"/>
-              <a:t> חדש בשם </a:t>
-            </a:r>
-            <a:r>
-              <a:rPr lang="en-US" dirty="0"/>
-              <a:t>/product</a:t>
-            </a:r>
-            <a:r>
-              <a:rPr lang="he-IL" dirty="0"/>
-              <a:t> שמקבלת מק״ט של מוצר.</a:t>
-            </a:r>
-          </a:p>
-          <a:p>
-            <a:pPr lvl="1" algn="r" rtl="1"/>
-            <a:r>
-              <a:rPr lang="he-IL" dirty="0"/>
-              <a:t>ה-</a:t>
-            </a:r>
-            <a:r>
-              <a:rPr lang="en-US" dirty="0"/>
-              <a:t>route</a:t>
-            </a:r>
-            <a:r>
-              <a:rPr lang="he-IL" dirty="0"/>
-              <a:t> החדש מפנה ל-</a:t>
-            </a:r>
-            <a:r>
-              <a:rPr lang="en-US" dirty="0"/>
-              <a:t>route</a:t>
-            </a:r>
-            <a:r>
-              <a:rPr lang="he-IL" dirty="0"/>
-              <a:t> הקיים </a:t>
-            </a:r>
-            <a:r>
-              <a:rPr lang="en-US" dirty="0"/>
-              <a:t>/product</a:t>
-            </a:r>
-            <a:r>
-              <a:rPr lang="he-IL" dirty="0"/>
-              <a:t> ומעביר אליו את מק״ט המוצר שהוא מקבל.</a:t>
+              <a:t>שימו לב: שימוש ב-</a:t>
+            </a:r>
+            <a:r>
+              <a:rPr lang="en-US" dirty="0"/>
+              <a:t>tuple</a:t>
+            </a:r>
+            <a:r>
+              <a:rPr lang="he-IL" dirty="0"/>
+              <a:t> וחשיבות לסדר.</a:t>
             </a:r>
           </a:p>
           <a:p>
@@ -26022,7 +26071,7 @@
     </p:spTree>
     <p:extLst>
       <p:ext uri="{BB962C8B-B14F-4D97-AF65-F5344CB8AC3E}">
-        <p14:creationId xmlns:p14="http://schemas.microsoft.com/office/powerpoint/2010/main" val="145127930"/>
+        <p14:creationId xmlns:p14="http://schemas.microsoft.com/office/powerpoint/2010/main" val="3590447641"/>
       </p:ext>
     </p:extLst>
   </p:cSld>
@@ -26324,6 +26373,311 @@
           </a:p>
         </p:txBody>
       </p:sp>
+    </p:spTree>
+    <p:extLst>
+      <p:ext uri="{BB962C8B-B14F-4D97-AF65-F5344CB8AC3E}">
+        <p14:creationId xmlns:p14="http://schemas.microsoft.com/office/powerpoint/2010/main" val="145127930"/>
+      </p:ext>
+    </p:extLst>
+  </p:cSld>
+  <p:clrMapOvr>
+    <a:masterClrMapping/>
+  </p:clrMapOvr>
+</p:sld>
+</file>
+
+<file path=ppt/slides/slide27.xml><?xml version="1.0" encoding="utf-8"?>
+<p:sld xmlns:a="http://schemas.openxmlformats.org/drawingml/2006/main" xmlns:r="http://schemas.openxmlformats.org/officeDocument/2006/relationships" xmlns:p="http://schemas.openxmlformats.org/presentationml/2006/main">
+  <p:cSld>
+    <p:spTree>
+      <p:nvGrpSpPr>
+        <p:cNvPr id="1" name=""/>
+        <p:cNvGrpSpPr/>
+        <p:nvPr/>
+      </p:nvGrpSpPr>
+      <p:grpSpPr>
+        <a:xfrm>
+          <a:off x="0" y="0"/>
+          <a:ext cx="0" cy="0"/>
+          <a:chOff x="0" y="0"/>
+          <a:chExt cx="0" cy="0"/>
+        </a:xfrm>
+      </p:grpSpPr>
+      <p:sp>
+        <p:nvSpPr>
+          <p:cNvPr id="2" name="Title 1">
+            <a:extLst>
+              <a:ext uri="{FF2B5EF4-FFF2-40B4-BE49-F238E27FC236}">
+                <a16:creationId xmlns:a16="http://schemas.microsoft.com/office/drawing/2014/main" id="{08454D7F-A13A-0C4E-ADCD-DC8A88D10E77}"/>
+              </a:ext>
+            </a:extLst>
+          </p:cNvPr>
+          <p:cNvSpPr>
+            <a:spLocks noGrp="1"/>
+          </p:cNvSpPr>
+          <p:nvPr>
+            <p:ph type="title"/>
+          </p:nvPr>
+        </p:nvSpPr>
+        <p:spPr/>
+        <p:txBody>
+          <a:bodyPr/>
+          <a:lstStyle/>
+          <a:p>
+            <a:pPr algn="r" defTabSz="914400" rtl="1" eaLnBrk="1" latinLnBrk="0" hangingPunct="1">
+              <a:lnSpc>
+                <a:spcPct val="90000"/>
+              </a:lnSpc>
+              <a:spcBef>
+                <a:spcPct val="0"/>
+              </a:spcBef>
+              <a:buNone/>
+            </a:pPr>
+            <a:r>
+              <a:rPr lang="en-US" dirty="0"/>
+              <a:t>route() Decorator</a:t>
+            </a:r>
+          </a:p>
+        </p:txBody>
+      </p:sp>
+      <p:sp>
+        <p:nvSpPr>
+          <p:cNvPr id="3" name="Content Placeholder 2">
+            <a:extLst>
+              <a:ext uri="{FF2B5EF4-FFF2-40B4-BE49-F238E27FC236}">
+                <a16:creationId xmlns:a16="http://schemas.microsoft.com/office/drawing/2014/main" id="{7E680E4E-B7C5-6148-9940-640E38CF1699}"/>
+              </a:ext>
+            </a:extLst>
+          </p:cNvPr>
+          <p:cNvSpPr>
+            <a:spLocks noGrp="1"/>
+          </p:cNvSpPr>
+          <p:nvPr>
+            <p:ph idx="1"/>
+          </p:nvPr>
+        </p:nvSpPr>
+        <p:spPr>
+          <a:xfrm>
+            <a:off x="838200" y="2011679"/>
+            <a:ext cx="10515601" cy="4046221"/>
+          </a:xfrm>
+        </p:spPr>
+        <p:txBody>
+          <a:bodyPr>
+            <a:normAutofit/>
+          </a:bodyPr>
+          <a:lstStyle/>
+          <a:p>
+            <a:pPr algn="r" rtl="1"/>
+            <a:r>
+              <a:rPr lang="en-US" dirty="0"/>
+              <a:t>redirect</a:t>
+            </a:r>
+            <a:r>
+              <a:rPr lang="he-IL" dirty="0"/>
+              <a:t> ל-</a:t>
+            </a:r>
+            <a:r>
+              <a:rPr lang="en-US" dirty="0"/>
+              <a:t>route</a:t>
+            </a:r>
+            <a:r>
+              <a:rPr lang="he-IL" dirty="0"/>
+              <a:t> עם פרמטרים.</a:t>
+            </a:r>
+          </a:p>
+          <a:p>
+            <a:pPr algn="r" rtl="1"/>
+            <a:r>
+              <a:rPr lang="he-IL" dirty="0"/>
+              <a:t>בהינתן ה-</a:t>
+            </a:r>
+            <a:r>
+              <a:rPr lang="en-US" dirty="0"/>
+              <a:t>routes</a:t>
+            </a:r>
+            <a:r>
+              <a:rPr lang="he-IL" dirty="0"/>
+              <a:t> הבאים, כיצד נממש את המקרה הבא:</a:t>
+            </a:r>
+          </a:p>
+          <a:p>
+            <a:pPr lvl="1" algn="r" rtl="1"/>
+            <a:r>
+              <a:rPr lang="he-IL" dirty="0"/>
+              <a:t>נדרש </a:t>
+            </a:r>
+            <a:r>
+              <a:rPr lang="en-US" dirty="0"/>
+              <a:t>route</a:t>
+            </a:r>
+            <a:r>
+              <a:rPr lang="he-IL" dirty="0"/>
+              <a:t> חדש בשם </a:t>
+            </a:r>
+            <a:r>
+              <a:rPr lang="en-US" dirty="0"/>
+              <a:t>/product</a:t>
+            </a:r>
+            <a:r>
+              <a:rPr lang="he-IL" dirty="0"/>
+              <a:t> שמקבלת מק״ט של מוצר.</a:t>
+            </a:r>
+          </a:p>
+          <a:p>
+            <a:pPr lvl="1" algn="r" rtl="1"/>
+            <a:r>
+              <a:rPr lang="he-IL" dirty="0"/>
+              <a:t>ה-</a:t>
+            </a:r>
+            <a:r>
+              <a:rPr lang="en-US" dirty="0"/>
+              <a:t>route</a:t>
+            </a:r>
+            <a:r>
+              <a:rPr lang="he-IL" dirty="0"/>
+              <a:t> החדש מפנה ל-</a:t>
+            </a:r>
+            <a:r>
+              <a:rPr lang="en-US" dirty="0"/>
+              <a:t>route</a:t>
+            </a:r>
+            <a:r>
+              <a:rPr lang="he-IL" dirty="0"/>
+              <a:t> הקיים </a:t>
+            </a:r>
+            <a:r>
+              <a:rPr lang="en-US" dirty="0"/>
+              <a:t>/product</a:t>
+            </a:r>
+            <a:r>
+              <a:rPr lang="he-IL" dirty="0"/>
+              <a:t> ומעביר אליו את מק״ט המוצר שהוא מקבל.</a:t>
+            </a:r>
+          </a:p>
+          <a:p>
+            <a:pPr lvl="1" algn="r" rtl="1"/>
+            <a:endParaRPr lang="en-US" dirty="0"/>
+          </a:p>
+        </p:txBody>
+      </p:sp>
+      <p:sp>
+        <p:nvSpPr>
+          <p:cNvPr id="4" name="Oval 3">
+            <a:extLst>
+              <a:ext uri="{FF2B5EF4-FFF2-40B4-BE49-F238E27FC236}">
+                <a16:creationId xmlns:a16="http://schemas.microsoft.com/office/drawing/2014/main" id="{42E17E47-0805-0A45-8A42-F64D4EFFB446}"/>
+              </a:ext>
+            </a:extLst>
+          </p:cNvPr>
+          <p:cNvSpPr/>
+          <p:nvPr/>
+        </p:nvSpPr>
+        <p:spPr>
+          <a:xfrm>
+            <a:off x="11713028" y="6417129"/>
+            <a:ext cx="261257" cy="261257"/>
+          </a:xfrm>
+          <a:prstGeom prst="ellipse">
+            <a:avLst/>
+          </a:prstGeom>
+          <a:solidFill>
+            <a:srgbClr val="FF0000"/>
+          </a:solidFill>
+        </p:spPr>
+        <p:style>
+          <a:lnRef idx="2">
+            <a:schemeClr val="accent1">
+              <a:shade val="50000"/>
+            </a:schemeClr>
+          </a:lnRef>
+          <a:fillRef idx="1">
+            <a:schemeClr val="accent1"/>
+          </a:fillRef>
+          <a:effectRef idx="0">
+            <a:schemeClr val="accent1"/>
+          </a:effectRef>
+          <a:fontRef idx="minor">
+            <a:schemeClr val="lt1"/>
+          </a:fontRef>
+        </p:style>
+        <p:txBody>
+          <a:bodyPr rtlCol="0" anchor="ctr"/>
+          <a:lstStyle/>
+          <a:p>
+            <a:pPr algn="ctr"/>
+            <a:endParaRPr lang="en-US"/>
+          </a:p>
+        </p:txBody>
+      </p:sp>
+      <p:sp>
+        <p:nvSpPr>
+          <p:cNvPr id="7" name="Slide Number Placeholder 6">
+            <a:extLst>
+              <a:ext uri="{FF2B5EF4-FFF2-40B4-BE49-F238E27FC236}">
+                <a16:creationId xmlns:a16="http://schemas.microsoft.com/office/drawing/2014/main" id="{A803B642-3547-9347-9162-DEB42F3E8639}"/>
+              </a:ext>
+            </a:extLst>
+          </p:cNvPr>
+          <p:cNvSpPr>
+            <a:spLocks noGrp="1"/>
+          </p:cNvSpPr>
+          <p:nvPr>
+            <p:ph type="sldNum" sz="quarter" idx="12"/>
+          </p:nvPr>
+        </p:nvSpPr>
+        <p:spPr/>
+        <p:txBody>
+          <a:bodyPr/>
+          <a:lstStyle/>
+          <a:p>
+            <a:fld id="{51845F5A-061D-4825-9AE9-D7794091C6CF}" type="slidenum">
+              <a:rPr lang="en-US" smtClean="0"/>
+              <a:t>27</a:t>
+            </a:fld>
+            <a:endParaRPr lang="en-US"/>
+          </a:p>
+        </p:txBody>
+      </p:sp>
+      <p:sp>
+        <p:nvSpPr>
+          <p:cNvPr id="5" name="TextBox 4">
+            <a:extLst>
+              <a:ext uri="{FF2B5EF4-FFF2-40B4-BE49-F238E27FC236}">
+                <a16:creationId xmlns:a16="http://schemas.microsoft.com/office/drawing/2014/main" id="{3ACAD393-69C5-B948-8525-B94E9CF622D4}"/>
+              </a:ext>
+            </a:extLst>
+          </p:cNvPr>
+          <p:cNvSpPr txBox="1"/>
+          <p:nvPr/>
+        </p:nvSpPr>
+        <p:spPr>
+          <a:xfrm>
+            <a:off x="0" y="6363091"/>
+            <a:ext cx="6918881" cy="369332"/>
+          </a:xfrm>
+          <a:prstGeom prst="rect">
+            <a:avLst/>
+          </a:prstGeom>
+          <a:noFill/>
+        </p:spPr>
+        <p:txBody>
+          <a:bodyPr wrap="none" rtlCol="0">
+            <a:spAutoFit/>
+          </a:bodyPr>
+          <a:lstStyle/>
+          <a:p>
+            <a:pPr algn="r" rtl="1"/>
+            <a:r>
+              <a:rPr lang="en-US" dirty="0">
+                <a:hlinkClick r:id="rId3"/>
+              </a:rPr>
+              <a:t>https://exploreflask.com/en/latest/views.html#url-converters</a:t>
+            </a:r>
+            <a:endParaRPr lang="he-IL" dirty="0"/>
+          </a:p>
+        </p:txBody>
+      </p:sp>
       <p:pic>
         <p:nvPicPr>
           <p:cNvPr id="8" name="Picture 7">
@@ -26367,7 +26721,7 @@
 </p:sld>
 </file>
 
-<file path=ppt/slides/slide27.xml><?xml version="1.0" encoding="utf-8"?>
+<file path=ppt/slides/slide28.xml><?xml version="1.0" encoding="utf-8"?>
 <p:sld xmlns:a="http://schemas.openxmlformats.org/drawingml/2006/main" xmlns:r="http://schemas.openxmlformats.org/officeDocument/2006/relationships" xmlns:p="http://schemas.openxmlformats.org/presentationml/2006/main">
   <p:cSld>
     <p:spTree>
@@ -26510,7 +26864,7 @@
           <a:p>
             <a:fld id="{51845F5A-061D-4825-9AE9-D7794091C6CF}" type="slidenum">
               <a:rPr lang="en-US" smtClean="0"/>
-              <a:t>27</a:t>
+              <a:t>28</a:t>
             </a:fld>
             <a:endParaRPr lang="en-US"/>
           </a:p>
@@ -26559,7 +26913,7 @@
 </p:sld>
 </file>
 
-<file path=ppt/slides/slide28.xml><?xml version="1.0" encoding="utf-8"?>
+<file path=ppt/slides/slide29.xml><?xml version="1.0" encoding="utf-8"?>
 <p:sld xmlns:a="http://schemas.openxmlformats.org/drawingml/2006/main" xmlns:r="http://schemas.openxmlformats.org/officeDocument/2006/relationships" xmlns:p="http://schemas.openxmlformats.org/presentationml/2006/main">
   <p:cSld>
     <p:spTree>
@@ -26746,7 +27100,7 @@
           <a:p>
             <a:fld id="{51845F5A-061D-4825-9AE9-D7794091C6CF}" type="slidenum">
               <a:rPr lang="en-US" smtClean="0"/>
-              <a:t>28</a:t>
+              <a:t>29</a:t>
             </a:fld>
             <a:endParaRPr lang="en-US"/>
           </a:p>
@@ -26975,7 +27329,216 @@
 </p:sld>
 </file>
 
-<file path=ppt/slides/slide29.xml><?xml version="1.0" encoding="utf-8"?>
+<file path=ppt/slides/slide3.xml><?xml version="1.0" encoding="utf-8"?>
+<p:sld xmlns:a="http://schemas.openxmlformats.org/drawingml/2006/main" xmlns:r="http://schemas.openxmlformats.org/officeDocument/2006/relationships" xmlns:p="http://schemas.openxmlformats.org/presentationml/2006/main">
+  <p:cSld>
+    <p:spTree>
+      <p:nvGrpSpPr>
+        <p:cNvPr id="1" name=""/>
+        <p:cNvGrpSpPr/>
+        <p:nvPr/>
+      </p:nvGrpSpPr>
+      <p:grpSpPr>
+        <a:xfrm>
+          <a:off x="0" y="0"/>
+          <a:ext cx="0" cy="0"/>
+          <a:chOff x="0" y="0"/>
+          <a:chExt cx="0" cy="0"/>
+        </a:xfrm>
+      </p:grpSpPr>
+      <p:sp>
+        <p:nvSpPr>
+          <p:cNvPr id="2" name="Title 1">
+            <a:extLst>
+              <a:ext uri="{FF2B5EF4-FFF2-40B4-BE49-F238E27FC236}">
+                <a16:creationId xmlns:a16="http://schemas.microsoft.com/office/drawing/2014/main" id="{AE3A889D-4420-B047-B437-D29E3AEB39BE}"/>
+              </a:ext>
+            </a:extLst>
+          </p:cNvPr>
+          <p:cNvSpPr>
+            <a:spLocks noGrp="1"/>
+          </p:cNvSpPr>
+          <p:nvPr>
+            <p:ph type="title"/>
+          </p:nvPr>
+        </p:nvSpPr>
+        <p:spPr/>
+        <p:txBody>
+          <a:bodyPr/>
+          <a:lstStyle/>
+          <a:p>
+            <a:pPr algn="r" defTabSz="914400" rtl="1" eaLnBrk="1" latinLnBrk="0" hangingPunct="1">
+              <a:lnSpc>
+                <a:spcPct val="90000"/>
+              </a:lnSpc>
+              <a:spcBef>
+                <a:spcPct val="0"/>
+              </a:spcBef>
+              <a:buNone/>
+            </a:pPr>
+            <a:r>
+              <a:rPr lang="he-IL" dirty="0"/>
+              <a:t>משאבים</a:t>
+            </a:r>
+            <a:endParaRPr lang="en-US" dirty="0"/>
+          </a:p>
+        </p:txBody>
+      </p:sp>
+      <p:sp>
+        <p:nvSpPr>
+          <p:cNvPr id="3" name="Content Placeholder 2">
+            <a:extLst>
+              <a:ext uri="{FF2B5EF4-FFF2-40B4-BE49-F238E27FC236}">
+                <a16:creationId xmlns:a16="http://schemas.microsoft.com/office/drawing/2014/main" id="{A93F2158-A4E1-C948-8082-13DB094A3A8C}"/>
+              </a:ext>
+            </a:extLst>
+          </p:cNvPr>
+          <p:cNvSpPr>
+            <a:spLocks noGrp="1"/>
+          </p:cNvSpPr>
+          <p:nvPr>
+            <p:ph idx="1"/>
+          </p:nvPr>
+        </p:nvSpPr>
+        <p:spPr/>
+        <p:txBody>
+          <a:bodyPr>
+            <a:normAutofit/>
+          </a:bodyPr>
+          <a:lstStyle/>
+          <a:p>
+            <a:pPr algn="r" rtl="1"/>
+            <a:r>
+              <a:rPr lang="he-IL" dirty="0"/>
+              <a:t>כל אתר שומר מידע חיוני המשמש לתפעולו.</a:t>
+            </a:r>
+          </a:p>
+          <a:p>
+            <a:pPr algn="r" rtl="1"/>
+            <a:r>
+              <a:rPr lang="he-IL" dirty="0"/>
+              <a:t>מידע זה יכול להיות משתמשים, מוצרים, הזמנות, מסמכים או כל דבר אחר, והוא נשמר בטבלאות שבבסיסי הנתונים של האתר.</a:t>
+            </a:r>
+          </a:p>
+          <a:p>
+            <a:pPr algn="r" rtl="1"/>
+            <a:r>
+              <a:rPr lang="he-IL" dirty="0"/>
+              <a:t>לעתים יש צורך לנהל משאבים אלו, כשהרצוי הוא להקפיד על ניהול אחיד למשאבים שונים.</a:t>
+            </a:r>
+          </a:p>
+          <a:p>
+            <a:pPr algn="r" rtl="1"/>
+            <a:r>
+              <a:rPr lang="he-IL" dirty="0"/>
+              <a:t>ננהל בקשות לעמודים עם </a:t>
+            </a:r>
+            <a:r>
+              <a:rPr lang="en-US" dirty="0"/>
+              <a:t>routes</a:t>
+            </a:r>
+            <a:endParaRPr lang="he-IL" dirty="0"/>
+          </a:p>
+          <a:p>
+            <a:pPr algn="r" rtl="1"/>
+            <a:r>
+              <a:rPr lang="he-IL" dirty="0"/>
+              <a:t>ננהל בקשות לקריאות </a:t>
+            </a:r>
+            <a:r>
+              <a:rPr lang="en-US" dirty="0"/>
+              <a:t>JS</a:t>
+            </a:r>
+            <a:r>
+              <a:rPr lang="he-IL" dirty="0"/>
+              <a:t> עם </a:t>
+            </a:r>
+            <a:r>
+              <a:rPr lang="en-US" dirty="0"/>
+              <a:t>endpoints</a:t>
+            </a:r>
+            <a:r>
+              <a:rPr lang="he-IL" dirty="0"/>
+              <a:t> לפי בהתאם לסגנון הכתיבה של </a:t>
+            </a:r>
+            <a:r>
+              <a:rPr lang="en-US" dirty="0"/>
+              <a:t>REST APIs</a:t>
+            </a:r>
+            <a:r>
+              <a:rPr lang="he-IL" dirty="0"/>
+              <a:t>.</a:t>
+            </a:r>
+            <a:endParaRPr lang="en-US" dirty="0"/>
+          </a:p>
+          <a:p>
+            <a:pPr marL="0" indent="0" algn="r" rtl="1">
+              <a:buNone/>
+            </a:pPr>
+            <a:endParaRPr lang="he-IL" dirty="0"/>
+          </a:p>
+          <a:p>
+            <a:pPr lvl="1" algn="r" rtl="1"/>
+            <a:endParaRPr lang="he-IL" dirty="0"/>
+          </a:p>
+          <a:p>
+            <a:pPr marL="228600" indent="-228600" algn="r" defTabSz="914400" rtl="1" eaLnBrk="1" latinLnBrk="0" hangingPunct="1">
+              <a:lnSpc>
+                <a:spcPct val="100000"/>
+              </a:lnSpc>
+              <a:spcBef>
+                <a:spcPts val="1000"/>
+              </a:spcBef>
+              <a:buFont typeface="Arial" panose="020B0604020202020204" pitchFamily="34" charset="0"/>
+              <a:buChar char="•"/>
+            </a:pPr>
+            <a:endParaRPr lang="he-IL" dirty="0"/>
+          </a:p>
+        </p:txBody>
+      </p:sp>
+      <p:sp>
+        <p:nvSpPr>
+          <p:cNvPr id="4" name="Slide Number Placeholder 3">
+            <a:extLst>
+              <a:ext uri="{FF2B5EF4-FFF2-40B4-BE49-F238E27FC236}">
+                <a16:creationId xmlns:a16="http://schemas.microsoft.com/office/drawing/2014/main" id="{4E1E6A99-AB10-064E-A83A-513117970655}"/>
+              </a:ext>
+            </a:extLst>
+          </p:cNvPr>
+          <p:cNvSpPr>
+            <a:spLocks noGrp="1"/>
+          </p:cNvSpPr>
+          <p:nvPr>
+            <p:ph type="sldNum" sz="quarter" idx="12"/>
+          </p:nvPr>
+        </p:nvSpPr>
+        <p:spPr/>
+        <p:txBody>
+          <a:bodyPr/>
+          <a:lstStyle/>
+          <a:p>
+            <a:fld id="{51845F5A-061D-4825-9AE9-D7794091C6CF}" type="slidenum">
+              <a:rPr lang="en-US" smtClean="0"/>
+              <a:t>3</a:t>
+            </a:fld>
+            <a:endParaRPr lang="en-US" dirty="0"/>
+          </a:p>
+        </p:txBody>
+      </p:sp>
+    </p:spTree>
+    <p:extLst>
+      <p:ext uri="{BB962C8B-B14F-4D97-AF65-F5344CB8AC3E}">
+        <p14:creationId xmlns:p14="http://schemas.microsoft.com/office/powerpoint/2010/main" val="2782569903"/>
+      </p:ext>
+    </p:extLst>
+  </p:cSld>
+  <p:clrMapOvr>
+    <a:masterClrMapping/>
+  </p:clrMapOvr>
+</p:sld>
+</file>
+
+<file path=ppt/slides/slide30.xml><?xml version="1.0" encoding="utf-8"?>
 <p:sld xmlns:a="http://schemas.openxmlformats.org/drawingml/2006/main" xmlns:r="http://schemas.openxmlformats.org/officeDocument/2006/relationships" xmlns:p="http://schemas.openxmlformats.org/presentationml/2006/main">
   <p:cSld>
     <p:spTree>
@@ -27137,7 +27700,7 @@
           <a:p>
             <a:fld id="{51845F5A-061D-4825-9AE9-D7794091C6CF}" type="slidenum">
               <a:rPr lang="en-US" smtClean="0"/>
-              <a:t>29</a:t>
+              <a:t>30</a:t>
             </a:fld>
             <a:endParaRPr lang="en-US"/>
           </a:p>
@@ -27375,312 +27938,7 @@
 </p:sld>
 </file>
 
-<file path=ppt/slides/slide3.xml><?xml version="1.0" encoding="utf-8"?>
-<p:sld xmlns:a="http://schemas.openxmlformats.org/drawingml/2006/main" xmlns:r="http://schemas.openxmlformats.org/officeDocument/2006/relationships" xmlns:p="http://schemas.openxmlformats.org/presentationml/2006/main">
-  <p:cSld>
-    <p:spTree>
-      <p:nvGrpSpPr>
-        <p:cNvPr id="1" name=""/>
-        <p:cNvGrpSpPr/>
-        <p:nvPr/>
-      </p:nvGrpSpPr>
-      <p:grpSpPr>
-        <a:xfrm>
-          <a:off x="0" y="0"/>
-          <a:ext cx="0" cy="0"/>
-          <a:chOff x="0" y="0"/>
-          <a:chExt cx="0" cy="0"/>
-        </a:xfrm>
-      </p:grpSpPr>
-      <p:sp>
-        <p:nvSpPr>
-          <p:cNvPr id="2" name="Title 1">
-            <a:extLst>
-              <a:ext uri="{FF2B5EF4-FFF2-40B4-BE49-F238E27FC236}">
-                <a16:creationId xmlns:a16="http://schemas.microsoft.com/office/drawing/2014/main" id="{AE3A889D-4420-B047-B437-D29E3AEB39BE}"/>
-              </a:ext>
-            </a:extLst>
-          </p:cNvPr>
-          <p:cNvSpPr>
-            <a:spLocks noGrp="1"/>
-          </p:cNvSpPr>
-          <p:nvPr>
-            <p:ph type="title"/>
-          </p:nvPr>
-        </p:nvSpPr>
-        <p:spPr/>
-        <p:txBody>
-          <a:bodyPr/>
-          <a:lstStyle/>
-          <a:p>
-            <a:pPr algn="r" defTabSz="914400" rtl="1" eaLnBrk="1" latinLnBrk="0" hangingPunct="1">
-              <a:lnSpc>
-                <a:spcPct val="90000"/>
-              </a:lnSpc>
-              <a:spcBef>
-                <a:spcPct val="0"/>
-              </a:spcBef>
-              <a:buNone/>
-            </a:pPr>
-            <a:r>
-              <a:rPr lang="en-US" dirty="0"/>
-              <a:t>REST</a:t>
-            </a:r>
-          </a:p>
-        </p:txBody>
-      </p:sp>
-      <p:sp>
-        <p:nvSpPr>
-          <p:cNvPr id="3" name="Content Placeholder 2">
-            <a:extLst>
-              <a:ext uri="{FF2B5EF4-FFF2-40B4-BE49-F238E27FC236}">
-                <a16:creationId xmlns:a16="http://schemas.microsoft.com/office/drawing/2014/main" id="{A93F2158-A4E1-C948-8082-13DB094A3A8C}"/>
-              </a:ext>
-            </a:extLst>
-          </p:cNvPr>
-          <p:cNvSpPr>
-            <a:spLocks noGrp="1"/>
-          </p:cNvSpPr>
-          <p:nvPr>
-            <p:ph idx="1"/>
-          </p:nvPr>
-        </p:nvSpPr>
-        <p:spPr/>
-        <p:txBody>
-          <a:bodyPr>
-            <a:normAutofit lnSpcReduction="10000"/>
-          </a:bodyPr>
-          <a:lstStyle/>
-          <a:p>
-            <a:pPr algn="r" rtl="1"/>
-            <a:r>
-              <a:rPr lang="en-US" dirty="0"/>
-              <a:t>REST = Representational State Transfer</a:t>
-            </a:r>
-            <a:endParaRPr lang="he-IL" dirty="0"/>
-          </a:p>
-          <a:p>
-            <a:pPr algn="r" rtl="1"/>
-            <a:r>
-              <a:rPr lang="he-IL" dirty="0"/>
-              <a:t>ארכיטקטורה לביסוס שירותי </a:t>
-            </a:r>
-            <a:r>
-              <a:rPr lang="en-US" dirty="0"/>
-              <a:t>WEB</a:t>
-            </a:r>
-            <a:r>
-              <a:rPr lang="he-IL" dirty="0"/>
-              <a:t>.</a:t>
-            </a:r>
-          </a:p>
-          <a:p>
-            <a:pPr algn="r" rtl="1"/>
-            <a:r>
-              <a:rPr lang="he-IL" dirty="0"/>
-              <a:t>בקורס נאמץ מ-</a:t>
-            </a:r>
-            <a:r>
-              <a:rPr lang="en-US" dirty="0"/>
-              <a:t>REST</a:t>
-            </a:r>
-            <a:r>
-              <a:rPr lang="he-IL" dirty="0"/>
-              <a:t> את סגנון הכתיבה של </a:t>
-            </a:r>
-            <a:r>
-              <a:rPr lang="en-US" dirty="0"/>
-              <a:t>REST APIs</a:t>
-            </a:r>
-            <a:r>
-              <a:rPr lang="he-IL" dirty="0"/>
-              <a:t> לקבלת משאבים.</a:t>
-            </a:r>
-          </a:p>
-          <a:p>
-            <a:pPr lvl="1" algn="r" rtl="1"/>
-            <a:r>
-              <a:rPr lang="he-IL" dirty="0"/>
-              <a:t>נתיב מכונה גם </a:t>
-            </a:r>
-            <a:r>
-              <a:rPr lang="en-US" dirty="0"/>
-              <a:t>path</a:t>
-            </a:r>
-            <a:r>
-              <a:rPr lang="he-IL" dirty="0"/>
-              <a:t> או </a:t>
-            </a:r>
-            <a:r>
-              <a:rPr lang="en-US" dirty="0"/>
-              <a:t> route</a:t>
-            </a:r>
-            <a:r>
-              <a:rPr lang="he-IL" dirty="0"/>
-              <a:t>, בהקשר של </a:t>
-            </a:r>
-            <a:r>
-              <a:rPr lang="en-US" dirty="0"/>
-              <a:t>REST</a:t>
-            </a:r>
-            <a:r>
-              <a:rPr lang="he-IL" dirty="0"/>
-              <a:t> הוא נקרא </a:t>
-            </a:r>
-            <a:r>
-              <a:rPr lang="en-US" dirty="0"/>
-              <a:t>endpoints</a:t>
-            </a:r>
-            <a:r>
-              <a:rPr lang="he-IL" dirty="0"/>
-              <a:t>.</a:t>
-            </a:r>
-          </a:p>
-          <a:p>
-            <a:pPr algn="r" rtl="1"/>
-            <a:r>
-              <a:rPr lang="en-US" dirty="0"/>
-              <a:t>route</a:t>
-            </a:r>
-            <a:r>
-              <a:rPr lang="he-IL" dirty="0"/>
-              <a:t> הוא הטקסט ב-</a:t>
-            </a:r>
-            <a:r>
-              <a:rPr lang="en-US" dirty="0"/>
-              <a:t>URL</a:t>
-            </a:r>
-            <a:r>
-              <a:rPr lang="he-IL" dirty="0"/>
-              <a:t> שמגיע לאחר שם המתחם, דוגמאות:</a:t>
-            </a:r>
-          </a:p>
-          <a:p>
-            <a:pPr marL="0" indent="0" algn="r" rtl="1">
-              <a:buNone/>
-            </a:pPr>
-            <a:r>
-              <a:rPr lang="en-US" dirty="0"/>
-              <a:t>https://</a:t>
-            </a:r>
-            <a:r>
-              <a:rPr lang="en-US" dirty="0" err="1"/>
-              <a:t>www.linkedin.com</a:t>
-            </a:r>
-            <a:r>
-              <a:rPr lang="en-US" dirty="0"/>
-              <a:t>/</a:t>
-            </a:r>
-            <a:r>
-              <a:rPr lang="en-US" b="1" dirty="0"/>
-              <a:t>company/</a:t>
-            </a:r>
-            <a:r>
-              <a:rPr lang="en-US" b="1" dirty="0" err="1"/>
-              <a:t>bloomberg</a:t>
-            </a:r>
-            <a:r>
-              <a:rPr lang="en-US" b="1" dirty="0"/>
-              <a:t>-news/</a:t>
-            </a:r>
-            <a:endParaRPr lang="he-IL" b="1" dirty="0"/>
-          </a:p>
-          <a:p>
-            <a:pPr algn="r" rtl="1"/>
-            <a:r>
-              <a:rPr lang="en-US" dirty="0"/>
-              <a:t>endpoint</a:t>
-            </a:r>
-            <a:r>
-              <a:rPr lang="he-IL" dirty="0"/>
-              <a:t> הוא הנתיב למשאב המבוקש לאחר שם המתחם, דוגמאות:</a:t>
-            </a:r>
-          </a:p>
-          <a:p>
-            <a:pPr marL="0" indent="0" algn="r" rtl="1">
-              <a:buNone/>
-            </a:pPr>
-            <a:r>
-              <a:rPr lang="en-US" dirty="0"/>
-              <a:t>https://</a:t>
-            </a:r>
-            <a:r>
-              <a:rPr lang="en-US" dirty="0" err="1"/>
-              <a:t>reqres.in</a:t>
-            </a:r>
-            <a:r>
-              <a:rPr lang="en-US" dirty="0"/>
-              <a:t>/</a:t>
-            </a:r>
-          </a:p>
-          <a:p>
-            <a:pPr marL="0" indent="0" algn="r" rtl="1">
-              <a:buNone/>
-            </a:pPr>
-            <a:endParaRPr lang="he-IL" dirty="0"/>
-          </a:p>
-          <a:p>
-            <a:pPr lvl="1" algn="r" rtl="1"/>
-            <a:endParaRPr lang="he-IL" dirty="0"/>
-          </a:p>
-          <a:p>
-            <a:pPr marL="228600" indent="-228600" algn="r" defTabSz="914400" rtl="1" eaLnBrk="1" latinLnBrk="0" hangingPunct="1">
-              <a:lnSpc>
-                <a:spcPct val="100000"/>
-              </a:lnSpc>
-              <a:spcBef>
-                <a:spcPts val="1000"/>
-              </a:spcBef>
-              <a:buFont typeface="Arial" panose="020B0604020202020204" pitchFamily="34" charset="0"/>
-              <a:buChar char="•"/>
-            </a:pPr>
-            <a:endParaRPr lang="he-IL" dirty="0"/>
-          </a:p>
-        </p:txBody>
-      </p:sp>
-      <p:sp>
-        <p:nvSpPr>
-          <p:cNvPr id="4" name="Slide Number Placeholder 3">
-            <a:extLst>
-              <a:ext uri="{FF2B5EF4-FFF2-40B4-BE49-F238E27FC236}">
-                <a16:creationId xmlns:a16="http://schemas.microsoft.com/office/drawing/2014/main" id="{4E1E6A99-AB10-064E-A83A-513117970655}"/>
-              </a:ext>
-            </a:extLst>
-          </p:cNvPr>
-          <p:cNvSpPr>
-            <a:spLocks noGrp="1"/>
-          </p:cNvSpPr>
-          <p:nvPr>
-            <p:ph type="sldNum" sz="quarter" idx="12"/>
-          </p:nvPr>
-        </p:nvSpPr>
-        <p:spPr/>
-        <p:txBody>
-          <a:bodyPr/>
-          <a:lstStyle/>
-          <a:p>
-            <a:fld id="{51845F5A-061D-4825-9AE9-D7794091C6CF}" type="slidenum">
-              <a:rPr lang="en-US" smtClean="0"/>
-              <a:t>3</a:t>
-            </a:fld>
-            <a:endParaRPr lang="en-US" dirty="0"/>
-          </a:p>
-        </p:txBody>
-      </p:sp>
-    </p:spTree>
-    <p:extLst>
-      <p:ext uri="{BB962C8B-B14F-4D97-AF65-F5344CB8AC3E}">
-        <p14:creationId xmlns:p14="http://schemas.microsoft.com/office/powerpoint/2010/main" val="875092246"/>
-      </p:ext>
-    </p:extLst>
-  </p:cSld>
-  <p:clrMapOvr>
-    <a:masterClrMapping/>
-  </p:clrMapOvr>
-</p:sld>
-</file>
-
-<file path=ppt/slides/slide30.xml><?xml version="1.0" encoding="utf-8"?>
+<file path=ppt/slides/slide31.xml><?xml version="1.0" encoding="utf-8"?>
 <p:sld xmlns:a="http://schemas.openxmlformats.org/drawingml/2006/main" xmlns:r="http://schemas.openxmlformats.org/officeDocument/2006/relationships" xmlns:p="http://schemas.openxmlformats.org/presentationml/2006/main">
   <p:cSld>
     <p:spTree>
@@ -27882,7 +28140,7 @@
           <a:p>
             <a:fld id="{51845F5A-061D-4825-9AE9-D7794091C6CF}" type="slidenum">
               <a:rPr lang="en-US" smtClean="0"/>
-              <a:t>30</a:t>
+              <a:t>31</a:t>
             </a:fld>
             <a:endParaRPr lang="en-US"/>
           </a:p>
@@ -27950,7 +28208,7 @@
 </p:sld>
 </file>
 
-<file path=ppt/slides/slide31.xml><?xml version="1.0" encoding="utf-8"?>
+<file path=ppt/slides/slide32.xml><?xml version="1.0" encoding="utf-8"?>
 <p:sld xmlns:a="http://schemas.openxmlformats.org/drawingml/2006/main" xmlns:r="http://schemas.openxmlformats.org/officeDocument/2006/relationships" xmlns:p="http://schemas.openxmlformats.org/presentationml/2006/main">
   <p:cSld>
     <p:spTree>
@@ -28163,7 +28421,7 @@
           <a:p>
             <a:fld id="{51845F5A-061D-4825-9AE9-D7794091C6CF}" type="slidenum">
               <a:rPr lang="en-US" smtClean="0"/>
-              <a:t>31</a:t>
+              <a:t>32</a:t>
             </a:fld>
             <a:endParaRPr lang="en-US"/>
           </a:p>
@@ -28231,7 +28489,7 @@
 </p:sld>
 </file>
 
-<file path=ppt/slides/slide32.xml><?xml version="1.0" encoding="utf-8"?>
+<file path=ppt/slides/slide33.xml><?xml version="1.0" encoding="utf-8"?>
 <p:sld xmlns:a="http://schemas.openxmlformats.org/drawingml/2006/main" xmlns:r="http://schemas.openxmlformats.org/officeDocument/2006/relationships" xmlns:p="http://schemas.openxmlformats.org/presentationml/2006/main">
   <p:cSld>
     <p:spTree>
@@ -28320,7 +28578,7 @@
           <a:p>
             <a:fld id="{51845F5A-061D-4825-9AE9-D7794091C6CF}" type="slidenum">
               <a:rPr lang="en-US" smtClean="0"/>
-              <a:t>32</a:t>
+              <a:t>33</a:t>
             </a:fld>
             <a:endParaRPr lang="en-US"/>
           </a:p>
@@ -28388,21 +28646,8 @@
             </a:pPr>
             <a:r>
               <a:rPr lang="en-US" dirty="0"/>
-              <a:t>Route</a:t>
-            </a:r>
-            <a:r>
-              <a:rPr lang="he-IL" dirty="0"/>
-              <a:t> או </a:t>
-            </a:r>
-            <a:r>
-              <a:rPr lang="en-US" dirty="0"/>
-              <a:t>Endpoint</a:t>
-            </a:r>
-            <a:r>
-              <a:rPr lang="he-IL" dirty="0"/>
-              <a:t>?</a:t>
-            </a:r>
-            <a:endParaRPr lang="en-US" dirty="0"/>
+              <a:t>REST</a:t>
+            </a:r>
           </a:p>
         </p:txBody>
       </p:sp>
@@ -28425,113 +28670,179 @@
         <p:spPr/>
         <p:txBody>
           <a:bodyPr>
-            <a:normAutofit fontScale="92500"/>
+            <a:normAutofit lnSpcReduction="10000"/>
           </a:bodyPr>
           <a:lstStyle/>
           <a:p>
             <a:pPr algn="r" rtl="1"/>
             <a:r>
               <a:rPr lang="en-US" dirty="0"/>
-              <a:t>Route</a:t>
-            </a:r>
-            <a:r>
-              <a:rPr lang="he-IL" dirty="0"/>
-              <a:t> – כשנרצה לבקש עמוד מהרשת.</a:t>
-            </a:r>
+              <a:t>REST = Representational State Transfer</a:t>
+            </a:r>
+            <a:endParaRPr lang="he-IL" dirty="0"/>
           </a:p>
           <a:p>
             <a:pPr algn="r" rtl="1"/>
             <a:r>
               <a:rPr lang="he-IL" dirty="0"/>
-              <a:t>תצוגת העמוד תשתנה כתלות בפרמטרים שמעבירים לו:</a:t>
-            </a:r>
-          </a:p>
-          <a:p>
-            <a:pPr marL="0" indent="0" algn="l">
+              <a:t>ארכיטקטורה לביסוס שירותי </a:t>
+            </a:r>
+            <a:r>
+              <a:rPr lang="en-US" dirty="0"/>
+              <a:t>WEB</a:t>
+            </a:r>
+            <a:r>
+              <a:rPr lang="he-IL" dirty="0"/>
+              <a:t>.</a:t>
+            </a:r>
+          </a:p>
+          <a:p>
+            <a:pPr algn="r" rtl="1"/>
+            <a:r>
+              <a:rPr lang="he-IL" dirty="0"/>
+              <a:t>בקורס נאמץ מ-</a:t>
+            </a:r>
+            <a:r>
+              <a:rPr lang="en-US" dirty="0"/>
+              <a:t>REST</a:t>
+            </a:r>
+            <a:r>
+              <a:rPr lang="he-IL" dirty="0"/>
+              <a:t> את סגנון הכתיבה של </a:t>
+            </a:r>
+            <a:r>
+              <a:rPr lang="en-US" dirty="0"/>
+              <a:t>REST APIs</a:t>
+            </a:r>
+            <a:r>
+              <a:rPr lang="he-IL" dirty="0"/>
+              <a:t> לקבלת משאבים.</a:t>
+            </a:r>
+          </a:p>
+          <a:p>
+            <a:pPr lvl="1" algn="r" rtl="1"/>
+            <a:r>
+              <a:rPr lang="he-IL" dirty="0"/>
+              <a:t>נתיב מכונה גם </a:t>
+            </a:r>
+            <a:r>
+              <a:rPr lang="en-US" dirty="0"/>
+              <a:t>path</a:t>
+            </a:r>
+            <a:r>
+              <a:rPr lang="he-IL" dirty="0"/>
+              <a:t> או </a:t>
+            </a:r>
+            <a:r>
+              <a:rPr lang="en-US" dirty="0"/>
+              <a:t> route</a:t>
+            </a:r>
+            <a:r>
+              <a:rPr lang="he-IL" dirty="0"/>
+              <a:t>, בהקשר של </a:t>
+            </a:r>
+            <a:r>
+              <a:rPr lang="en-US" dirty="0"/>
+              <a:t>REST</a:t>
+            </a:r>
+            <a:r>
+              <a:rPr lang="he-IL" dirty="0"/>
+              <a:t> הוא נקרא </a:t>
+            </a:r>
+            <a:r>
+              <a:rPr lang="en-US" dirty="0"/>
+              <a:t>endpoints</a:t>
+            </a:r>
+            <a:r>
+              <a:rPr lang="he-IL" dirty="0"/>
+              <a:t>.</a:t>
+            </a:r>
+          </a:p>
+          <a:p>
+            <a:pPr algn="r" rtl="1"/>
+            <a:r>
+              <a:rPr lang="en-US" dirty="0"/>
+              <a:t>route</a:t>
+            </a:r>
+            <a:r>
+              <a:rPr lang="he-IL" dirty="0"/>
+              <a:t> הוא הטקסט ב-</a:t>
+            </a:r>
+            <a:r>
+              <a:rPr lang="en-US" dirty="0"/>
+              <a:t>URL</a:t>
+            </a:r>
+            <a:r>
+              <a:rPr lang="he-IL" dirty="0"/>
+              <a:t> שמגיע לאחר שם המתחם, דוגמאות:</a:t>
+            </a:r>
+          </a:p>
+          <a:p>
+            <a:pPr marL="0" indent="0" algn="r" rtl="1">
               <a:buNone/>
             </a:pPr>
             <a:r>
-              <a:rPr lang="en-US" dirty="0">
-                <a:hlinkClick r:id="rId3"/>
-              </a:rPr>
-              <a:t>http://www.mysite.com/catalog?id=3</a:t>
-            </a:r>
-            <a:endParaRPr lang="en-US" dirty="0"/>
-          </a:p>
-          <a:p>
-            <a:pPr marL="0" indent="0">
+              <a:rPr lang="en-US" dirty="0"/>
+              <a:t>https://</a:t>
+            </a:r>
+            <a:r>
+              <a:rPr lang="en-US" dirty="0" err="1"/>
+              <a:t>www.linkedin.com</a:t>
+            </a:r>
+            <a:r>
+              <a:rPr lang="en-US" dirty="0"/>
+              <a:t>/</a:t>
+            </a:r>
+            <a:r>
+              <a:rPr lang="en-US" b="1" dirty="0"/>
+              <a:t>company/</a:t>
+            </a:r>
+            <a:r>
+              <a:rPr lang="en-US" b="1" dirty="0" err="1"/>
+              <a:t>bloomberg</a:t>
+            </a:r>
+            <a:r>
+              <a:rPr lang="en-US" b="1" dirty="0"/>
+              <a:t>-news/</a:t>
+            </a:r>
+            <a:endParaRPr lang="he-IL" b="1" dirty="0"/>
+          </a:p>
+          <a:p>
+            <a:pPr algn="r" rtl="1"/>
+            <a:r>
+              <a:rPr lang="en-US" dirty="0"/>
+              <a:t>endpoint</a:t>
+            </a:r>
+            <a:r>
+              <a:rPr lang="he-IL" dirty="0"/>
+              <a:t> הוא הנתיב למשאב המבוקש לאחר שם המתחם, דוגמאות:</a:t>
+            </a:r>
+          </a:p>
+          <a:p>
+            <a:pPr marL="0" indent="0" algn="r" rtl="1">
               <a:buNone/>
             </a:pPr>
             <a:r>
-              <a:rPr lang="en-US" dirty="0">
-                <a:hlinkClick r:id="rId4"/>
-              </a:rPr>
-              <a:t>http://www.mysite.com/catalog?id=4&amp;color=green&amp;size=large</a:t>
-            </a:r>
-            <a:endParaRPr lang="en-US" dirty="0"/>
-          </a:p>
-          <a:p>
-            <a:pPr algn="r" rtl="1"/>
-            <a:r>
-              <a:rPr lang="en-US" dirty="0"/>
-              <a:t>Endpoint</a:t>
-            </a:r>
-            <a:r>
-              <a:rPr lang="he-IL" dirty="0"/>
-              <a:t> – כשנרצה לבקש נתונים מבסיס הנתונים דרך השרת.</a:t>
-            </a:r>
-          </a:p>
-          <a:p>
-            <a:pPr algn="r" rtl="1"/>
-            <a:r>
-              <a:rPr lang="he-IL" dirty="0"/>
-              <a:t>אופן כתיבת הבקשה מותנה בצורת הכתיבה</a:t>
-            </a:r>
-            <a:r>
-              <a:rPr lang="en-US" dirty="0"/>
-              <a:t> </a:t>
-            </a:r>
-            <a:r>
-              <a:rPr lang="he-IL" dirty="0"/>
-              <a:t> של ה-</a:t>
-            </a:r>
-            <a:r>
-              <a:rPr lang="en-US" dirty="0"/>
-              <a:t>Endpoint</a:t>
-            </a:r>
-            <a:r>
-              <a:rPr lang="he-IL" dirty="0"/>
-              <a:t>:</a:t>
-            </a:r>
-          </a:p>
-          <a:p>
-            <a:pPr marL="0" indent="0">
+              <a:rPr lang="en-US" dirty="0"/>
+              <a:t>https://</a:t>
+            </a:r>
+            <a:r>
+              <a:rPr lang="en-US" dirty="0" err="1"/>
+              <a:t>reqres.in</a:t>
+            </a:r>
+            <a:r>
+              <a:rPr lang="en-US" dirty="0"/>
+              <a:t>/</a:t>
+            </a:r>
+          </a:p>
+          <a:p>
+            <a:pPr marL="0" indent="0" algn="r" rtl="1">
               <a:buNone/>
             </a:pPr>
-            <a:r>
-              <a:rPr lang="en-US" dirty="0">
-                <a:hlinkClick r:id="rId5"/>
-              </a:rPr>
-              <a:t>http://www.mysite.com/api/v1/catalogs/3</a:t>
-            </a:r>
-            <a:endParaRPr lang="en-US" dirty="0"/>
-          </a:p>
-          <a:p>
-            <a:pPr marL="0" indent="0">
-              <a:buNone/>
-            </a:pPr>
-            <a:r>
-              <a:rPr lang="en-US" dirty="0">
-                <a:hlinkClick r:id="rId6"/>
-              </a:rPr>
-              <a:t>http://www.mysite.com/api/v1/catalogs/3/products</a:t>
-            </a:r>
-            <a:endParaRPr lang="en-US" dirty="0"/>
-          </a:p>
-          <a:p>
-            <a:pPr marL="0" indent="0" algn="l">
-              <a:buNone/>
-            </a:pPr>
+            <a:endParaRPr lang="he-IL" dirty="0"/>
+          </a:p>
+          <a:p>
+            <a:pPr lvl="1" algn="r" rtl="1"/>
             <a:endParaRPr lang="he-IL" dirty="0"/>
           </a:p>
           <a:p>
@@ -28581,7 +28892,7 @@
     </p:spTree>
     <p:extLst>
       <p:ext uri="{BB962C8B-B14F-4D97-AF65-F5344CB8AC3E}">
-        <p14:creationId xmlns:p14="http://schemas.microsoft.com/office/powerpoint/2010/main" val="3258039377"/>
+        <p14:creationId xmlns:p14="http://schemas.microsoft.com/office/powerpoint/2010/main" val="875092246"/>
       </p:ext>
     </p:extLst>
   </p:cSld>
@@ -28640,11 +28951,19 @@
             </a:pPr>
             <a:r>
               <a:rPr lang="en-US" dirty="0"/>
-              <a:t>Endpoints</a:t>
-            </a:r>
-            <a:r>
-              <a:rPr lang="he-IL" dirty="0"/>
-              <a:t> למשאבים</a:t>
+              <a:t>Route</a:t>
+            </a:r>
+            <a:r>
+              <a:rPr lang="he-IL" dirty="0"/>
+              <a:t> או </a:t>
+            </a:r>
+            <a:r>
+              <a:rPr lang="en-US" dirty="0"/>
+              <a:t>Endpoint</a:t>
+            </a:r>
+            <a:r>
+              <a:rPr lang="he-IL" dirty="0"/>
+              <a:t>?</a:t>
             </a:r>
             <a:endParaRPr lang="en-US" dirty="0"/>
           </a:p>
@@ -28669,130 +28988,113 @@
         <p:spPr/>
         <p:txBody>
           <a:bodyPr>
-            <a:normAutofit fontScale="92500" lnSpcReduction="10000"/>
+            <a:normAutofit fontScale="92500"/>
           </a:bodyPr>
           <a:lstStyle/>
           <a:p>
             <a:pPr algn="r" rtl="1"/>
             <a:r>
-              <a:rPr lang="he-IL" dirty="0"/>
-              <a:t>הנתיבים שנגדיר למשאבים ייכתבו בצורה</a:t>
-            </a:r>
-          </a:p>
-          <a:p>
-            <a:pPr marL="0" indent="0" algn="r" rtl="1">
-              <a:buNone/>
-            </a:pPr>
-            <a:r>
-              <a:rPr lang="he-IL" dirty="0"/>
-              <a:t> </a:t>
-            </a:r>
-            <a:r>
-              <a:rPr lang="en-US" dirty="0"/>
-              <a:t>/collection/item/sub-collection/sub-item</a:t>
-            </a:r>
-            <a:r>
-              <a:rPr lang="he-IL" dirty="0"/>
-              <a:t>:</a:t>
+              <a:rPr lang="en-US" dirty="0"/>
+              <a:t>Route</a:t>
+            </a:r>
+            <a:r>
+              <a:rPr lang="he-IL" dirty="0"/>
+              <a:t> – כשנרצה לבקש עמוד מהרשת.</a:t>
             </a:r>
           </a:p>
           <a:p>
             <a:pPr algn="r" rtl="1"/>
             <a:r>
               <a:rPr lang="he-IL" dirty="0"/>
-              <a:t>דוגמאות:</a:t>
-            </a:r>
-          </a:p>
-          <a:p>
-            <a:pPr algn="r" rtl="1"/>
-            <a:r>
-              <a:rPr lang="he-IL" dirty="0"/>
-              <a:t>עבור משאבים של הזמנות שאתר ומוצרים השייכים להם:</a:t>
-            </a:r>
-          </a:p>
-          <a:p>
-            <a:pPr lvl="1" algn="r" rtl="1"/>
-            <a:r>
-              <a:rPr lang="he-IL" dirty="0"/>
-              <a:t>כל ההזמנות: </a:t>
-            </a:r>
-            <a:r>
-              <a:rPr lang="en-US" dirty="0"/>
-              <a:t>/orders</a:t>
-            </a:r>
-            <a:r>
-              <a:rPr lang="he-IL" dirty="0"/>
-              <a:t> </a:t>
-            </a:r>
-          </a:p>
-          <a:p>
-            <a:pPr lvl="1" algn="r" rtl="1"/>
-            <a:r>
-              <a:rPr lang="he-IL" dirty="0"/>
-              <a:t>הזמנה מסוימת: </a:t>
-            </a:r>
-            <a:r>
-              <a:rPr lang="en-US" dirty="0"/>
-              <a:t>/orders/3</a:t>
-            </a:r>
-          </a:p>
-          <a:p>
-            <a:pPr lvl="1" algn="r" rtl="1"/>
-            <a:r>
-              <a:rPr lang="he-IL" dirty="0"/>
-              <a:t>כל המוצרים השייכים להזמנה מסוימת: </a:t>
-            </a:r>
-            <a:r>
-              <a:rPr lang="en-US" dirty="0"/>
-              <a:t>/orders/102/products</a:t>
-            </a:r>
-            <a:endParaRPr lang="he-IL" dirty="0"/>
-          </a:p>
-          <a:p>
-            <a:pPr lvl="1" algn="r" rtl="1"/>
-            <a:r>
-              <a:rPr lang="he-IL" dirty="0"/>
-              <a:t>מוצר מסוים השייך להזמנה מסוימת: </a:t>
-            </a:r>
-            <a:r>
-              <a:rPr lang="en-US" dirty="0"/>
-              <a:t>/orders/24/products/15</a:t>
-            </a:r>
-          </a:p>
-          <a:p>
-            <a:pPr lvl="1" algn="r" rtl="1"/>
-            <a:r>
-              <a:rPr lang="he-IL" dirty="0"/>
-              <a:t>דוגמא נוספת:</a:t>
-            </a:r>
-            <a:endParaRPr lang="en-US" dirty="0"/>
-          </a:p>
-          <a:p>
-            <a:pPr marL="457200" lvl="1" indent="0" algn="r" rtl="1">
+              <a:t>תצוגת העמוד תשתנה כתלות בפרמטרים שמעבירים לו:</a:t>
+            </a:r>
+          </a:p>
+          <a:p>
+            <a:pPr marL="0" indent="0" algn="l">
               <a:buNone/>
             </a:pPr>
             <a:r>
               <a:rPr lang="en-US" dirty="0">
                 <a:hlinkClick r:id="rId3"/>
               </a:rPr>
-              <a:t>http://dummy.restapiexample.com/</a:t>
+              <a:t>http://www.mysite.com/catalog?id=3</a:t>
             </a:r>
             <a:endParaRPr lang="en-US" dirty="0"/>
           </a:p>
           <a:p>
-            <a:pPr marL="457200" lvl="1" indent="0" algn="r" rtl="1">
+            <a:pPr marL="0" indent="0">
               <a:buNone/>
             </a:pPr>
+            <a:r>
+              <a:rPr lang="en-US" dirty="0">
+                <a:hlinkClick r:id="rId4"/>
+              </a:rPr>
+              <a:t>http://www.mysite.com/catalog?id=4&amp;color=green&amp;size=large</a:t>
+            </a:r>
             <a:endParaRPr lang="en-US" dirty="0"/>
           </a:p>
           <a:p>
-            <a:pPr marL="0" indent="0" algn="r" rtl="1">
+            <a:pPr algn="r" rtl="1"/>
+            <a:r>
+              <a:rPr lang="en-US" dirty="0"/>
+              <a:t>Endpoint</a:t>
+            </a:r>
+            <a:r>
+              <a:rPr lang="he-IL" dirty="0"/>
+              <a:t> – כשנרצה לבקש נתונים מבסיס הנתונים דרך השרת.</a:t>
+            </a:r>
+          </a:p>
+          <a:p>
+            <a:pPr algn="r" rtl="1"/>
+            <a:r>
+              <a:rPr lang="he-IL" dirty="0"/>
+              <a:t>אופן כתיבת הבקשה מותנה בצורת הכתיבה</a:t>
+            </a:r>
+            <a:r>
+              <a:rPr lang="en-US" dirty="0"/>
+              <a:t> </a:t>
+            </a:r>
+            <a:r>
+              <a:rPr lang="he-IL" dirty="0"/>
+              <a:t> של ה-</a:t>
+            </a:r>
+            <a:r>
+              <a:rPr lang="en-US" dirty="0"/>
+              <a:t>Endpoint</a:t>
+            </a:r>
+            <a:r>
+              <a:rPr lang="he-IL" dirty="0"/>
+              <a:t>:</a:t>
+            </a:r>
+          </a:p>
+          <a:p>
+            <a:pPr marL="0" indent="0">
               <a:buNone/>
             </a:pPr>
-            <a:endParaRPr lang="he-IL" dirty="0"/>
-          </a:p>
-          <a:p>
-            <a:pPr lvl="1" algn="r" rtl="1"/>
+            <a:r>
+              <a:rPr lang="en-US" dirty="0">
+                <a:hlinkClick r:id="rId5"/>
+              </a:rPr>
+              <a:t>http://www.mysite.com/api/v1/catalogs/3</a:t>
+            </a:r>
+            <a:endParaRPr lang="en-US" dirty="0"/>
+          </a:p>
+          <a:p>
+            <a:pPr marL="0" indent="0">
+              <a:buNone/>
+            </a:pPr>
+            <a:r>
+              <a:rPr lang="en-US" dirty="0">
+                <a:hlinkClick r:id="rId6"/>
+              </a:rPr>
+              <a:t>http://www.mysite.com/api/v1/catalogs/3/products</a:t>
+            </a:r>
+            <a:endParaRPr lang="en-US" dirty="0"/>
+          </a:p>
+          <a:p>
+            <a:pPr marL="0" indent="0" algn="l">
+              <a:buNone/>
+            </a:pPr>
             <a:endParaRPr lang="he-IL" dirty="0"/>
           </a:p>
           <a:p>
@@ -28842,7 +29144,7 @@
     </p:spTree>
     <p:extLst>
       <p:ext uri="{BB962C8B-B14F-4D97-AF65-F5344CB8AC3E}">
-        <p14:creationId xmlns:p14="http://schemas.microsoft.com/office/powerpoint/2010/main" val="3826299292"/>
+        <p14:creationId xmlns:p14="http://schemas.microsoft.com/office/powerpoint/2010/main" val="3258039377"/>
       </p:ext>
     </p:extLst>
   </p:cSld>
@@ -28930,7 +29232,7 @@
         <p:spPr/>
         <p:txBody>
           <a:bodyPr>
-            <a:normAutofit fontScale="92500"/>
+            <a:normAutofit fontScale="92500" lnSpcReduction="10000"/>
           </a:bodyPr>
           <a:lstStyle/>
           <a:p>
@@ -28968,18 +29270,44 @@
             <a:pPr algn="r" rtl="1"/>
             <a:r>
               <a:rPr lang="he-IL" dirty="0"/>
-              <a:t>עבור משאבים של קטגוריות, תתי-קטגוריות ופריטים מתוכן:</a:t>
+              <a:t>עבור משאבים של הזמנות שאתר ומוצרים השייכים להם:</a:t>
             </a:r>
           </a:p>
           <a:p>
             <a:pPr lvl="1" algn="r" rtl="1"/>
             <a:r>
               <a:rPr lang="he-IL" dirty="0"/>
-              <a:t>כל הקטגוריות: </a:t>
-            </a:r>
-            <a:r>
-              <a:rPr lang="en-US" dirty="0"/>
-              <a:t>/categories</a:t>
+              <a:t>כל ההזמנות: </a:t>
+            </a:r>
+            <a:r>
+              <a:rPr lang="en-US" dirty="0"/>
+              <a:t>/orders</a:t>
+            </a:r>
+            <a:r>
+              <a:rPr lang="he-IL" dirty="0"/>
+              <a:t> </a:t>
+            </a:r>
+          </a:p>
+          <a:p>
+            <a:pPr lvl="1" algn="r" rtl="1"/>
+            <a:r>
+              <a:rPr lang="he-IL" dirty="0"/>
+              <a:t>הזמנה מסוימת: </a:t>
+            </a:r>
+            <a:r>
+              <a:rPr lang="en-US" dirty="0"/>
+              <a:t>/orders/3</a:t>
+            </a:r>
+          </a:p>
+          <a:p>
+            <a:pPr lvl="1" algn="r" rtl="1"/>
+            <a:r>
+              <a:rPr lang="he-IL" dirty="0"/>
+              <a:t>כל המוצרים השייכים להזמנה מסוימת: </a:t>
+            </a:r>
+            <a:r>
+              <a:rPr lang="en-US" dirty="0"/>
+              <a:t>/orders/102/products</a:t>
             </a:r>
             <a:endParaRPr lang="he-IL" dirty="0"/>
           </a:p>
@@ -28987,55 +29315,31 @@
             <a:pPr lvl="1" algn="r" rtl="1"/>
             <a:r>
               <a:rPr lang="he-IL" dirty="0"/>
-              <a:t>קטגוריה מסוימת: </a:t>
-            </a:r>
-            <a:r>
-              <a:rPr lang="en-US" dirty="0"/>
-              <a:t>/categories/watches</a:t>
-            </a:r>
-            <a:endParaRPr lang="he-IL" dirty="0"/>
+              <a:t>מוצר מסוים השייך להזמנה מסוימת: </a:t>
+            </a:r>
+            <a:r>
+              <a:rPr lang="en-US" dirty="0"/>
+              <a:t>/orders/24/products/15</a:t>
+            </a:r>
           </a:p>
           <a:p>
             <a:pPr lvl="1" algn="r" rtl="1"/>
             <a:r>
               <a:rPr lang="he-IL" dirty="0"/>
-              <a:t>כל הפריטים השייכים לקטגוריה מסוימת: </a:t>
-            </a:r>
-            <a:r>
-              <a:rPr lang="en-US" dirty="0"/>
-              <a:t>/categories/watches/</a:t>
-            </a:r>
-            <a:r>
-              <a:rPr lang="en-US" dirty="0" err="1"/>
-              <a:t>handwatches</a:t>
+              <a:t>דוגמא נוספת:</a:t>
             </a:r>
             <a:endParaRPr lang="en-US" dirty="0"/>
           </a:p>
           <a:p>
-            <a:pPr lvl="1" algn="r" rtl="1"/>
-            <a:r>
-              <a:rPr lang="he-IL" dirty="0"/>
-              <a:t>פריט עם מק״ט מסוים מתוך קטגוריה מסוימת: </a:t>
-            </a:r>
-            <a:r>
-              <a:rPr lang="en-US" dirty="0"/>
-              <a:t>/categories/watches/</a:t>
-            </a:r>
-            <a:r>
-              <a:rPr lang="en-US" dirty="0" err="1"/>
-              <a:t>handwatches</a:t>
-            </a:r>
-            <a:r>
-              <a:rPr lang="en-US" dirty="0"/>
-              <a:t>/123.1234</a:t>
-            </a:r>
-          </a:p>
-          <a:p>
-            <a:pPr lvl="1" algn="r" rtl="1"/>
-            <a:endParaRPr lang="he-IL" dirty="0"/>
-          </a:p>
-          <a:p>
-            <a:pPr lvl="1" algn="r" rtl="1"/>
+            <a:pPr marL="457200" lvl="1" indent="0" algn="r" rtl="1">
+              <a:buNone/>
+            </a:pPr>
+            <a:r>
+              <a:rPr lang="en-US" dirty="0">
+                <a:hlinkClick r:id="rId3"/>
+              </a:rPr>
+              <a:t>http://dummy.restapiexample.com/</a:t>
+            </a:r>
             <a:endParaRPr lang="en-US" dirty="0"/>
           </a:p>
           <a:p>
@@ -29101,7 +29405,7 @@
     </p:spTree>
     <p:extLst>
       <p:ext uri="{BB962C8B-B14F-4D97-AF65-F5344CB8AC3E}">
-        <p14:creationId xmlns:p14="http://schemas.microsoft.com/office/powerpoint/2010/main" val="2906211817"/>
+        <p14:creationId xmlns:p14="http://schemas.microsoft.com/office/powerpoint/2010/main" val="3826299292"/>
       </p:ext>
     </p:extLst>
   </p:cSld>
@@ -29189,7 +29493,7 @@
         <p:spPr/>
         <p:txBody>
           <a:bodyPr>
-            <a:normAutofit/>
+            <a:normAutofit fontScale="92500"/>
           </a:bodyPr>
           <a:lstStyle/>
           <a:p>
@@ -29227,18 +29531,18 @@
             <a:pPr algn="r" rtl="1"/>
             <a:r>
               <a:rPr lang="he-IL" dirty="0"/>
-              <a:t>עבור משאבים של מקומות בילוי שונים:</a:t>
+              <a:t>עבור משאבים של קטגוריות, תתי-קטגוריות ופריטים מתוכן:</a:t>
             </a:r>
           </a:p>
           <a:p>
             <a:pPr lvl="1" algn="r" rtl="1"/>
             <a:r>
               <a:rPr lang="he-IL" dirty="0"/>
-              <a:t>כל מקומות הבילוי: </a:t>
-            </a:r>
-            <a:r>
-              <a:rPr lang="en-US" dirty="0"/>
-              <a:t>/hangouts</a:t>
+              <a:t>כל הקטגוריות: </a:t>
+            </a:r>
+            <a:r>
+              <a:rPr lang="en-US" dirty="0"/>
+              <a:t>/categories</a:t>
             </a:r>
             <a:endParaRPr lang="he-IL" dirty="0"/>
           </a:p>
@@ -29246,11 +29550,11 @@
             <a:pPr lvl="1" algn="r" rtl="1"/>
             <a:r>
               <a:rPr lang="he-IL" dirty="0"/>
-              <a:t>מסעדות: </a:t>
-            </a:r>
-            <a:r>
-              <a:rPr lang="en-US" dirty="0"/>
-              <a:t>/hangouts/restaurants</a:t>
+              <a:t>קטגוריה מסוימת: </a:t>
+            </a:r>
+            <a:r>
+              <a:rPr lang="en-US" dirty="0"/>
+              <a:t>/categories/watches</a:t>
             </a:r>
             <a:endParaRPr lang="he-IL" dirty="0"/>
           </a:p>
@@ -29258,23 +29562,35 @@
             <a:pPr lvl="1" algn="r" rtl="1"/>
             <a:r>
               <a:rPr lang="he-IL" dirty="0"/>
-              <a:t>ברים: </a:t>
-            </a:r>
-            <a:r>
-              <a:rPr lang="en-US" dirty="0"/>
-              <a:t>/hangouts/bars</a:t>
-            </a:r>
-            <a:endParaRPr lang="he-IL" dirty="0"/>
+              <a:t>כל הפריטים השייכים לקטגוריה מסוימת: </a:t>
+            </a:r>
+            <a:r>
+              <a:rPr lang="en-US" dirty="0"/>
+              <a:t>/categories/watches/</a:t>
+            </a:r>
+            <a:r>
+              <a:rPr lang="en-US" dirty="0" err="1"/>
+              <a:t>handwatches</a:t>
+            </a:r>
+            <a:endParaRPr lang="en-US" dirty="0"/>
           </a:p>
           <a:p>
             <a:pPr lvl="1" algn="r" rtl="1"/>
             <a:r>
               <a:rPr lang="he-IL" dirty="0"/>
-              <a:t>בר מסוים: </a:t>
-            </a:r>
-            <a:r>
-              <a:rPr lang="en-US" dirty="0"/>
-              <a:t>/hangouts/bars/752</a:t>
+              <a:t>פריט עם מק״ט מסוים מתוך קטגוריה מסוימת: </a:t>
+            </a:r>
+            <a:r>
+              <a:rPr lang="en-US" dirty="0"/>
+              <a:t>/categories/watches/</a:t>
+            </a:r>
+            <a:r>
+              <a:rPr lang="en-US" dirty="0" err="1"/>
+              <a:t>handwatches</a:t>
+            </a:r>
+            <a:r>
+              <a:rPr lang="en-US" dirty="0"/>
+              <a:t>/123.1234</a:t>
             </a:r>
           </a:p>
           <a:p>
@@ -29348,7 +29664,7 @@
     </p:spTree>
     <p:extLst>
       <p:ext uri="{BB962C8B-B14F-4D97-AF65-F5344CB8AC3E}">
-        <p14:creationId xmlns:p14="http://schemas.microsoft.com/office/powerpoint/2010/main" val="3788477621"/>
+        <p14:creationId xmlns:p14="http://schemas.microsoft.com/office/powerpoint/2010/main" val="2906211817"/>
       </p:ext>
     </p:extLst>
   </p:cSld>
@@ -29411,7 +29727,7 @@
             </a:r>
             <a:r>
               <a:rPr lang="he-IL" dirty="0"/>
-              <a:t> למשאבים עם שיטות של בקשות</a:t>
+              <a:t> למשאבים</a:t>
             </a:r>
             <a:endParaRPr lang="en-US" dirty="0"/>
           </a:p>
@@ -29443,93 +29759,86 @@
             <a:pPr algn="r" rtl="1"/>
             <a:r>
               <a:rPr lang="he-IL" dirty="0"/>
-              <a:t>כמפתחים יש בידינו את האפשרות לבקש משאב מסוים עם שיטות שונות.</a:t>
+              <a:t>הנתיבים שנגדיר למשאבים ייכתבו בצורה</a:t>
+            </a:r>
+          </a:p>
+          <a:p>
+            <a:pPr marL="0" indent="0" algn="r" rtl="1">
+              <a:buNone/>
+            </a:pPr>
+            <a:r>
+              <a:rPr lang="he-IL" dirty="0"/>
+              <a:t> </a:t>
+            </a:r>
+            <a:r>
+              <a:rPr lang="en-US" dirty="0"/>
+              <a:t>/collection/item/sub-collection/sub-item</a:t>
+            </a:r>
+            <a:r>
+              <a:rPr lang="he-IL" dirty="0"/>
+              <a:t>:</a:t>
+            </a:r>
+          </a:p>
+          <a:p>
+            <a:pPr algn="r" rtl="1"/>
+            <a:r>
+              <a:rPr lang="he-IL" dirty="0"/>
+              <a:t>דוגמאות:</a:t>
+            </a:r>
+          </a:p>
+          <a:p>
+            <a:pPr algn="r" rtl="1"/>
+            <a:r>
+              <a:rPr lang="he-IL" dirty="0"/>
+              <a:t>עבור משאבים של מקומות בילוי שונים:</a:t>
             </a:r>
           </a:p>
           <a:p>
             <a:pPr lvl="1" algn="r" rtl="1"/>
             <a:r>
               <a:rPr lang="he-IL" dirty="0"/>
-              <a:t>נוכל לבקש את המשאב בשיטות </a:t>
-            </a:r>
-            <a:r>
-              <a:rPr lang="en-US" dirty="0"/>
-              <a:t>GET, POST, PUT, DELETE</a:t>
-            </a:r>
-            <a:r>
-              <a:rPr lang="he-IL" dirty="0"/>
-              <a:t>.</a:t>
-            </a:r>
+              <a:t>כל מקומות הבילוי: </a:t>
+            </a:r>
+            <a:r>
+              <a:rPr lang="en-US" dirty="0"/>
+              <a:t>/hangouts</a:t>
+            </a:r>
+            <a:endParaRPr lang="he-IL" dirty="0"/>
           </a:p>
           <a:p>
             <a:pPr lvl="1" algn="r" rtl="1"/>
             <a:r>
               <a:rPr lang="he-IL" dirty="0"/>
-              <a:t>עבור שיטות </a:t>
-            </a:r>
-            <a:r>
-              <a:rPr lang="en-US" dirty="0"/>
-              <a:t>POST</a:t>
-            </a:r>
-            <a:r>
-              <a:rPr lang="he-IL" dirty="0"/>
-              <a:t> ו-</a:t>
-            </a:r>
-            <a:r>
-              <a:rPr lang="en-US" dirty="0"/>
-              <a:t>PUT</a:t>
-            </a:r>
-            <a:r>
-              <a:rPr lang="he-IL" dirty="0"/>
-              <a:t> יש להעביר מידע נוסף!</a:t>
-            </a:r>
-          </a:p>
-          <a:p>
-            <a:pPr algn="r" rtl="1"/>
-            <a:r>
-              <a:rPr lang="he-IL" dirty="0"/>
-              <a:t>ב-</a:t>
-            </a:r>
-            <a:r>
-              <a:rPr lang="en-US" dirty="0"/>
-              <a:t>REST APIs</a:t>
-            </a:r>
-            <a:r>
-              <a:rPr lang="he-IL" dirty="0"/>
-              <a:t> משתמשים ביכולת הזו כדי להקצות תפקידים שונים עבור אותו ה-</a:t>
-            </a:r>
-            <a:r>
-              <a:rPr lang="en-US" dirty="0"/>
-              <a:t>endpoint</a:t>
-            </a:r>
-            <a:r>
-              <a:rPr lang="he-IL" dirty="0"/>
-              <a:t> בהתאם לשיטה של הבקשה שנשלחה עבורו.</a:t>
-            </a:r>
+              <a:t>מסעדות: </a:t>
+            </a:r>
+            <a:r>
+              <a:rPr lang="en-US" dirty="0"/>
+              <a:t>/hangouts/restaurants</a:t>
+            </a:r>
+            <a:endParaRPr lang="he-IL" dirty="0"/>
           </a:p>
           <a:p>
             <a:pPr lvl="1" algn="r" rtl="1"/>
             <a:r>
               <a:rPr lang="he-IL" dirty="0"/>
-              <a:t>דוגמא: בקשת ה-</a:t>
-            </a:r>
-            <a:r>
-              <a:rPr lang="en-US" dirty="0"/>
-              <a:t>route</a:t>
-            </a:r>
-            <a:r>
-              <a:rPr lang="he-IL" dirty="0"/>
-              <a:t> </a:t>
-            </a:r>
-            <a:r>
-              <a:rPr lang="en-US" u="sng" dirty="0"/>
-              <a:t>/orders/105</a:t>
-            </a:r>
-            <a:r>
-              <a:rPr lang="he-IL" dirty="0"/>
-              <a:t>, כלומר ההזמנה שמזהה שלה הוא 105 בכל אחד מהבקשות</a:t>
-            </a:r>
-            <a:endParaRPr lang="en-US" dirty="0"/>
+              <a:t>ברים: </a:t>
+            </a:r>
+            <a:r>
+              <a:rPr lang="en-US" dirty="0"/>
+              <a:t>/hangouts/bars</a:t>
+            </a:r>
+            <a:endParaRPr lang="he-IL" dirty="0"/>
+          </a:p>
+          <a:p>
+            <a:pPr lvl="1" algn="r" rtl="1"/>
+            <a:r>
+              <a:rPr lang="he-IL" dirty="0"/>
+              <a:t>בר מסוים: </a:t>
+            </a:r>
+            <a:r>
+              <a:rPr lang="en-US" dirty="0"/>
+              <a:t>/hangouts/bars/752</a:t>
+            </a:r>
           </a:p>
           <a:p>
             <a:pPr lvl="1" algn="r" rtl="1"/>
@@ -29594,6 +29903,260 @@
             <a:fld id="{51845F5A-061D-4825-9AE9-D7794091C6CF}" type="slidenum">
               <a:rPr lang="en-US" smtClean="0"/>
               <a:t>8</a:t>
+            </a:fld>
+            <a:endParaRPr lang="en-US" dirty="0"/>
+          </a:p>
+        </p:txBody>
+      </p:sp>
+    </p:spTree>
+    <p:extLst>
+      <p:ext uri="{BB962C8B-B14F-4D97-AF65-F5344CB8AC3E}">
+        <p14:creationId xmlns:p14="http://schemas.microsoft.com/office/powerpoint/2010/main" val="3788477621"/>
+      </p:ext>
+    </p:extLst>
+  </p:cSld>
+  <p:clrMapOvr>
+    <a:masterClrMapping/>
+  </p:clrMapOvr>
+</p:sld>
+</file>
+
+<file path=ppt/slides/slide9.xml><?xml version="1.0" encoding="utf-8"?>
+<p:sld xmlns:a="http://schemas.openxmlformats.org/drawingml/2006/main" xmlns:r="http://schemas.openxmlformats.org/officeDocument/2006/relationships" xmlns:p="http://schemas.openxmlformats.org/presentationml/2006/main">
+  <p:cSld>
+    <p:spTree>
+      <p:nvGrpSpPr>
+        <p:cNvPr id="1" name=""/>
+        <p:cNvGrpSpPr/>
+        <p:nvPr/>
+      </p:nvGrpSpPr>
+      <p:grpSpPr>
+        <a:xfrm>
+          <a:off x="0" y="0"/>
+          <a:ext cx="0" cy="0"/>
+          <a:chOff x="0" y="0"/>
+          <a:chExt cx="0" cy="0"/>
+        </a:xfrm>
+      </p:grpSpPr>
+      <p:sp>
+        <p:nvSpPr>
+          <p:cNvPr id="2" name="Title 1">
+            <a:extLst>
+              <a:ext uri="{FF2B5EF4-FFF2-40B4-BE49-F238E27FC236}">
+                <a16:creationId xmlns:a16="http://schemas.microsoft.com/office/drawing/2014/main" id="{AE3A889D-4420-B047-B437-D29E3AEB39BE}"/>
+              </a:ext>
+            </a:extLst>
+          </p:cNvPr>
+          <p:cNvSpPr>
+            <a:spLocks noGrp="1"/>
+          </p:cNvSpPr>
+          <p:nvPr>
+            <p:ph type="title"/>
+          </p:nvPr>
+        </p:nvSpPr>
+        <p:spPr/>
+        <p:txBody>
+          <a:bodyPr/>
+          <a:lstStyle/>
+          <a:p>
+            <a:pPr algn="r" defTabSz="914400" rtl="1" eaLnBrk="1" latinLnBrk="0" hangingPunct="1">
+              <a:lnSpc>
+                <a:spcPct val="90000"/>
+              </a:lnSpc>
+              <a:spcBef>
+                <a:spcPct val="0"/>
+              </a:spcBef>
+              <a:buNone/>
+            </a:pPr>
+            <a:r>
+              <a:rPr lang="en-US" dirty="0"/>
+              <a:t>Endpoints</a:t>
+            </a:r>
+            <a:r>
+              <a:rPr lang="he-IL" dirty="0"/>
+              <a:t> למשאבים עם שיטות של בקשות</a:t>
+            </a:r>
+            <a:endParaRPr lang="en-US" dirty="0"/>
+          </a:p>
+        </p:txBody>
+      </p:sp>
+      <p:sp>
+        <p:nvSpPr>
+          <p:cNvPr id="3" name="Content Placeholder 2">
+            <a:extLst>
+              <a:ext uri="{FF2B5EF4-FFF2-40B4-BE49-F238E27FC236}">
+                <a16:creationId xmlns:a16="http://schemas.microsoft.com/office/drawing/2014/main" id="{A93F2158-A4E1-C948-8082-13DB094A3A8C}"/>
+              </a:ext>
+            </a:extLst>
+          </p:cNvPr>
+          <p:cNvSpPr>
+            <a:spLocks noGrp="1"/>
+          </p:cNvSpPr>
+          <p:nvPr>
+            <p:ph idx="1"/>
+          </p:nvPr>
+        </p:nvSpPr>
+        <p:spPr/>
+        <p:txBody>
+          <a:bodyPr>
+            <a:normAutofit/>
+          </a:bodyPr>
+          <a:lstStyle/>
+          <a:p>
+            <a:pPr algn="r" rtl="1"/>
+            <a:r>
+              <a:rPr lang="he-IL" dirty="0"/>
+              <a:t>כמפתחים יש בידינו את האפשרות לבקש משאב מסוים עם שיטות שונות.</a:t>
+            </a:r>
+          </a:p>
+          <a:p>
+            <a:pPr lvl="1" algn="r" rtl="1"/>
+            <a:r>
+              <a:rPr lang="he-IL" dirty="0"/>
+              <a:t>נוכל לבקש את המשאב בשיטות </a:t>
+            </a:r>
+            <a:r>
+              <a:rPr lang="en-US" dirty="0"/>
+              <a:t>GET, POST, PUT, DELETE</a:t>
+            </a:r>
+            <a:r>
+              <a:rPr lang="he-IL" dirty="0"/>
+              <a:t>.</a:t>
+            </a:r>
+          </a:p>
+          <a:p>
+            <a:pPr lvl="1" algn="r" rtl="1"/>
+            <a:r>
+              <a:rPr lang="he-IL" dirty="0"/>
+              <a:t>עבור שיטות </a:t>
+            </a:r>
+            <a:r>
+              <a:rPr lang="en-US" dirty="0"/>
+              <a:t>POST</a:t>
+            </a:r>
+            <a:r>
+              <a:rPr lang="he-IL" dirty="0"/>
+              <a:t> ו-</a:t>
+            </a:r>
+            <a:r>
+              <a:rPr lang="en-US" dirty="0"/>
+              <a:t>PUT</a:t>
+            </a:r>
+            <a:r>
+              <a:rPr lang="he-IL" dirty="0"/>
+              <a:t> יש להעביר מידע נוסף!</a:t>
+            </a:r>
+          </a:p>
+          <a:p>
+            <a:pPr algn="r" rtl="1"/>
+            <a:r>
+              <a:rPr lang="he-IL" dirty="0"/>
+              <a:t>ב-</a:t>
+            </a:r>
+            <a:r>
+              <a:rPr lang="en-US" dirty="0"/>
+              <a:t>REST APIs</a:t>
+            </a:r>
+            <a:r>
+              <a:rPr lang="he-IL" dirty="0"/>
+              <a:t> משתמשים ביכולת הזו כדי להקצות תפקידים שונים עבור אותו ה-</a:t>
+            </a:r>
+            <a:r>
+              <a:rPr lang="en-US" dirty="0"/>
+              <a:t>endpoint</a:t>
+            </a:r>
+            <a:r>
+              <a:rPr lang="he-IL" dirty="0"/>
+              <a:t> בהתאם לשיטה של הבקשה שנשלחה עבורו.</a:t>
+            </a:r>
+          </a:p>
+          <a:p>
+            <a:pPr lvl="1" algn="r" rtl="1"/>
+            <a:r>
+              <a:rPr lang="he-IL" dirty="0"/>
+              <a:t>דוגמא: בקשת ה-</a:t>
+            </a:r>
+            <a:r>
+              <a:rPr lang="en-US" dirty="0"/>
+              <a:t>route</a:t>
+            </a:r>
+            <a:r>
+              <a:rPr lang="he-IL" dirty="0"/>
+              <a:t> </a:t>
+            </a:r>
+            <a:r>
+              <a:rPr lang="en-US" u="sng" dirty="0"/>
+              <a:t>/orders/105</a:t>
+            </a:r>
+            <a:r>
+              <a:rPr lang="he-IL" dirty="0"/>
+              <a:t>, כלומר ההזמנה שמזהה שלה הוא 105 בכל אחד מהבקשות</a:t>
+            </a:r>
+            <a:endParaRPr lang="en-US" dirty="0"/>
+          </a:p>
+          <a:p>
+            <a:pPr lvl="1" algn="r" rtl="1"/>
+            <a:endParaRPr lang="he-IL" dirty="0"/>
+          </a:p>
+          <a:p>
+            <a:pPr lvl="1" algn="r" rtl="1"/>
+            <a:endParaRPr lang="en-US" dirty="0"/>
+          </a:p>
+          <a:p>
+            <a:pPr marL="457200" lvl="1" indent="0" algn="r" rtl="1">
+              <a:buNone/>
+            </a:pPr>
+            <a:endParaRPr lang="en-US" dirty="0"/>
+          </a:p>
+          <a:p>
+            <a:pPr marL="0" indent="0" algn="r" rtl="1">
+              <a:buNone/>
+            </a:pPr>
+            <a:endParaRPr lang="he-IL" dirty="0"/>
+          </a:p>
+          <a:p>
+            <a:pPr lvl="1" algn="r" rtl="1"/>
+            <a:endParaRPr lang="he-IL" dirty="0"/>
+          </a:p>
+          <a:p>
+            <a:pPr marL="228600" indent="-228600" algn="r" defTabSz="914400" rtl="1" eaLnBrk="1" latinLnBrk="0" hangingPunct="1">
+              <a:lnSpc>
+                <a:spcPct val="100000"/>
+              </a:lnSpc>
+              <a:spcBef>
+                <a:spcPts val="1000"/>
+              </a:spcBef>
+              <a:buFont typeface="Arial" panose="020B0604020202020204" pitchFamily="34" charset="0"/>
+              <a:buChar char="•"/>
+            </a:pPr>
+            <a:endParaRPr lang="he-IL" dirty="0"/>
+          </a:p>
+        </p:txBody>
+      </p:sp>
+      <p:sp>
+        <p:nvSpPr>
+          <p:cNvPr id="4" name="Slide Number Placeholder 3">
+            <a:extLst>
+              <a:ext uri="{FF2B5EF4-FFF2-40B4-BE49-F238E27FC236}">
+                <a16:creationId xmlns:a16="http://schemas.microsoft.com/office/drawing/2014/main" id="{4E1E6A99-AB10-064E-A83A-513117970655}"/>
+              </a:ext>
+            </a:extLst>
+          </p:cNvPr>
+          <p:cNvSpPr>
+            <a:spLocks noGrp="1"/>
+          </p:cNvSpPr>
+          <p:nvPr>
+            <p:ph type="sldNum" sz="quarter" idx="12"/>
+          </p:nvPr>
+        </p:nvSpPr>
+        <p:spPr/>
+        <p:txBody>
+          <a:bodyPr/>
+          <a:lstStyle/>
+          <a:p>
+            <a:fld id="{51845F5A-061D-4825-9AE9-D7794091C6CF}" type="slidenum">
+              <a:rPr lang="en-US" smtClean="0"/>
+              <a:t>9</a:t>
             </a:fld>
             <a:endParaRPr lang="en-US" dirty="0"/>
           </a:p>
@@ -29809,387 +30372,6 @@
     <p:extLst>
       <p:ext uri="{BB962C8B-B14F-4D97-AF65-F5344CB8AC3E}">
         <p14:creationId xmlns:p14="http://schemas.microsoft.com/office/powerpoint/2010/main" val="4164088665"/>
-      </p:ext>
-    </p:extLst>
-  </p:cSld>
-  <p:clrMapOvr>
-    <a:masterClrMapping/>
-  </p:clrMapOvr>
-</p:sld>
-</file>
-
-<file path=ppt/slides/slide9.xml><?xml version="1.0" encoding="utf-8"?>
-<p:sld xmlns:a="http://schemas.openxmlformats.org/drawingml/2006/main" xmlns:r="http://schemas.openxmlformats.org/officeDocument/2006/relationships" xmlns:p="http://schemas.openxmlformats.org/presentationml/2006/main">
-  <p:cSld>
-    <p:spTree>
-      <p:nvGrpSpPr>
-        <p:cNvPr id="1" name=""/>
-        <p:cNvGrpSpPr/>
-        <p:nvPr/>
-      </p:nvGrpSpPr>
-      <p:grpSpPr>
-        <a:xfrm>
-          <a:off x="0" y="0"/>
-          <a:ext cx="0" cy="0"/>
-          <a:chOff x="0" y="0"/>
-          <a:chExt cx="0" cy="0"/>
-        </a:xfrm>
-      </p:grpSpPr>
-      <p:sp>
-        <p:nvSpPr>
-          <p:cNvPr id="2" name="Title 1">
-            <a:extLst>
-              <a:ext uri="{FF2B5EF4-FFF2-40B4-BE49-F238E27FC236}">
-                <a16:creationId xmlns:a16="http://schemas.microsoft.com/office/drawing/2014/main" id="{AE3A889D-4420-B047-B437-D29E3AEB39BE}"/>
-              </a:ext>
-            </a:extLst>
-          </p:cNvPr>
-          <p:cNvSpPr>
-            <a:spLocks noGrp="1"/>
-          </p:cNvSpPr>
-          <p:nvPr>
-            <p:ph type="title"/>
-          </p:nvPr>
-        </p:nvSpPr>
-        <p:spPr/>
-        <p:txBody>
-          <a:bodyPr/>
-          <a:lstStyle/>
-          <a:p>
-            <a:pPr algn="r" defTabSz="914400" rtl="1" eaLnBrk="1" latinLnBrk="0" hangingPunct="1">
-              <a:lnSpc>
-                <a:spcPct val="90000"/>
-              </a:lnSpc>
-              <a:spcBef>
-                <a:spcPct val="0"/>
-              </a:spcBef>
-              <a:buNone/>
-            </a:pPr>
-            <a:r>
-              <a:rPr lang="en-US" dirty="0"/>
-              <a:t>Endpoints</a:t>
-            </a:r>
-            <a:r>
-              <a:rPr lang="he-IL" dirty="0"/>
-              <a:t> למשאבים עם שיטות של בקשות</a:t>
-            </a:r>
-            <a:endParaRPr lang="en-US" dirty="0"/>
-          </a:p>
-        </p:txBody>
-      </p:sp>
-      <p:sp>
-        <p:nvSpPr>
-          <p:cNvPr id="3" name="Content Placeholder 2">
-            <a:extLst>
-              <a:ext uri="{FF2B5EF4-FFF2-40B4-BE49-F238E27FC236}">
-                <a16:creationId xmlns:a16="http://schemas.microsoft.com/office/drawing/2014/main" id="{A93F2158-A4E1-C948-8082-13DB094A3A8C}"/>
-              </a:ext>
-            </a:extLst>
-          </p:cNvPr>
-          <p:cNvSpPr>
-            <a:spLocks noGrp="1"/>
-          </p:cNvSpPr>
-          <p:nvPr>
-            <p:ph idx="1"/>
-          </p:nvPr>
-        </p:nvSpPr>
-        <p:spPr/>
-        <p:txBody>
-          <a:bodyPr>
-            <a:normAutofit/>
-          </a:bodyPr>
-          <a:lstStyle/>
-          <a:p>
-            <a:pPr algn="r" rtl="1"/>
-            <a:r>
-              <a:rPr lang="he-IL" dirty="0"/>
-              <a:t>תרגילים – מה משמעות השיטות בכל אחד מה-</a:t>
-            </a:r>
-            <a:r>
-              <a:rPr lang="en-US" dirty="0"/>
-              <a:t>endpoints</a:t>
-            </a:r>
-            <a:r>
-              <a:rPr lang="he-IL" dirty="0"/>
-              <a:t>?</a:t>
-            </a:r>
-          </a:p>
-          <a:p>
-            <a:pPr marL="0" indent="0" algn="r" rtl="1">
-              <a:buNone/>
-            </a:pPr>
-            <a:r>
-              <a:rPr lang="en-US" dirty="0"/>
-              <a:t>/orders</a:t>
-            </a:r>
-          </a:p>
-          <a:p>
-            <a:pPr lvl="1" algn="r" rtl="1"/>
-            <a:endParaRPr lang="he-IL" dirty="0"/>
-          </a:p>
-          <a:p>
-            <a:pPr lvl="1" algn="r" rtl="1"/>
-            <a:endParaRPr lang="en-US" dirty="0"/>
-          </a:p>
-          <a:p>
-            <a:pPr marL="457200" lvl="1" indent="0" algn="r" rtl="1">
-              <a:buNone/>
-            </a:pPr>
-            <a:endParaRPr lang="en-US" dirty="0"/>
-          </a:p>
-          <a:p>
-            <a:pPr marL="0" indent="0" algn="r" rtl="1">
-              <a:buNone/>
-            </a:pPr>
-            <a:endParaRPr lang="he-IL" dirty="0"/>
-          </a:p>
-          <a:p>
-            <a:pPr lvl="1" algn="r" rtl="1"/>
-            <a:endParaRPr lang="he-IL" dirty="0"/>
-          </a:p>
-          <a:p>
-            <a:pPr marL="228600" indent="-228600" algn="r" defTabSz="914400" rtl="1" eaLnBrk="1" latinLnBrk="0" hangingPunct="1">
-              <a:lnSpc>
-                <a:spcPct val="100000"/>
-              </a:lnSpc>
-              <a:spcBef>
-                <a:spcPts val="1000"/>
-              </a:spcBef>
-              <a:buFont typeface="Arial" panose="020B0604020202020204" pitchFamily="34" charset="0"/>
-              <a:buChar char="•"/>
-            </a:pPr>
-            <a:endParaRPr lang="he-IL" dirty="0"/>
-          </a:p>
-        </p:txBody>
-      </p:sp>
-      <p:sp>
-        <p:nvSpPr>
-          <p:cNvPr id="4" name="Slide Number Placeholder 3">
-            <a:extLst>
-              <a:ext uri="{FF2B5EF4-FFF2-40B4-BE49-F238E27FC236}">
-                <a16:creationId xmlns:a16="http://schemas.microsoft.com/office/drawing/2014/main" id="{4E1E6A99-AB10-064E-A83A-513117970655}"/>
-              </a:ext>
-            </a:extLst>
-          </p:cNvPr>
-          <p:cNvSpPr>
-            <a:spLocks noGrp="1"/>
-          </p:cNvSpPr>
-          <p:nvPr>
-            <p:ph type="sldNum" sz="quarter" idx="12"/>
-          </p:nvPr>
-        </p:nvSpPr>
-        <p:spPr/>
-        <p:txBody>
-          <a:bodyPr/>
-          <a:lstStyle/>
-          <a:p>
-            <a:fld id="{51845F5A-061D-4825-9AE9-D7794091C6CF}" type="slidenum">
-              <a:rPr lang="en-US" smtClean="0"/>
-              <a:t>9</a:t>
-            </a:fld>
-            <a:endParaRPr lang="en-US" dirty="0"/>
-          </a:p>
-        </p:txBody>
-      </p:sp>
-      <p:graphicFrame>
-        <p:nvGraphicFramePr>
-          <p:cNvPr id="5" name="Table 4">
-            <a:extLst>
-              <a:ext uri="{FF2B5EF4-FFF2-40B4-BE49-F238E27FC236}">
-                <a16:creationId xmlns:a16="http://schemas.microsoft.com/office/drawing/2014/main" id="{309303B8-AA9C-A744-92FE-D1506C18AD9C}"/>
-              </a:ext>
-            </a:extLst>
-          </p:cNvPr>
-          <p:cNvGraphicFramePr>
-            <a:graphicFrameLocks noGrp="1"/>
-          </p:cNvGraphicFramePr>
-          <p:nvPr>
-            <p:extLst>
-              <p:ext uri="{D42A27DB-BD31-4B8C-83A1-F6EECF244321}">
-                <p14:modId xmlns:p14="http://schemas.microsoft.com/office/powerpoint/2010/main" val="3020713643"/>
-              </p:ext>
-            </p:extLst>
-          </p:nvPr>
-        </p:nvGraphicFramePr>
-        <p:xfrm>
-          <a:off x="1706880" y="3081020"/>
-          <a:ext cx="9646920" cy="741680"/>
-        </p:xfrm>
-        <a:graphic>
-          <a:graphicData uri="http://schemas.openxmlformats.org/drawingml/2006/table">
-            <a:tbl>
-              <a:tblPr firstRow="1" bandRow="1">
-                <a:tableStyleId>{5C22544A-7EE6-4342-B048-85BDC9FD1C3A}</a:tableStyleId>
-              </a:tblPr>
-              <a:tblGrid>
-                <a:gridCol w="2411730">
-                  <a:extLst>
-                    <a:ext uri="{9D8B030D-6E8A-4147-A177-3AD203B41FA5}">
-                      <a16:colId xmlns:a16="http://schemas.microsoft.com/office/drawing/2014/main" val="3117139944"/>
-                    </a:ext>
-                  </a:extLst>
-                </a:gridCol>
-                <a:gridCol w="2411730">
-                  <a:extLst>
-                    <a:ext uri="{9D8B030D-6E8A-4147-A177-3AD203B41FA5}">
-                      <a16:colId xmlns:a16="http://schemas.microsoft.com/office/drawing/2014/main" val="2947227225"/>
-                    </a:ext>
-                  </a:extLst>
-                </a:gridCol>
-                <a:gridCol w="2411730">
-                  <a:extLst>
-                    <a:ext uri="{9D8B030D-6E8A-4147-A177-3AD203B41FA5}">
-                      <a16:colId xmlns:a16="http://schemas.microsoft.com/office/drawing/2014/main" val="1041932165"/>
-                    </a:ext>
-                  </a:extLst>
-                </a:gridCol>
-                <a:gridCol w="2411730">
-                  <a:extLst>
-                    <a:ext uri="{9D8B030D-6E8A-4147-A177-3AD203B41FA5}">
-                      <a16:colId xmlns:a16="http://schemas.microsoft.com/office/drawing/2014/main" val="2349722467"/>
-                    </a:ext>
-                  </a:extLst>
-                </a:gridCol>
-              </a:tblGrid>
-              <a:tr h="370840">
-                <a:tc>
-                  <a:txBody>
-                    <a:bodyPr/>
-                    <a:lstStyle/>
-                    <a:p>
-                      <a:pPr marL="0" algn="l" defTabSz="914400" rtl="0" eaLnBrk="1" latinLnBrk="0" hangingPunct="1"/>
-                      <a:r>
-                        <a:rPr lang="en-US" dirty="0"/>
-                        <a:t>GET</a:t>
-                      </a:r>
-                    </a:p>
-                  </a:txBody>
-                  <a:tcPr/>
-                </a:tc>
-                <a:tc>
-                  <a:txBody>
-                    <a:bodyPr/>
-                    <a:lstStyle/>
-                    <a:p>
-                      <a:pPr rtl="0"/>
-                      <a:r>
-                        <a:rPr lang="en-US"/>
-                        <a:t>POST (extra data)</a:t>
-                      </a:r>
-                      <a:endParaRPr lang="en-US" dirty="0"/>
-                    </a:p>
-                  </a:txBody>
-                  <a:tcPr/>
-                </a:tc>
-                <a:tc>
-                  <a:txBody>
-                    <a:bodyPr/>
-                    <a:lstStyle/>
-                    <a:p>
-                      <a:pPr marL="0" marR="0" lvl="0" indent="0" algn="l" defTabSz="914400" rtl="0" eaLnBrk="1" fontAlgn="auto" latinLnBrk="0" hangingPunct="1">
-                        <a:lnSpc>
-                          <a:spcPct val="100000"/>
-                        </a:lnSpc>
-                        <a:spcBef>
-                          <a:spcPts val="0"/>
-                        </a:spcBef>
-                        <a:spcAft>
-                          <a:spcPts val="0"/>
-                        </a:spcAft>
-                        <a:buClrTx/>
-                        <a:buSzTx/>
-                        <a:buFontTx/>
-                        <a:buNone/>
-                        <a:tabLst/>
-                        <a:defRPr/>
-                      </a:pPr>
-                      <a:r>
-                        <a:rPr lang="en-US" dirty="0"/>
-                        <a:t>PUT (extra data)</a:t>
-                      </a:r>
-                    </a:p>
-                  </a:txBody>
-                  <a:tcPr/>
-                </a:tc>
-                <a:tc>
-                  <a:txBody>
-                    <a:bodyPr/>
-                    <a:lstStyle/>
-                    <a:p>
-                      <a:pPr rtl="0"/>
-                      <a:r>
-                        <a:rPr lang="en-US" dirty="0"/>
-                        <a:t>DELETE</a:t>
-                      </a:r>
-                    </a:p>
-                  </a:txBody>
-                  <a:tcPr/>
-                </a:tc>
-                <a:extLst>
-                  <a:ext uri="{0D108BD9-81ED-4DB2-BD59-A6C34878D82A}">
-                    <a16:rowId xmlns:a16="http://schemas.microsoft.com/office/drawing/2014/main" val="3935472982"/>
-                  </a:ext>
-                </a:extLst>
-              </a:tr>
-              <a:tr h="370840">
-                <a:tc>
-                  <a:txBody>
-                    <a:bodyPr/>
-                    <a:lstStyle/>
-                    <a:p>
-                      <a:pPr rtl="0"/>
-                      <a:endParaRPr lang="en-US" dirty="0"/>
-                    </a:p>
-                  </a:txBody>
-                  <a:tcPr/>
-                </a:tc>
-                <a:tc>
-                  <a:txBody>
-                    <a:bodyPr/>
-                    <a:lstStyle/>
-                    <a:p>
-                      <a:pPr rtl="0"/>
-                      <a:endParaRPr lang="en-US" dirty="0"/>
-                    </a:p>
-                  </a:txBody>
-                  <a:tcPr/>
-                </a:tc>
-                <a:tc>
-                  <a:txBody>
-                    <a:bodyPr/>
-                    <a:lstStyle/>
-                    <a:p>
-                      <a:pPr rtl="0"/>
-                      <a:endParaRPr lang="en-US" dirty="0"/>
-                    </a:p>
-                  </a:txBody>
-                  <a:tcPr/>
-                </a:tc>
-                <a:tc>
-                  <a:txBody>
-                    <a:bodyPr/>
-                    <a:lstStyle/>
-                    <a:p>
-                      <a:pPr marL="0" algn="l" defTabSz="914400" rtl="0" eaLnBrk="1" latinLnBrk="0" hangingPunct="1"/>
-                      <a:endParaRPr lang="en-US" dirty="0"/>
-                    </a:p>
-                  </a:txBody>
-                  <a:tcPr/>
-                </a:tc>
-                <a:extLst>
-                  <a:ext uri="{0D108BD9-81ED-4DB2-BD59-A6C34878D82A}">
-                    <a16:rowId xmlns:a16="http://schemas.microsoft.com/office/drawing/2014/main" val="1807663689"/>
-                  </a:ext>
-                </a:extLst>
-              </a:tr>
-            </a:tbl>
-          </a:graphicData>
-        </a:graphic>
-      </p:graphicFrame>
-    </p:spTree>
-    <p:extLst>
-      <p:ext uri="{BB962C8B-B14F-4D97-AF65-F5344CB8AC3E}">
-        <p14:creationId xmlns:p14="http://schemas.microsoft.com/office/powerpoint/2010/main" val="3903222882"/>
       </p:ext>
     </p:extLst>
   </p:cSld>
